--- a/unitTest/unittest.pptx
+++ b/unitTest/unittest.pptx
@@ -5,7 +5,7 @@
     <p:sldMasterId id="2147483648" r:id="rId1"/>
   </p:sldMasterIdLst>
   <p:notesMasterIdLst>
-    <p:notesMasterId r:id="rId21"/>
+    <p:notesMasterId r:id="rId22"/>
   </p:notesMasterIdLst>
   <p:sldIdLst>
     <p:sldId id="270" r:id="rId2"/>
@@ -25,8 +25,9 @@
     <p:sldId id="264" r:id="rId16"/>
     <p:sldId id="265" r:id="rId17"/>
     <p:sldId id="266" r:id="rId18"/>
-    <p:sldId id="268" r:id="rId19"/>
-    <p:sldId id="269" r:id="rId20"/>
+    <p:sldId id="279" r:id="rId19"/>
+    <p:sldId id="268" r:id="rId20"/>
+    <p:sldId id="269" r:id="rId21"/>
   </p:sldIdLst>
   <p:sldSz cx="9144000" cy="6858000" type="screen4x3"/>
   <p:notesSz cx="6858000" cy="9144000"/>
@@ -226,7 +227,7 @@
           <a:p>
             <a:fld id="{0CC65A13-0B9B-294B-BD6A-2ADAEBBD4D59}" type="datetimeFigureOut">
               <a:rPr kumimoji="1" lang="zh-CN" altLang="en-US" smtClean="0"/>
-              <a:t>2018/7/3</a:t>
+              <a:t>2018/8/23</a:t>
             </a:fld>
             <a:endParaRPr kumimoji="1" lang="zh-CN" altLang="en-US"/>
           </a:p>
@@ -290,38 +291,37 @@
           <a:p>
             <a:pPr lvl="0"/>
             <a:r>
-              <a:rPr kumimoji="1" lang="zh-CN" altLang="en-US" smtClean="0"/>
+              <a:rPr kumimoji="1" lang="zh-CN" altLang="en-US"/>
               <a:t>单击此处编辑母版文本样式</a:t>
             </a:r>
           </a:p>
           <a:p>
             <a:pPr lvl="1"/>
             <a:r>
-              <a:rPr kumimoji="1" lang="zh-CN" altLang="en-US" smtClean="0"/>
+              <a:rPr kumimoji="1" lang="zh-CN" altLang="en-US"/>
               <a:t>二级</a:t>
             </a:r>
           </a:p>
           <a:p>
             <a:pPr lvl="2"/>
             <a:r>
-              <a:rPr kumimoji="1" lang="zh-CN" altLang="en-US" smtClean="0"/>
+              <a:rPr kumimoji="1" lang="zh-CN" altLang="en-US"/>
               <a:t>三级</a:t>
             </a:r>
           </a:p>
           <a:p>
             <a:pPr lvl="3"/>
             <a:r>
-              <a:rPr kumimoji="1" lang="zh-CN" altLang="en-US" smtClean="0"/>
+              <a:rPr kumimoji="1" lang="zh-CN" altLang="en-US"/>
               <a:t>四级</a:t>
             </a:r>
           </a:p>
           <a:p>
             <a:pPr lvl="4"/>
             <a:r>
-              <a:rPr kumimoji="1" lang="zh-CN" altLang="en-US" smtClean="0"/>
+              <a:rPr kumimoji="1" lang="zh-CN" altLang="en-US"/>
               <a:t>五级</a:t>
             </a:r>
-            <a:endParaRPr kumimoji="1" lang="zh-CN" altLang="en-US"/>
           </a:p>
         </p:txBody>
       </p:sp>
@@ -616,10 +616,9 @@
           <a:lstStyle/>
           <a:p>
             <a:r>
-              <a:rPr kumimoji="1" lang="zh-CN" altLang="en-US" smtClean="0"/>
+              <a:rPr kumimoji="1" lang="zh-CN" altLang="en-US"/>
               <a:t>单击此处编辑母版标题样式</a:t>
             </a:r>
-            <a:endParaRPr kumimoji="1" lang="zh-CN" altLang="en-US"/>
           </a:p>
         </p:txBody>
       </p:sp>
@@ -735,10 +734,9 @@
           </a:lstStyle>
           <a:p>
             <a:r>
-              <a:rPr kumimoji="1" lang="zh-CN" altLang="en-US" smtClean="0"/>
+              <a:rPr kumimoji="1" lang="zh-CN" altLang="en-US"/>
               <a:t>单击此处编辑母版副标题样式</a:t>
             </a:r>
-            <a:endParaRPr kumimoji="1" lang="zh-CN" altLang="en-US"/>
           </a:p>
         </p:txBody>
       </p:sp>
@@ -759,7 +757,7 @@
           <a:p>
             <a:fld id="{D0EBBC36-239D-EA46-81D0-E59475613F4A}" type="datetimeFigureOut">
               <a:rPr kumimoji="1" lang="zh-CN" altLang="en-US" smtClean="0"/>
-              <a:t>2018/7/3</a:t>
+              <a:t>2018/8/23</a:t>
             </a:fld>
             <a:endParaRPr kumimoji="1" lang="zh-CN" altLang="en-US"/>
           </a:p>
@@ -853,10 +851,9 @@
           <a:lstStyle/>
           <a:p>
             <a:r>
-              <a:rPr kumimoji="1" lang="zh-CN" altLang="en-US" smtClean="0"/>
+              <a:rPr kumimoji="1" lang="zh-CN" altLang="en-US"/>
               <a:t>单击此处编辑母版标题样式</a:t>
             </a:r>
-            <a:endParaRPr kumimoji="1" lang="zh-CN" altLang="en-US"/>
           </a:p>
         </p:txBody>
       </p:sp>
@@ -877,38 +874,37 @@
           <a:p>
             <a:pPr lvl="0"/>
             <a:r>
-              <a:rPr kumimoji="1" lang="zh-CN" altLang="en-US" smtClean="0"/>
+              <a:rPr kumimoji="1" lang="zh-CN" altLang="en-US"/>
               <a:t>单击此处编辑母版文本样式</a:t>
             </a:r>
           </a:p>
           <a:p>
             <a:pPr lvl="1"/>
             <a:r>
-              <a:rPr kumimoji="1" lang="zh-CN" altLang="en-US" smtClean="0"/>
+              <a:rPr kumimoji="1" lang="zh-CN" altLang="en-US"/>
               <a:t>二级</a:t>
             </a:r>
           </a:p>
           <a:p>
             <a:pPr lvl="2"/>
             <a:r>
-              <a:rPr kumimoji="1" lang="zh-CN" altLang="en-US" smtClean="0"/>
+              <a:rPr kumimoji="1" lang="zh-CN" altLang="en-US"/>
               <a:t>三级</a:t>
             </a:r>
           </a:p>
           <a:p>
             <a:pPr lvl="3"/>
             <a:r>
-              <a:rPr kumimoji="1" lang="zh-CN" altLang="en-US" smtClean="0"/>
+              <a:rPr kumimoji="1" lang="zh-CN" altLang="en-US"/>
               <a:t>四级</a:t>
             </a:r>
           </a:p>
           <a:p>
             <a:pPr lvl="4"/>
             <a:r>
-              <a:rPr kumimoji="1" lang="zh-CN" altLang="en-US" smtClean="0"/>
+              <a:rPr kumimoji="1" lang="zh-CN" altLang="en-US"/>
               <a:t>五级</a:t>
             </a:r>
-            <a:endParaRPr kumimoji="1" lang="zh-CN" altLang="en-US"/>
           </a:p>
         </p:txBody>
       </p:sp>
@@ -929,7 +925,7 @@
           <a:p>
             <a:fld id="{D0EBBC36-239D-EA46-81D0-E59475613F4A}" type="datetimeFigureOut">
               <a:rPr kumimoji="1" lang="zh-CN" altLang="en-US" smtClean="0"/>
-              <a:t>2018/7/3</a:t>
+              <a:t>2018/8/23</a:t>
             </a:fld>
             <a:endParaRPr kumimoji="1" lang="zh-CN" altLang="en-US"/>
           </a:p>
@@ -1028,10 +1024,9 @@
           <a:lstStyle/>
           <a:p>
             <a:r>
-              <a:rPr kumimoji="1" lang="zh-CN" altLang="en-US" smtClean="0"/>
+              <a:rPr kumimoji="1" lang="zh-CN" altLang="en-US"/>
               <a:t>单击此处编辑母版标题样式</a:t>
             </a:r>
-            <a:endParaRPr kumimoji="1" lang="zh-CN" altLang="en-US"/>
           </a:p>
         </p:txBody>
       </p:sp>
@@ -1057,38 +1052,37 @@
           <a:p>
             <a:pPr lvl="0"/>
             <a:r>
-              <a:rPr kumimoji="1" lang="zh-CN" altLang="en-US" smtClean="0"/>
+              <a:rPr kumimoji="1" lang="zh-CN" altLang="en-US"/>
               <a:t>单击此处编辑母版文本样式</a:t>
             </a:r>
           </a:p>
           <a:p>
             <a:pPr lvl="1"/>
             <a:r>
-              <a:rPr kumimoji="1" lang="zh-CN" altLang="en-US" smtClean="0"/>
+              <a:rPr kumimoji="1" lang="zh-CN" altLang="en-US"/>
               <a:t>二级</a:t>
             </a:r>
           </a:p>
           <a:p>
             <a:pPr lvl="2"/>
             <a:r>
-              <a:rPr kumimoji="1" lang="zh-CN" altLang="en-US" smtClean="0"/>
+              <a:rPr kumimoji="1" lang="zh-CN" altLang="en-US"/>
               <a:t>三级</a:t>
             </a:r>
           </a:p>
           <a:p>
             <a:pPr lvl="3"/>
             <a:r>
-              <a:rPr kumimoji="1" lang="zh-CN" altLang="en-US" smtClean="0"/>
+              <a:rPr kumimoji="1" lang="zh-CN" altLang="en-US"/>
               <a:t>四级</a:t>
             </a:r>
           </a:p>
           <a:p>
             <a:pPr lvl="4"/>
             <a:r>
-              <a:rPr kumimoji="1" lang="zh-CN" altLang="en-US" smtClean="0"/>
+              <a:rPr kumimoji="1" lang="zh-CN" altLang="en-US"/>
               <a:t>五级</a:t>
             </a:r>
-            <a:endParaRPr kumimoji="1" lang="zh-CN" altLang="en-US"/>
           </a:p>
         </p:txBody>
       </p:sp>
@@ -1109,7 +1103,7 @@
           <a:p>
             <a:fld id="{D0EBBC36-239D-EA46-81D0-E59475613F4A}" type="datetimeFigureOut">
               <a:rPr kumimoji="1" lang="zh-CN" altLang="en-US" smtClean="0"/>
-              <a:t>2018/7/3</a:t>
+              <a:t>2018/8/23</a:t>
             </a:fld>
             <a:endParaRPr kumimoji="1" lang="zh-CN" altLang="en-US"/>
           </a:p>
@@ -1203,10 +1197,9 @@
           <a:lstStyle/>
           <a:p>
             <a:r>
-              <a:rPr kumimoji="1" lang="zh-CN" altLang="en-US" smtClean="0"/>
+              <a:rPr kumimoji="1" lang="zh-CN" altLang="en-US"/>
               <a:t>单击此处编辑母版标题样式</a:t>
             </a:r>
-            <a:endParaRPr kumimoji="1" lang="zh-CN" altLang="en-US"/>
           </a:p>
         </p:txBody>
       </p:sp>
@@ -1227,38 +1220,37 @@
           <a:p>
             <a:pPr lvl="0"/>
             <a:r>
-              <a:rPr kumimoji="1" lang="zh-CN" altLang="en-US" smtClean="0"/>
+              <a:rPr kumimoji="1" lang="zh-CN" altLang="en-US"/>
               <a:t>单击此处编辑母版文本样式</a:t>
             </a:r>
           </a:p>
           <a:p>
             <a:pPr lvl="1"/>
             <a:r>
-              <a:rPr kumimoji="1" lang="zh-CN" altLang="en-US" smtClean="0"/>
+              <a:rPr kumimoji="1" lang="zh-CN" altLang="en-US"/>
               <a:t>二级</a:t>
             </a:r>
           </a:p>
           <a:p>
             <a:pPr lvl="2"/>
             <a:r>
-              <a:rPr kumimoji="1" lang="zh-CN" altLang="en-US" smtClean="0"/>
+              <a:rPr kumimoji="1" lang="zh-CN" altLang="en-US"/>
               <a:t>三级</a:t>
             </a:r>
           </a:p>
           <a:p>
             <a:pPr lvl="3"/>
             <a:r>
-              <a:rPr kumimoji="1" lang="zh-CN" altLang="en-US" smtClean="0"/>
+              <a:rPr kumimoji="1" lang="zh-CN" altLang="en-US"/>
               <a:t>四级</a:t>
             </a:r>
           </a:p>
           <a:p>
             <a:pPr lvl="4"/>
             <a:r>
-              <a:rPr kumimoji="1" lang="zh-CN" altLang="en-US" smtClean="0"/>
+              <a:rPr kumimoji="1" lang="zh-CN" altLang="en-US"/>
               <a:t>五级</a:t>
             </a:r>
-            <a:endParaRPr kumimoji="1" lang="zh-CN" altLang="en-US"/>
           </a:p>
         </p:txBody>
       </p:sp>
@@ -1279,7 +1271,7 @@
           <a:p>
             <a:fld id="{D0EBBC36-239D-EA46-81D0-E59475613F4A}" type="datetimeFigureOut">
               <a:rPr kumimoji="1" lang="zh-CN" altLang="en-US" smtClean="0"/>
-              <a:t>2018/7/3</a:t>
+              <a:t>2018/8/23</a:t>
             </a:fld>
             <a:endParaRPr kumimoji="1" lang="zh-CN" altLang="en-US"/>
           </a:p>
@@ -1382,10 +1374,9 @@
           </a:lstStyle>
           <a:p>
             <a:r>
-              <a:rPr kumimoji="1" lang="zh-CN" altLang="en-US" smtClean="0"/>
+              <a:rPr kumimoji="1" lang="zh-CN" altLang="en-US"/>
               <a:t>单击此处编辑母版标题样式</a:t>
             </a:r>
-            <a:endParaRPr kumimoji="1" lang="zh-CN" altLang="en-US"/>
           </a:p>
         </p:txBody>
       </p:sp>
@@ -1502,7 +1493,7 @@
           <a:p>
             <a:pPr lvl="0"/>
             <a:r>
-              <a:rPr kumimoji="1" lang="zh-CN" altLang="en-US" smtClean="0"/>
+              <a:rPr kumimoji="1" lang="zh-CN" altLang="en-US"/>
               <a:t>单击此处编辑母版文本样式</a:t>
             </a:r>
           </a:p>
@@ -1525,7 +1516,7 @@
           <a:p>
             <a:fld id="{D0EBBC36-239D-EA46-81D0-E59475613F4A}" type="datetimeFigureOut">
               <a:rPr kumimoji="1" lang="zh-CN" altLang="en-US" smtClean="0"/>
-              <a:t>2018/7/3</a:t>
+              <a:t>2018/8/23</a:t>
             </a:fld>
             <a:endParaRPr kumimoji="1" lang="zh-CN" altLang="en-US"/>
           </a:p>
@@ -1619,10 +1610,9 @@
           <a:lstStyle/>
           <a:p>
             <a:r>
-              <a:rPr kumimoji="1" lang="zh-CN" altLang="en-US" smtClean="0"/>
+              <a:rPr kumimoji="1" lang="zh-CN" altLang="en-US"/>
               <a:t>单击此处编辑母版标题样式</a:t>
             </a:r>
-            <a:endParaRPr kumimoji="1" lang="zh-CN" altLang="en-US"/>
           </a:p>
         </p:txBody>
       </p:sp>
@@ -1676,38 +1666,37 @@
           <a:p>
             <a:pPr lvl="0"/>
             <a:r>
-              <a:rPr kumimoji="1" lang="zh-CN" altLang="en-US" smtClean="0"/>
+              <a:rPr kumimoji="1" lang="zh-CN" altLang="en-US"/>
               <a:t>单击此处编辑母版文本样式</a:t>
             </a:r>
           </a:p>
           <a:p>
             <a:pPr lvl="1"/>
             <a:r>
-              <a:rPr kumimoji="1" lang="zh-CN" altLang="en-US" smtClean="0"/>
+              <a:rPr kumimoji="1" lang="zh-CN" altLang="en-US"/>
               <a:t>二级</a:t>
             </a:r>
           </a:p>
           <a:p>
             <a:pPr lvl="2"/>
             <a:r>
-              <a:rPr kumimoji="1" lang="zh-CN" altLang="en-US" smtClean="0"/>
+              <a:rPr kumimoji="1" lang="zh-CN" altLang="en-US"/>
               <a:t>三级</a:t>
             </a:r>
           </a:p>
           <a:p>
             <a:pPr lvl="3"/>
             <a:r>
-              <a:rPr kumimoji="1" lang="zh-CN" altLang="en-US" smtClean="0"/>
+              <a:rPr kumimoji="1" lang="zh-CN" altLang="en-US"/>
               <a:t>四级</a:t>
             </a:r>
           </a:p>
           <a:p>
             <a:pPr lvl="4"/>
             <a:r>
-              <a:rPr kumimoji="1" lang="zh-CN" altLang="en-US" smtClean="0"/>
+              <a:rPr kumimoji="1" lang="zh-CN" altLang="en-US"/>
               <a:t>五级</a:t>
             </a:r>
-            <a:endParaRPr kumimoji="1" lang="zh-CN" altLang="en-US"/>
           </a:p>
         </p:txBody>
       </p:sp>
@@ -1761,38 +1750,37 @@
           <a:p>
             <a:pPr lvl="0"/>
             <a:r>
-              <a:rPr kumimoji="1" lang="zh-CN" altLang="en-US" smtClean="0"/>
+              <a:rPr kumimoji="1" lang="zh-CN" altLang="en-US"/>
               <a:t>单击此处编辑母版文本样式</a:t>
             </a:r>
           </a:p>
           <a:p>
             <a:pPr lvl="1"/>
             <a:r>
-              <a:rPr kumimoji="1" lang="zh-CN" altLang="en-US" smtClean="0"/>
+              <a:rPr kumimoji="1" lang="zh-CN" altLang="en-US"/>
               <a:t>二级</a:t>
             </a:r>
           </a:p>
           <a:p>
             <a:pPr lvl="2"/>
             <a:r>
-              <a:rPr kumimoji="1" lang="zh-CN" altLang="en-US" smtClean="0"/>
+              <a:rPr kumimoji="1" lang="zh-CN" altLang="en-US"/>
               <a:t>三级</a:t>
             </a:r>
           </a:p>
           <a:p>
             <a:pPr lvl="3"/>
             <a:r>
-              <a:rPr kumimoji="1" lang="zh-CN" altLang="en-US" smtClean="0"/>
+              <a:rPr kumimoji="1" lang="zh-CN" altLang="en-US"/>
               <a:t>四级</a:t>
             </a:r>
           </a:p>
           <a:p>
             <a:pPr lvl="4"/>
             <a:r>
-              <a:rPr kumimoji="1" lang="zh-CN" altLang="en-US" smtClean="0"/>
+              <a:rPr kumimoji="1" lang="zh-CN" altLang="en-US"/>
               <a:t>五级</a:t>
             </a:r>
-            <a:endParaRPr kumimoji="1" lang="zh-CN" altLang="en-US"/>
           </a:p>
         </p:txBody>
       </p:sp>
@@ -1813,7 +1801,7 @@
           <a:p>
             <a:fld id="{D0EBBC36-239D-EA46-81D0-E59475613F4A}" type="datetimeFigureOut">
               <a:rPr kumimoji="1" lang="zh-CN" altLang="en-US" smtClean="0"/>
-              <a:t>2018/7/3</a:t>
+              <a:t>2018/8/23</a:t>
             </a:fld>
             <a:endParaRPr kumimoji="1" lang="zh-CN" altLang="en-US"/>
           </a:p>
@@ -1911,10 +1899,9 @@
           </a:lstStyle>
           <a:p>
             <a:r>
-              <a:rPr kumimoji="1" lang="zh-CN" altLang="en-US" smtClean="0"/>
+              <a:rPr kumimoji="1" lang="zh-CN" altLang="en-US"/>
               <a:t>单击此处编辑母版标题样式</a:t>
             </a:r>
-            <a:endParaRPr kumimoji="1" lang="zh-CN" altLang="en-US"/>
           </a:p>
         </p:txBody>
       </p:sp>
@@ -1977,7 +1964,7 @@
           <a:p>
             <a:pPr lvl="0"/>
             <a:r>
-              <a:rPr kumimoji="1" lang="zh-CN" altLang="en-US" smtClean="0"/>
+              <a:rPr kumimoji="1" lang="zh-CN" altLang="en-US"/>
               <a:t>单击此处编辑母版文本样式</a:t>
             </a:r>
           </a:p>
@@ -2033,38 +2020,37 @@
           <a:p>
             <a:pPr lvl="0"/>
             <a:r>
-              <a:rPr kumimoji="1" lang="zh-CN" altLang="en-US" smtClean="0"/>
+              <a:rPr kumimoji="1" lang="zh-CN" altLang="en-US"/>
               <a:t>单击此处编辑母版文本样式</a:t>
             </a:r>
           </a:p>
           <a:p>
             <a:pPr lvl="1"/>
             <a:r>
-              <a:rPr kumimoji="1" lang="zh-CN" altLang="en-US" smtClean="0"/>
+              <a:rPr kumimoji="1" lang="zh-CN" altLang="en-US"/>
               <a:t>二级</a:t>
             </a:r>
           </a:p>
           <a:p>
             <a:pPr lvl="2"/>
             <a:r>
-              <a:rPr kumimoji="1" lang="zh-CN" altLang="en-US" smtClean="0"/>
+              <a:rPr kumimoji="1" lang="zh-CN" altLang="en-US"/>
               <a:t>三级</a:t>
             </a:r>
           </a:p>
           <a:p>
             <a:pPr lvl="3"/>
             <a:r>
-              <a:rPr kumimoji="1" lang="zh-CN" altLang="en-US" smtClean="0"/>
+              <a:rPr kumimoji="1" lang="zh-CN" altLang="en-US"/>
               <a:t>四级</a:t>
             </a:r>
           </a:p>
           <a:p>
             <a:pPr lvl="4"/>
             <a:r>
-              <a:rPr kumimoji="1" lang="zh-CN" altLang="en-US" smtClean="0"/>
+              <a:rPr kumimoji="1" lang="zh-CN" altLang="en-US"/>
               <a:t>五级</a:t>
             </a:r>
-            <a:endParaRPr kumimoji="1" lang="zh-CN" altLang="en-US"/>
           </a:p>
         </p:txBody>
       </p:sp>
@@ -2127,7 +2113,7 @@
           <a:p>
             <a:pPr lvl="0"/>
             <a:r>
-              <a:rPr kumimoji="1" lang="zh-CN" altLang="en-US" smtClean="0"/>
+              <a:rPr kumimoji="1" lang="zh-CN" altLang="en-US"/>
               <a:t>单击此处编辑母版文本样式</a:t>
             </a:r>
           </a:p>
@@ -2183,38 +2169,37 @@
           <a:p>
             <a:pPr lvl="0"/>
             <a:r>
-              <a:rPr kumimoji="1" lang="zh-CN" altLang="en-US" smtClean="0"/>
+              <a:rPr kumimoji="1" lang="zh-CN" altLang="en-US"/>
               <a:t>单击此处编辑母版文本样式</a:t>
             </a:r>
           </a:p>
           <a:p>
             <a:pPr lvl="1"/>
             <a:r>
-              <a:rPr kumimoji="1" lang="zh-CN" altLang="en-US" smtClean="0"/>
+              <a:rPr kumimoji="1" lang="zh-CN" altLang="en-US"/>
               <a:t>二级</a:t>
             </a:r>
           </a:p>
           <a:p>
             <a:pPr lvl="2"/>
             <a:r>
-              <a:rPr kumimoji="1" lang="zh-CN" altLang="en-US" smtClean="0"/>
+              <a:rPr kumimoji="1" lang="zh-CN" altLang="en-US"/>
               <a:t>三级</a:t>
             </a:r>
           </a:p>
           <a:p>
             <a:pPr lvl="3"/>
             <a:r>
-              <a:rPr kumimoji="1" lang="zh-CN" altLang="en-US" smtClean="0"/>
+              <a:rPr kumimoji="1" lang="zh-CN" altLang="en-US"/>
               <a:t>四级</a:t>
             </a:r>
           </a:p>
           <a:p>
             <a:pPr lvl="4"/>
             <a:r>
-              <a:rPr kumimoji="1" lang="zh-CN" altLang="en-US" smtClean="0"/>
+              <a:rPr kumimoji="1" lang="zh-CN" altLang="en-US"/>
               <a:t>五级</a:t>
             </a:r>
-            <a:endParaRPr kumimoji="1" lang="zh-CN" altLang="en-US"/>
           </a:p>
         </p:txBody>
       </p:sp>
@@ -2235,7 +2220,7 @@
           <a:p>
             <a:fld id="{D0EBBC36-239D-EA46-81D0-E59475613F4A}" type="datetimeFigureOut">
               <a:rPr kumimoji="1" lang="zh-CN" altLang="en-US" smtClean="0"/>
-              <a:t>2018/7/3</a:t>
+              <a:t>2018/8/23</a:t>
             </a:fld>
             <a:endParaRPr kumimoji="1" lang="zh-CN" altLang="en-US"/>
           </a:p>
@@ -2329,10 +2314,9 @@
           <a:lstStyle/>
           <a:p>
             <a:r>
-              <a:rPr kumimoji="1" lang="zh-CN" altLang="en-US" smtClean="0"/>
+              <a:rPr kumimoji="1" lang="zh-CN" altLang="en-US"/>
               <a:t>单击此处编辑母版标题样式</a:t>
             </a:r>
-            <a:endParaRPr kumimoji="1" lang="zh-CN" altLang="en-US"/>
           </a:p>
         </p:txBody>
       </p:sp>
@@ -2353,7 +2337,7 @@
           <a:p>
             <a:fld id="{D0EBBC36-239D-EA46-81D0-E59475613F4A}" type="datetimeFigureOut">
               <a:rPr kumimoji="1" lang="zh-CN" altLang="en-US" smtClean="0"/>
-              <a:t>2018/7/3</a:t>
+              <a:t>2018/8/23</a:t>
             </a:fld>
             <a:endParaRPr kumimoji="1" lang="zh-CN" altLang="en-US"/>
           </a:p>
@@ -2448,7 +2432,7 @@
           <a:p>
             <a:fld id="{D0EBBC36-239D-EA46-81D0-E59475613F4A}" type="datetimeFigureOut">
               <a:rPr kumimoji="1" lang="zh-CN" altLang="en-US" smtClean="0"/>
-              <a:t>2018/7/3</a:t>
+              <a:t>2018/8/23</a:t>
             </a:fld>
             <a:endParaRPr kumimoji="1" lang="zh-CN" altLang="en-US"/>
           </a:p>
@@ -2551,10 +2535,9 @@
           </a:lstStyle>
           <a:p>
             <a:r>
-              <a:rPr kumimoji="1" lang="zh-CN" altLang="en-US" smtClean="0"/>
+              <a:rPr kumimoji="1" lang="zh-CN" altLang="en-US"/>
               <a:t>单击此处编辑母版标题样式</a:t>
             </a:r>
-            <a:endParaRPr kumimoji="1" lang="zh-CN" altLang="en-US"/>
           </a:p>
         </p:txBody>
       </p:sp>
@@ -2608,38 +2591,37 @@
           <a:p>
             <a:pPr lvl="0"/>
             <a:r>
-              <a:rPr kumimoji="1" lang="zh-CN" altLang="en-US" smtClean="0"/>
+              <a:rPr kumimoji="1" lang="zh-CN" altLang="en-US"/>
               <a:t>单击此处编辑母版文本样式</a:t>
             </a:r>
           </a:p>
           <a:p>
             <a:pPr lvl="1"/>
             <a:r>
-              <a:rPr kumimoji="1" lang="zh-CN" altLang="en-US" smtClean="0"/>
+              <a:rPr kumimoji="1" lang="zh-CN" altLang="en-US"/>
               <a:t>二级</a:t>
             </a:r>
           </a:p>
           <a:p>
             <a:pPr lvl="2"/>
             <a:r>
-              <a:rPr kumimoji="1" lang="zh-CN" altLang="en-US" smtClean="0"/>
+              <a:rPr kumimoji="1" lang="zh-CN" altLang="en-US"/>
               <a:t>三级</a:t>
             </a:r>
           </a:p>
           <a:p>
             <a:pPr lvl="3"/>
             <a:r>
-              <a:rPr kumimoji="1" lang="zh-CN" altLang="en-US" smtClean="0"/>
+              <a:rPr kumimoji="1" lang="zh-CN" altLang="en-US"/>
               <a:t>四级</a:t>
             </a:r>
           </a:p>
           <a:p>
             <a:pPr lvl="4"/>
             <a:r>
-              <a:rPr kumimoji="1" lang="zh-CN" altLang="en-US" smtClean="0"/>
+              <a:rPr kumimoji="1" lang="zh-CN" altLang="en-US"/>
               <a:t>五级</a:t>
             </a:r>
-            <a:endParaRPr kumimoji="1" lang="zh-CN" altLang="en-US"/>
           </a:p>
         </p:txBody>
       </p:sp>
@@ -2702,7 +2684,7 @@
           <a:p>
             <a:pPr lvl="0"/>
             <a:r>
-              <a:rPr kumimoji="1" lang="zh-CN" altLang="en-US" smtClean="0"/>
+              <a:rPr kumimoji="1" lang="zh-CN" altLang="en-US"/>
               <a:t>单击此处编辑母版文本样式</a:t>
             </a:r>
           </a:p>
@@ -2725,7 +2707,7 @@
           <a:p>
             <a:fld id="{D0EBBC36-239D-EA46-81D0-E59475613F4A}" type="datetimeFigureOut">
               <a:rPr kumimoji="1" lang="zh-CN" altLang="en-US" smtClean="0"/>
-              <a:t>2018/7/3</a:t>
+              <a:t>2018/8/23</a:t>
             </a:fld>
             <a:endParaRPr kumimoji="1" lang="zh-CN" altLang="en-US"/>
           </a:p>
@@ -2828,10 +2810,9 @@
           </a:lstStyle>
           <a:p>
             <a:r>
-              <a:rPr kumimoji="1" lang="zh-CN" altLang="en-US" smtClean="0"/>
+              <a:rPr kumimoji="1" lang="zh-CN" altLang="en-US"/>
               <a:t>单击此处编辑母版标题样式</a:t>
             </a:r>
-            <a:endParaRPr kumimoji="1" lang="zh-CN" altLang="en-US"/>
           </a:p>
         </p:txBody>
       </p:sp>
@@ -2955,7 +2936,7 @@
           <a:p>
             <a:pPr lvl="0"/>
             <a:r>
-              <a:rPr kumimoji="1" lang="zh-CN" altLang="en-US" smtClean="0"/>
+              <a:rPr kumimoji="1" lang="zh-CN" altLang="en-US"/>
               <a:t>单击此处编辑母版文本样式</a:t>
             </a:r>
           </a:p>
@@ -2978,7 +2959,7 @@
           <a:p>
             <a:fld id="{D0EBBC36-239D-EA46-81D0-E59475613F4A}" type="datetimeFigureOut">
               <a:rPr kumimoji="1" lang="zh-CN" altLang="en-US" smtClean="0"/>
-              <a:t>2018/7/3</a:t>
+              <a:t>2018/8/23</a:t>
             </a:fld>
             <a:endParaRPr kumimoji="1" lang="zh-CN" altLang="en-US"/>
           </a:p>
@@ -3087,10 +3068,9 @@
           <a:lstStyle/>
           <a:p>
             <a:r>
-              <a:rPr kumimoji="1" lang="zh-CN" altLang="en-US" smtClean="0"/>
+              <a:rPr kumimoji="1" lang="zh-CN" altLang="en-US"/>
               <a:t>单击此处编辑母版标题样式</a:t>
             </a:r>
-            <a:endParaRPr kumimoji="1" lang="zh-CN" altLang="en-US"/>
           </a:p>
         </p:txBody>
       </p:sp>
@@ -3121,38 +3101,37 @@
           <a:p>
             <a:pPr lvl="0"/>
             <a:r>
-              <a:rPr kumimoji="1" lang="zh-CN" altLang="en-US" smtClean="0"/>
+              <a:rPr kumimoji="1" lang="zh-CN" altLang="en-US"/>
               <a:t>单击此处编辑母版文本样式</a:t>
             </a:r>
           </a:p>
           <a:p>
             <a:pPr lvl="1"/>
             <a:r>
-              <a:rPr kumimoji="1" lang="zh-CN" altLang="en-US" smtClean="0"/>
+              <a:rPr kumimoji="1" lang="zh-CN" altLang="en-US"/>
               <a:t>二级</a:t>
             </a:r>
           </a:p>
           <a:p>
             <a:pPr lvl="2"/>
             <a:r>
-              <a:rPr kumimoji="1" lang="zh-CN" altLang="en-US" smtClean="0"/>
+              <a:rPr kumimoji="1" lang="zh-CN" altLang="en-US"/>
               <a:t>三级</a:t>
             </a:r>
           </a:p>
           <a:p>
             <a:pPr lvl="3"/>
             <a:r>
-              <a:rPr kumimoji="1" lang="zh-CN" altLang="en-US" smtClean="0"/>
+              <a:rPr kumimoji="1" lang="zh-CN" altLang="en-US"/>
               <a:t>四级</a:t>
             </a:r>
           </a:p>
           <a:p>
             <a:pPr lvl="4"/>
             <a:r>
-              <a:rPr kumimoji="1" lang="zh-CN" altLang="en-US" smtClean="0"/>
+              <a:rPr kumimoji="1" lang="zh-CN" altLang="en-US"/>
               <a:t>五级</a:t>
             </a:r>
-            <a:endParaRPr kumimoji="1" lang="zh-CN" altLang="en-US"/>
           </a:p>
         </p:txBody>
       </p:sp>
@@ -3191,7 +3170,7 @@
           <a:p>
             <a:fld id="{D0EBBC36-239D-EA46-81D0-E59475613F4A}" type="datetimeFigureOut">
               <a:rPr kumimoji="1" lang="zh-CN" altLang="en-US" smtClean="0"/>
-              <a:t>2018/7/3</a:t>
+              <a:t>2018/8/23</a:t>
             </a:fld>
             <a:endParaRPr kumimoji="1" lang="zh-CN" altLang="en-US"/>
           </a:p>
@@ -3582,67 +3561,66 @@
           <a:lstStyle/>
           <a:p>
             <a:r>
-              <a:rPr kumimoji="1" lang="zh-CN" altLang="en-US" dirty="0" smtClean="0"/>
+              <a:rPr kumimoji="1" lang="zh-CN" altLang="en-US" dirty="0"/>
               <a:t>什么是单元测试</a:t>
             </a:r>
-            <a:endParaRPr kumimoji="1" lang="en-US" altLang="zh-CN" dirty="0" smtClean="0"/>
-          </a:p>
-          <a:p>
-            <a:r>
-              <a:rPr kumimoji="1" lang="zh-CN" altLang="en-US" dirty="0" smtClean="0"/>
+            <a:endParaRPr kumimoji="1" lang="en-US" altLang="zh-CN" dirty="0"/>
+          </a:p>
+          <a:p>
+            <a:r>
+              <a:rPr kumimoji="1" lang="zh-CN" altLang="en-US" dirty="0"/>
               <a:t>写单元测试的好处</a:t>
             </a:r>
-            <a:endParaRPr kumimoji="1" lang="en-US" altLang="zh-CN" dirty="0" smtClean="0"/>
-          </a:p>
-          <a:p>
-            <a:r>
-              <a:rPr kumimoji="1" lang="zh-CN" altLang="en-US" dirty="0" smtClean="0"/>
+            <a:endParaRPr kumimoji="1" lang="en-US" altLang="zh-CN" dirty="0"/>
+          </a:p>
+          <a:p>
+            <a:r>
+              <a:rPr kumimoji="1" lang="zh-CN" altLang="en-US" dirty="0"/>
               <a:t>怎样去写单元测试</a:t>
             </a:r>
-            <a:endParaRPr kumimoji="1" lang="en-US" altLang="zh-CN" dirty="0" smtClean="0"/>
-          </a:p>
-          <a:p>
-            <a:r>
-              <a:rPr kumimoji="1" lang="zh-CN" altLang="en-US" dirty="0" smtClean="0"/>
+            <a:endParaRPr kumimoji="1" lang="en-US" altLang="zh-CN" dirty="0"/>
+          </a:p>
+          <a:p>
+            <a:r>
+              <a:rPr kumimoji="1" lang="zh-CN" altLang="en-US" dirty="0"/>
               <a:t>怎样去设计单元测试</a:t>
             </a:r>
             <a:r>
-              <a:rPr kumimoji="1" lang="en-US" altLang="zh-CN" dirty="0" smtClean="0"/>
+              <a:rPr kumimoji="1" lang="en-US" altLang="zh-CN" dirty="0"/>
               <a:t>case</a:t>
             </a:r>
           </a:p>
           <a:p>
             <a:r>
-              <a:rPr kumimoji="1" lang="zh-CN" altLang="en-US" dirty="0" smtClean="0"/>
+              <a:rPr kumimoji="1" lang="zh-CN" altLang="en-US" dirty="0"/>
               <a:t>修复一个</a:t>
             </a:r>
             <a:r>
-              <a:rPr kumimoji="1" lang="en-US" altLang="zh-CN" dirty="0" smtClean="0"/>
+              <a:rPr kumimoji="1" lang="en-US" altLang="zh-CN" dirty="0"/>
               <a:t>bug</a:t>
             </a:r>
             <a:r>
-              <a:rPr kumimoji="1" lang="zh-CN" altLang="en-US" dirty="0" smtClean="0"/>
+              <a:rPr kumimoji="1" lang="zh-CN" altLang="en-US" dirty="0"/>
               <a:t>正确的步骤</a:t>
             </a:r>
-            <a:endParaRPr kumimoji="1" lang="en-US" altLang="zh-CN" dirty="0" smtClean="0"/>
-          </a:p>
-          <a:p>
-            <a:r>
-              <a:rPr kumimoji="1" lang="zh-CN" altLang="en-US" dirty="0" smtClean="0"/>
+            <a:endParaRPr kumimoji="1" lang="en-US" altLang="zh-CN" dirty="0"/>
+          </a:p>
+          <a:p>
+            <a:r>
+              <a:rPr kumimoji="1" lang="zh-CN" altLang="en-US" dirty="0"/>
               <a:t>实践单元测试的几个阶段</a:t>
             </a:r>
-            <a:endParaRPr kumimoji="1" lang="en-US" altLang="zh-CN" dirty="0" smtClean="0"/>
-          </a:p>
-          <a:p>
-            <a:r>
-              <a:rPr kumimoji="1" lang="en-US" altLang="zh-CN" dirty="0" smtClean="0"/>
+            <a:endParaRPr kumimoji="1" lang="en-US" altLang="zh-CN" dirty="0"/>
+          </a:p>
+          <a:p>
+            <a:r>
+              <a:rPr kumimoji="1" lang="en-US" altLang="zh-CN" dirty="0"/>
               <a:t>idea</a:t>
             </a:r>
             <a:r>
-              <a:rPr kumimoji="1" lang="zh-CN" altLang="en-US" dirty="0" smtClean="0"/>
+              <a:rPr kumimoji="1" lang="zh-CN" altLang="en-US" dirty="0"/>
               <a:t>快捷键</a:t>
             </a:r>
-            <a:endParaRPr kumimoji="1" lang="zh-CN" altLang="en-US" dirty="0"/>
           </a:p>
         </p:txBody>
       </p:sp>
@@ -3692,19 +3670,19 @@
           <a:lstStyle/>
           <a:p>
             <a:r>
-              <a:rPr kumimoji="1" lang="zh-CN" altLang="en-US" dirty="0" smtClean="0"/>
+              <a:rPr kumimoji="1" lang="zh-CN" altLang="en-US" dirty="0"/>
               <a:t>异常测试</a:t>
             </a:r>
             <a:r>
-              <a:rPr kumimoji="1" lang="en-US" altLang="zh-CN" dirty="0" smtClean="0"/>
+              <a:rPr kumimoji="1" lang="en-US" altLang="zh-CN" dirty="0"/>
               <a:t>(</a:t>
             </a:r>
             <a:r>
-              <a:rPr kumimoji="1" lang="zh-CN" altLang="en-US" dirty="0" smtClean="0"/>
+              <a:rPr kumimoji="1" lang="zh-CN" altLang="en-US" dirty="0"/>
               <a:t>补充测试异常信息</a:t>
             </a:r>
             <a:r>
-              <a:rPr kumimoji="1" lang="en-US" altLang="zh-CN" dirty="0" smtClean="0"/>
+              <a:rPr kumimoji="1" lang="en-US" altLang="zh-CN" dirty="0"/>
               <a:t>case)</a:t>
             </a:r>
             <a:endParaRPr kumimoji="1" lang="zh-CN" altLang="en-US" dirty="0"/>
@@ -3736,25 +3714,21 @@
               <a:t>public class </a:t>
             </a:r>
             <a:r>
-              <a:rPr lang="en-US" altLang="zh-CN" sz="1200" dirty="0" err="1" smtClean="0"/>
+              <a:rPr lang="en-US" altLang="zh-CN" sz="1200" dirty="0" err="1"/>
               <a:t>HiqcHotelOrderServiceImpl</a:t>
             </a:r>
             <a:r>
-              <a:rPr lang="en-US" altLang="zh-CN" sz="1200" dirty="0" smtClean="0"/>
+              <a:rPr lang="en-US" altLang="zh-CN" sz="1200" dirty="0"/>
               <a:t> {</a:t>
             </a:r>
             <a:br>
-              <a:rPr lang="en-US" altLang="zh-CN" sz="1200" dirty="0" smtClean="0"/>
-            </a:br>
-            <a:r>
-              <a:rPr lang="en-US" altLang="zh-CN" sz="1200" dirty="0" smtClean="0"/>
-              <a:t/>
-            </a:r>
-            <a:br>
-              <a:rPr lang="en-US" altLang="zh-CN" sz="1200" dirty="0" smtClean="0"/>
-            </a:br>
-            <a:r>
-              <a:rPr lang="en-US" altLang="zh-CN" sz="1200" dirty="0" smtClean="0"/>
+              <a:rPr lang="en-US" altLang="zh-CN" sz="1200" dirty="0"/>
+            </a:br>
+            <a:br>
+              <a:rPr lang="en-US" altLang="zh-CN" sz="1200" dirty="0"/>
+            </a:br>
+            <a:r>
+              <a:rPr lang="en-US" altLang="zh-CN" sz="1200" dirty="0"/>
               <a:t>    </a:t>
             </a:r>
             <a:r>
@@ -3762,46 +3736,46 @@
               <a:t>public </a:t>
             </a:r>
             <a:r>
-              <a:rPr lang="en-US" altLang="zh-CN" sz="1200" dirty="0" smtClean="0"/>
+              <a:rPr lang="en-US" altLang="zh-CN" sz="1200" dirty="0"/>
               <a:t>List&lt;</a:t>
             </a:r>
             <a:r>
-              <a:rPr lang="en-US" altLang="zh-CN" sz="1200" dirty="0" err="1" smtClean="0"/>
+              <a:rPr lang="en-US" altLang="zh-CN" sz="1200" dirty="0" err="1"/>
               <a:t>HiqcHotelOrderRecordPO</a:t>
             </a:r>
             <a:r>
-              <a:rPr lang="en-US" altLang="zh-CN" sz="1200" dirty="0" smtClean="0"/>
+              <a:rPr lang="en-US" altLang="zh-CN" sz="1200" dirty="0"/>
               <a:t>&gt; </a:t>
             </a:r>
             <a:r>
-              <a:rPr lang="en-US" altLang="zh-CN" sz="1200" dirty="0" err="1" smtClean="0"/>
+              <a:rPr lang="en-US" altLang="zh-CN" sz="1200" dirty="0" err="1"/>
               <a:t>selectOvertimeOrders</a:t>
             </a:r>
             <a:r>
-              <a:rPr lang="en-US" altLang="zh-CN" sz="1200" dirty="0" smtClean="0"/>
+              <a:rPr lang="en-US" altLang="zh-CN" sz="1200" dirty="0"/>
               <a:t>(Date </a:t>
             </a:r>
             <a:r>
-              <a:rPr lang="en-US" altLang="zh-CN" sz="1200" dirty="0" err="1" smtClean="0"/>
+              <a:rPr lang="en-US" altLang="zh-CN" sz="1200" dirty="0" err="1"/>
               <a:t>startTime</a:t>
             </a:r>
             <a:r>
-              <a:rPr lang="en-US" altLang="zh-CN" sz="1200" dirty="0" smtClean="0"/>
+              <a:rPr lang="en-US" altLang="zh-CN" sz="1200" dirty="0"/>
               <a:t>, Date </a:t>
             </a:r>
             <a:r>
-              <a:rPr lang="en-US" altLang="zh-CN" sz="1200" dirty="0" err="1" smtClean="0"/>
+              <a:rPr lang="en-US" altLang="zh-CN" sz="1200" dirty="0" err="1"/>
               <a:t>endTime</a:t>
             </a:r>
             <a:r>
-              <a:rPr lang="en-US" altLang="zh-CN" sz="1200" dirty="0" smtClean="0"/>
+              <a:rPr lang="en-US" altLang="zh-CN" sz="1200" dirty="0"/>
               <a:t>) {</a:t>
             </a:r>
             <a:br>
-              <a:rPr lang="en-US" altLang="zh-CN" sz="1200" dirty="0" smtClean="0"/>
-            </a:br>
-            <a:r>
-              <a:rPr lang="en-US" altLang="zh-CN" sz="1200" dirty="0" smtClean="0"/>
+              <a:rPr lang="en-US" altLang="zh-CN" sz="1200" dirty="0"/>
+            </a:br>
+            <a:r>
+              <a:rPr lang="en-US" altLang="zh-CN" sz="1200" dirty="0"/>
               <a:t>        </a:t>
             </a:r>
             <a:r>
@@ -3809,15 +3783,15 @@
               <a:t>if </a:t>
             </a:r>
             <a:r>
-              <a:rPr lang="en-US" altLang="zh-CN" sz="1200" dirty="0" smtClean="0"/>
+              <a:rPr lang="en-US" altLang="zh-CN" sz="1200" dirty="0"/>
               <a:t>(</a:t>
             </a:r>
             <a:r>
-              <a:rPr lang="en-US" altLang="zh-CN" sz="1200" dirty="0" err="1" smtClean="0"/>
+              <a:rPr lang="en-US" altLang="zh-CN" sz="1200" dirty="0" err="1"/>
               <a:t>startTime</a:t>
             </a:r>
             <a:r>
-              <a:rPr lang="en-US" altLang="zh-CN" sz="1200" dirty="0" smtClean="0"/>
+              <a:rPr lang="en-US" altLang="zh-CN" sz="1200" dirty="0"/>
               <a:t> == </a:t>
             </a:r>
             <a:r>
@@ -3825,15 +3799,15 @@
               <a:t>null </a:t>
             </a:r>
             <a:r>
-              <a:rPr lang="en-US" altLang="zh-CN" sz="1200" dirty="0" smtClean="0"/>
+              <a:rPr lang="en-US" altLang="zh-CN" sz="1200" dirty="0"/>
               <a:t>|| </a:t>
             </a:r>
             <a:r>
-              <a:rPr lang="en-US" altLang="zh-CN" sz="1200" dirty="0" err="1" smtClean="0"/>
+              <a:rPr lang="en-US" altLang="zh-CN" sz="1200" dirty="0" err="1"/>
               <a:t>endTime</a:t>
             </a:r>
             <a:r>
-              <a:rPr lang="en-US" altLang="zh-CN" sz="1200" dirty="0" smtClean="0"/>
+              <a:rPr lang="en-US" altLang="zh-CN" sz="1200" dirty="0"/>
               <a:t> == </a:t>
             </a:r>
             <a:r>
@@ -3841,14 +3815,14 @@
               <a:t>null</a:t>
             </a:r>
             <a:r>
-              <a:rPr lang="en-US" altLang="zh-CN" sz="1200" dirty="0" smtClean="0"/>
+              <a:rPr lang="en-US" altLang="zh-CN" sz="1200" dirty="0"/>
               <a:t>) {</a:t>
             </a:r>
             <a:br>
-              <a:rPr lang="en-US" altLang="zh-CN" sz="1200" dirty="0" smtClean="0"/>
-            </a:br>
-            <a:r>
-              <a:rPr lang="en-US" altLang="zh-CN" sz="1200" dirty="0" smtClean="0"/>
+              <a:rPr lang="en-US" altLang="zh-CN" sz="1200" dirty="0"/>
+            </a:br>
+            <a:r>
+              <a:rPr lang="en-US" altLang="zh-CN" sz="1200" dirty="0"/>
               <a:t>            </a:t>
             </a:r>
             <a:r>
@@ -3856,11 +3830,11 @@
               <a:t>log</a:t>
             </a:r>
             <a:r>
-              <a:rPr lang="en-US" altLang="zh-CN" sz="1200" dirty="0" err="1" smtClean="0"/>
+              <a:rPr lang="en-US" altLang="zh-CN" sz="1200" dirty="0" err="1"/>
               <a:t>.error</a:t>
             </a:r>
             <a:r>
-              <a:rPr lang="en-US" altLang="zh-CN" sz="1200" dirty="0" smtClean="0"/>
+              <a:rPr lang="en-US" altLang="zh-CN" sz="1200" dirty="0"/>
               <a:t>(</a:t>
             </a:r>
             <a:r>
@@ -3868,14 +3842,14 @@
               <a:t>"empty date time"</a:t>
             </a:r>
             <a:r>
-              <a:rPr lang="en-US" altLang="zh-CN" sz="1200" dirty="0" smtClean="0"/>
+              <a:rPr lang="en-US" altLang="zh-CN" sz="1200" dirty="0"/>
               <a:t>);</a:t>
             </a:r>
             <a:br>
-              <a:rPr lang="en-US" altLang="zh-CN" sz="1200" dirty="0" smtClean="0"/>
-            </a:br>
-            <a:r>
-              <a:rPr lang="en-US" altLang="zh-CN" sz="1200" dirty="0" smtClean="0"/>
+              <a:rPr lang="en-US" altLang="zh-CN" sz="1200" dirty="0"/>
+            </a:br>
+            <a:r>
+              <a:rPr lang="en-US" altLang="zh-CN" sz="1200" dirty="0"/>
               <a:t>            </a:t>
             </a:r>
             <a:r>
@@ -3883,11 +3857,11 @@
               <a:t>throw new </a:t>
             </a:r>
             <a:r>
-              <a:rPr lang="en-US" altLang="zh-CN" sz="1200" dirty="0" err="1" smtClean="0"/>
+              <a:rPr lang="en-US" altLang="zh-CN" sz="1200" dirty="0" err="1"/>
               <a:t>IllegalArgumentException</a:t>
             </a:r>
             <a:r>
-              <a:rPr lang="en-US" altLang="zh-CN" sz="1200" dirty="0" smtClean="0"/>
+              <a:rPr lang="en-US" altLang="zh-CN" sz="1200" dirty="0"/>
               <a:t>(</a:t>
             </a:r>
             <a:r>
@@ -3895,21 +3869,21 @@
               <a:t>"empty date time"</a:t>
             </a:r>
             <a:r>
-              <a:rPr lang="en-US" altLang="zh-CN" sz="1200" dirty="0" smtClean="0"/>
+              <a:rPr lang="en-US" altLang="zh-CN" sz="1200" dirty="0"/>
               <a:t>);</a:t>
             </a:r>
             <a:br>
-              <a:rPr lang="en-US" altLang="zh-CN" sz="1200" dirty="0" smtClean="0"/>
-            </a:br>
-            <a:r>
-              <a:rPr lang="en-US" altLang="zh-CN" sz="1200" dirty="0" smtClean="0"/>
+              <a:rPr lang="en-US" altLang="zh-CN" sz="1200" dirty="0"/>
+            </a:br>
+            <a:r>
+              <a:rPr lang="en-US" altLang="zh-CN" sz="1200" dirty="0"/>
               <a:t>        }</a:t>
             </a:r>
             <a:br>
-              <a:rPr lang="en-US" altLang="zh-CN" sz="1200" dirty="0" smtClean="0"/>
-            </a:br>
-            <a:r>
-              <a:rPr lang="en-US" altLang="zh-CN" sz="1200" dirty="0" smtClean="0"/>
+              <a:rPr lang="en-US" altLang="zh-CN" sz="1200" dirty="0"/>
+            </a:br>
+            <a:r>
+              <a:rPr lang="en-US" altLang="zh-CN" sz="1200" dirty="0"/>
               <a:t>        </a:t>
             </a:r>
             <a:r>
@@ -3917,38 +3891,34 @@
               <a:t>return </a:t>
             </a:r>
             <a:r>
-              <a:rPr lang="en-US" altLang="zh-CN" sz="1200" dirty="0" err="1" smtClean="0"/>
+              <a:rPr lang="en-US" altLang="zh-CN" sz="1200" dirty="0" err="1"/>
               <a:t>Lists.</a:t>
             </a:r>
             <a:r>
-              <a:rPr lang="en-US" altLang="zh-CN" sz="1200" i="1" dirty="0" err="1" smtClean="0">
+              <a:rPr lang="en-US" altLang="zh-CN" sz="1200" i="1" dirty="0" err="1">
                 <a:effectLst/>
               </a:rPr>
               <a:t>newArrayList</a:t>
             </a:r>
             <a:r>
-              <a:rPr lang="en-US" altLang="zh-CN" sz="1200" dirty="0" smtClean="0"/>
+              <a:rPr lang="en-US" altLang="zh-CN" sz="1200" dirty="0"/>
               <a:t>();</a:t>
             </a:r>
             <a:br>
-              <a:rPr lang="en-US" altLang="zh-CN" sz="1200" dirty="0" smtClean="0"/>
-            </a:br>
-            <a:r>
-              <a:rPr lang="en-US" altLang="zh-CN" sz="1200" dirty="0" smtClean="0"/>
+              <a:rPr lang="en-US" altLang="zh-CN" sz="1200" dirty="0"/>
+            </a:br>
+            <a:r>
+              <a:rPr lang="en-US" altLang="zh-CN" sz="1200" dirty="0"/>
               <a:t>    }</a:t>
             </a:r>
             <a:br>
-              <a:rPr lang="en-US" altLang="zh-CN" sz="1200" dirty="0" smtClean="0"/>
-            </a:br>
-            <a:r>
-              <a:rPr lang="en-US" altLang="zh-CN" sz="1200" dirty="0" smtClean="0"/>
-              <a:t/>
-            </a:r>
-            <a:br>
-              <a:rPr lang="en-US" altLang="zh-CN" sz="1200" dirty="0" smtClean="0"/>
-            </a:br>
-            <a:r>
-              <a:rPr lang="en-US" altLang="zh-CN" sz="1200" dirty="0" smtClean="0"/>
+              <a:rPr lang="en-US" altLang="zh-CN" sz="1200" dirty="0"/>
+            </a:br>
+            <a:br>
+              <a:rPr lang="en-US" altLang="zh-CN" sz="1200" dirty="0"/>
+            </a:br>
+            <a:r>
+              <a:rPr lang="en-US" altLang="zh-CN" sz="1200" dirty="0"/>
               <a:t>}</a:t>
             </a:r>
           </a:p>
@@ -3967,25 +3937,21 @@
               <a:t>public class </a:t>
             </a:r>
             <a:r>
-              <a:rPr lang="en-US" altLang="zh-CN" sz="1200" dirty="0" err="1" smtClean="0"/>
+              <a:rPr lang="en-US" altLang="zh-CN" sz="1200" dirty="0" err="1"/>
               <a:t>HiqcHotelOrderServiceImplTest</a:t>
             </a:r>
             <a:r>
-              <a:rPr lang="en-US" altLang="zh-CN" sz="1200" dirty="0" smtClean="0"/>
+              <a:rPr lang="en-US" altLang="zh-CN" sz="1200" dirty="0"/>
               <a:t> {</a:t>
             </a:r>
             <a:br>
-              <a:rPr lang="en-US" altLang="zh-CN" sz="1200" dirty="0" smtClean="0"/>
-            </a:br>
-            <a:r>
-              <a:rPr lang="en-US" altLang="zh-CN" sz="1200" dirty="0" smtClean="0"/>
-              <a:t/>
-            </a:r>
-            <a:br>
-              <a:rPr lang="en-US" altLang="zh-CN" sz="1200" dirty="0" smtClean="0"/>
-            </a:br>
-            <a:r>
-              <a:rPr lang="en-US" altLang="zh-CN" sz="1200" dirty="0" smtClean="0"/>
+              <a:rPr lang="en-US" altLang="zh-CN" sz="1200" dirty="0"/>
+            </a:br>
+            <a:br>
+              <a:rPr lang="en-US" altLang="zh-CN" sz="1200" dirty="0"/>
+            </a:br>
+            <a:r>
+              <a:rPr lang="en-US" altLang="zh-CN" sz="1200" dirty="0"/>
               <a:t>    </a:t>
             </a:r>
             <a:r>
@@ -3993,11 +3959,11 @@
               <a:t>private </a:t>
             </a:r>
             <a:r>
-              <a:rPr lang="en-US" altLang="zh-CN" sz="1200" dirty="0" err="1" smtClean="0"/>
+              <a:rPr lang="en-US" altLang="zh-CN" sz="1200" dirty="0" err="1"/>
               <a:t>HiqcHotelOrderServiceImpl</a:t>
             </a:r>
             <a:r>
-              <a:rPr lang="en-US" altLang="zh-CN" sz="1200" dirty="0" smtClean="0"/>
+              <a:rPr lang="en-US" altLang="zh-CN" sz="1200" dirty="0"/>
               <a:t> </a:t>
             </a:r>
             <a:r>
@@ -4009,7 +3975,7 @@
               <a:t> </a:t>
             </a:r>
             <a:r>
-              <a:rPr lang="en-US" altLang="zh-CN" sz="1200" dirty="0" smtClean="0"/>
+              <a:rPr lang="en-US" altLang="zh-CN" sz="1200" dirty="0"/>
               <a:t>= </a:t>
             </a:r>
             <a:r>
@@ -4017,37 +3983,25 @@
               <a:t>new </a:t>
             </a:r>
             <a:r>
-              <a:rPr lang="en-US" altLang="zh-CN" sz="1200" dirty="0" err="1" smtClean="0"/>
+              <a:rPr lang="en-US" altLang="zh-CN" sz="1200" dirty="0" err="1"/>
               <a:t>HiqcHotelOrderServiceImpl</a:t>
             </a:r>
             <a:r>
-              <a:rPr lang="en-US" altLang="zh-CN" sz="1200" dirty="0" smtClean="0"/>
+              <a:rPr lang="en-US" altLang="zh-CN" sz="1200" dirty="0"/>
               <a:t>();</a:t>
             </a:r>
             <a:br>
-              <a:rPr lang="en-US" altLang="zh-CN" sz="1200" dirty="0" smtClean="0"/>
-            </a:br>
-            <a:r>
-              <a:rPr lang="en-US" altLang="zh-CN" sz="1200" dirty="0" smtClean="0"/>
-              <a:t/>
-            </a:r>
-            <a:br>
-              <a:rPr lang="en-US" altLang="zh-CN" sz="1200" dirty="0" smtClean="0"/>
-            </a:br>
-            <a:r>
-              <a:rPr lang="en-US" altLang="zh-CN" sz="1200" dirty="0" smtClean="0"/>
-              <a:t>    </a:t>
-            </a:r>
-            <a:r>
-              <a:rPr lang="en-US" altLang="zh-CN" sz="1200" dirty="0"/>
-              <a:t>@Test</a:t>
-            </a:r>
-            <a:r>
-              <a:rPr lang="en-US" altLang="zh-CN" sz="1200" dirty="0" smtClean="0"/>
-              <a:t>(expected = </a:t>
-            </a:r>
-            <a:r>
-              <a:rPr lang="en-US" altLang="zh-CN" sz="1200" dirty="0" err="1" smtClean="0"/>
+              <a:rPr lang="en-US" altLang="zh-CN" sz="1200" dirty="0"/>
+            </a:br>
+            <a:br>
+              <a:rPr lang="en-US" altLang="zh-CN" sz="1200" dirty="0"/>
+            </a:br>
+            <a:r>
+              <a:rPr lang="en-US" altLang="zh-CN" sz="1200" dirty="0"/>
+              <a:t>    @Test(expected = </a:t>
+            </a:r>
+            <a:r>
+              <a:rPr lang="en-US" altLang="zh-CN" sz="1200" dirty="0" err="1"/>
               <a:t>IllegalArgumentException.</a:t>
             </a:r>
             <a:r>
@@ -4055,14 +4009,14 @@
               <a:t>class</a:t>
             </a:r>
             <a:r>
-              <a:rPr lang="en-US" altLang="zh-CN" sz="1200" dirty="0" smtClean="0"/>
+              <a:rPr lang="en-US" altLang="zh-CN" sz="1200" dirty="0"/>
               <a:t>)</a:t>
             </a:r>
             <a:br>
-              <a:rPr lang="en-US" altLang="zh-CN" sz="1200" dirty="0" smtClean="0"/>
-            </a:br>
-            <a:r>
-              <a:rPr lang="en-US" altLang="zh-CN" sz="1200" dirty="0" smtClean="0"/>
+              <a:rPr lang="en-US" altLang="zh-CN" sz="1200" dirty="0"/>
+            </a:br>
+            <a:r>
+              <a:rPr lang="en-US" altLang="zh-CN" sz="1200" dirty="0"/>
               <a:t>    </a:t>
             </a:r>
             <a:r>
@@ -4070,11 +4024,11 @@
               <a:t>public void </a:t>
             </a:r>
             <a:r>
-              <a:rPr lang="en-US" altLang="zh-CN" sz="1200" dirty="0" err="1" smtClean="0"/>
+              <a:rPr lang="en-US" altLang="zh-CN" sz="1200" dirty="0" err="1"/>
               <a:t>testSelectOvertimeOrders</a:t>
             </a:r>
             <a:r>
-              <a:rPr lang="en-US" altLang="zh-CN" sz="1200" dirty="0" smtClean="0"/>
+              <a:rPr lang="en-US" altLang="zh-CN" sz="1200" dirty="0"/>
               <a:t>() </a:t>
             </a:r>
             <a:r>
@@ -4082,14 +4036,14 @@
               <a:t>throws </a:t>
             </a:r>
             <a:r>
-              <a:rPr lang="en-US" altLang="zh-CN" sz="1200" dirty="0" smtClean="0"/>
+              <a:rPr lang="en-US" altLang="zh-CN" sz="1200" dirty="0"/>
               <a:t>Exception {</a:t>
             </a:r>
             <a:br>
-              <a:rPr lang="en-US" altLang="zh-CN" sz="1200" dirty="0" smtClean="0"/>
-            </a:br>
-            <a:r>
-              <a:rPr lang="en-US" altLang="zh-CN" sz="1200" dirty="0" smtClean="0"/>
+              <a:rPr lang="en-US" altLang="zh-CN" sz="1200" dirty="0"/>
+            </a:br>
+            <a:r>
+              <a:rPr lang="en-US" altLang="zh-CN" sz="1200" dirty="0"/>
               <a:t>        </a:t>
             </a:r>
             <a:r>
@@ -4097,11 +4051,11 @@
               <a:t>hiqcHotelOrderService</a:t>
             </a:r>
             <a:r>
-              <a:rPr lang="en-US" altLang="zh-CN" sz="1200" dirty="0" err="1" smtClean="0"/>
+              <a:rPr lang="en-US" altLang="zh-CN" sz="1200" dirty="0" err="1"/>
               <a:t>.selectOvertimeOrders</a:t>
             </a:r>
             <a:r>
-              <a:rPr lang="en-US" altLang="zh-CN" sz="1200" dirty="0" smtClean="0"/>
+              <a:rPr lang="en-US" altLang="zh-CN" sz="1200" dirty="0"/>
               <a:t>(</a:t>
             </a:r>
             <a:r>
@@ -4109,7 +4063,7 @@
               <a:t>null</a:t>
             </a:r>
             <a:r>
-              <a:rPr lang="en-US" altLang="zh-CN" sz="1200" dirty="0" smtClean="0"/>
+              <a:rPr lang="en-US" altLang="zh-CN" sz="1200" dirty="0"/>
               <a:t>, </a:t>
             </a:r>
             <a:r>
@@ -4117,28 +4071,24 @@
               <a:t>null</a:t>
             </a:r>
             <a:r>
-              <a:rPr lang="en-US" altLang="zh-CN" sz="1200" dirty="0" smtClean="0"/>
+              <a:rPr lang="en-US" altLang="zh-CN" sz="1200" dirty="0"/>
               <a:t>);</a:t>
             </a:r>
             <a:br>
-              <a:rPr lang="en-US" altLang="zh-CN" sz="1200" dirty="0" smtClean="0"/>
-            </a:br>
-            <a:r>
-              <a:rPr lang="en-US" altLang="zh-CN" sz="1200" dirty="0" smtClean="0"/>
+              <a:rPr lang="en-US" altLang="zh-CN" sz="1200" dirty="0"/>
+            </a:br>
+            <a:r>
+              <a:rPr lang="en-US" altLang="zh-CN" sz="1200" dirty="0"/>
               <a:t>    }</a:t>
             </a:r>
             <a:br>
-              <a:rPr lang="en-US" altLang="zh-CN" sz="1200" dirty="0" smtClean="0"/>
-            </a:br>
-            <a:r>
-              <a:rPr lang="en-US" altLang="zh-CN" sz="1200" dirty="0" smtClean="0"/>
-              <a:t/>
-            </a:r>
-            <a:br>
-              <a:rPr lang="en-US" altLang="zh-CN" sz="1200" dirty="0" smtClean="0"/>
-            </a:br>
-            <a:r>
-              <a:rPr lang="en-US" altLang="zh-CN" sz="1200" dirty="0" smtClean="0"/>
+              <a:rPr lang="en-US" altLang="zh-CN" sz="1200" dirty="0"/>
+            </a:br>
+            <a:br>
+              <a:rPr lang="en-US" altLang="zh-CN" sz="1200" dirty="0"/>
+            </a:br>
+            <a:r>
+              <a:rPr lang="en-US" altLang="zh-CN" sz="1200" dirty="0"/>
               <a:t>}</a:t>
             </a:r>
             <a:endParaRPr kumimoji="1" lang="zh-CN" altLang="en-US" sz="1200" dirty="0"/>
@@ -4191,18 +4141,17 @@
           <a:lstStyle/>
           <a:p>
             <a:r>
-              <a:rPr kumimoji="1" lang="zh-CN" altLang="en-US" dirty="0" smtClean="0"/>
+              <a:rPr kumimoji="1" lang="zh-CN" altLang="en-US" dirty="0"/>
               <a:t>中间变量测试和</a:t>
             </a:r>
             <a:r>
-              <a:rPr kumimoji="1" lang="en-US" altLang="zh-CN" dirty="0" smtClean="0"/>
+              <a:rPr kumimoji="1" lang="en-US" altLang="zh-CN" dirty="0"/>
               <a:t>void</a:t>
             </a:r>
             <a:r>
-              <a:rPr kumimoji="1" lang="zh-CN" altLang="en-US" dirty="0" smtClean="0"/>
+              <a:rPr kumimoji="1" lang="zh-CN" altLang="en-US" dirty="0"/>
               <a:t>方法的测试</a:t>
             </a:r>
-            <a:endParaRPr kumimoji="1" lang="zh-CN" altLang="en-US" dirty="0"/>
           </a:p>
         </p:txBody>
       </p:sp>
@@ -4231,25 +4180,21 @@
               <a:t>public class </a:t>
             </a:r>
             <a:r>
-              <a:rPr lang="en-US" altLang="zh-CN" sz="1200" dirty="0" err="1" smtClean="0"/>
+              <a:rPr lang="en-US" altLang="zh-CN" sz="1200" dirty="0" err="1"/>
               <a:t>GeographicalService</a:t>
             </a:r>
             <a:r>
-              <a:rPr lang="en-US" altLang="zh-CN" sz="1200" dirty="0" smtClean="0"/>
+              <a:rPr lang="en-US" altLang="zh-CN" sz="1200" dirty="0"/>
               <a:t> {</a:t>
             </a:r>
             <a:br>
-              <a:rPr lang="en-US" altLang="zh-CN" sz="1200" dirty="0" smtClean="0"/>
-            </a:br>
-            <a:r>
-              <a:rPr lang="en-US" altLang="zh-CN" sz="1200" dirty="0" smtClean="0"/>
-              <a:t/>
-            </a:r>
-            <a:br>
-              <a:rPr lang="en-US" altLang="zh-CN" sz="1200" dirty="0" smtClean="0"/>
-            </a:br>
-            <a:r>
-              <a:rPr lang="en-US" altLang="zh-CN" sz="1200" dirty="0" smtClean="0"/>
+              <a:rPr lang="en-US" altLang="zh-CN" sz="1200" dirty="0"/>
+            </a:br>
+            <a:br>
+              <a:rPr lang="en-US" altLang="zh-CN" sz="1200" dirty="0"/>
+            </a:br>
+            <a:r>
+              <a:rPr lang="en-US" altLang="zh-CN" sz="1200" dirty="0"/>
               <a:t>    </a:t>
             </a:r>
             <a:r>
@@ -4257,11 +4202,11 @@
               <a:t>private </a:t>
             </a:r>
             <a:r>
-              <a:rPr lang="en-US" altLang="zh-CN" sz="1200" dirty="0" err="1" smtClean="0"/>
+              <a:rPr lang="en-US" altLang="zh-CN" sz="1200" dirty="0" err="1"/>
               <a:t>GeographicalDao</a:t>
             </a:r>
             <a:r>
-              <a:rPr lang="en-US" altLang="zh-CN" sz="1200" dirty="0" smtClean="0"/>
+              <a:rPr lang="en-US" altLang="zh-CN" sz="1200" dirty="0"/>
               <a:t> </a:t>
             </a:r>
             <a:r>
@@ -4269,21 +4214,17 @@
               <a:t>geographicalDao</a:t>
             </a:r>
             <a:r>
-              <a:rPr lang="en-US" altLang="zh-CN" sz="1200" dirty="0" smtClean="0"/>
+              <a:rPr lang="en-US" altLang="zh-CN" sz="1200" dirty="0"/>
               <a:t>;</a:t>
             </a:r>
             <a:br>
-              <a:rPr lang="en-US" altLang="zh-CN" sz="1200" dirty="0" smtClean="0"/>
-            </a:br>
-            <a:r>
-              <a:rPr lang="en-US" altLang="zh-CN" sz="1200" dirty="0" smtClean="0"/>
-              <a:t/>
-            </a:r>
-            <a:br>
-              <a:rPr lang="en-US" altLang="zh-CN" sz="1200" dirty="0" smtClean="0"/>
-            </a:br>
-            <a:r>
-              <a:rPr lang="en-US" altLang="zh-CN" sz="1200" dirty="0" smtClean="0"/>
+              <a:rPr lang="en-US" altLang="zh-CN" sz="1200" dirty="0"/>
+            </a:br>
+            <a:br>
+              <a:rPr lang="en-US" altLang="zh-CN" sz="1200" dirty="0"/>
+            </a:br>
+            <a:r>
+              <a:rPr lang="en-US" altLang="zh-CN" sz="1200" dirty="0"/>
               <a:t>    </a:t>
             </a:r>
             <a:r>
@@ -4291,34 +4232,34 @@
               <a:t>public void </a:t>
             </a:r>
             <a:r>
-              <a:rPr lang="en-US" altLang="zh-CN" sz="1200" dirty="0" err="1" smtClean="0"/>
+              <a:rPr lang="en-US" altLang="zh-CN" sz="1200" dirty="0" err="1"/>
               <a:t>setGeographicalDao</a:t>
             </a:r>
             <a:r>
-              <a:rPr lang="en-US" altLang="zh-CN" sz="1200" dirty="0" smtClean="0"/>
+              <a:rPr lang="en-US" altLang="zh-CN" sz="1200" dirty="0"/>
               <a:t>(</a:t>
             </a:r>
             <a:r>
-              <a:rPr lang="en-US" altLang="zh-CN" sz="1200" dirty="0" err="1" smtClean="0"/>
+              <a:rPr lang="en-US" altLang="zh-CN" sz="1200" dirty="0" err="1"/>
               <a:t>GeographicalDao</a:t>
             </a:r>
             <a:r>
-              <a:rPr lang="en-US" altLang="zh-CN" sz="1200" dirty="0" smtClean="0"/>
+              <a:rPr lang="en-US" altLang="zh-CN" sz="1200" dirty="0"/>
               <a:t> </a:t>
             </a:r>
             <a:r>
-              <a:rPr lang="en-US" altLang="zh-CN" sz="1200" dirty="0" err="1" smtClean="0"/>
+              <a:rPr lang="en-US" altLang="zh-CN" sz="1200" dirty="0" err="1"/>
               <a:t>geographicalDao</a:t>
             </a:r>
             <a:r>
-              <a:rPr lang="en-US" altLang="zh-CN" sz="1200" dirty="0" smtClean="0"/>
+              <a:rPr lang="en-US" altLang="zh-CN" sz="1200" dirty="0"/>
               <a:t>) {</a:t>
             </a:r>
             <a:br>
-              <a:rPr lang="en-US" altLang="zh-CN" sz="1200" dirty="0" smtClean="0"/>
-            </a:br>
-            <a:r>
-              <a:rPr lang="en-US" altLang="zh-CN" sz="1200" dirty="0" smtClean="0"/>
+              <a:rPr lang="en-US" altLang="zh-CN" sz="1200" dirty="0"/>
+            </a:br>
+            <a:r>
+              <a:rPr lang="en-US" altLang="zh-CN" sz="1200" dirty="0"/>
               <a:t>        </a:t>
             </a:r>
             <a:r>
@@ -4326,7 +4267,7 @@
               <a:t>this</a:t>
             </a:r>
             <a:r>
-              <a:rPr lang="en-US" altLang="zh-CN" sz="1200" dirty="0" err="1" smtClean="0"/>
+              <a:rPr lang="en-US" altLang="zh-CN" sz="1200" dirty="0" err="1"/>
               <a:t>.</a:t>
             </a:r>
             <a:r>
@@ -4338,36 +4279,32 @@
               <a:t> </a:t>
             </a:r>
             <a:r>
-              <a:rPr lang="en-US" altLang="zh-CN" sz="1200" dirty="0" smtClean="0"/>
+              <a:rPr lang="en-US" altLang="zh-CN" sz="1200" dirty="0"/>
               <a:t>= </a:t>
             </a:r>
             <a:r>
-              <a:rPr lang="en-US" altLang="zh-CN" sz="1200" dirty="0" err="1" smtClean="0"/>
+              <a:rPr lang="en-US" altLang="zh-CN" sz="1200" dirty="0" err="1"/>
               <a:t>geographicalDao</a:t>
             </a:r>
             <a:r>
-              <a:rPr lang="en-US" altLang="zh-CN" sz="1200" dirty="0" smtClean="0"/>
+              <a:rPr lang="en-US" altLang="zh-CN" sz="1200" dirty="0"/>
               <a:t>;</a:t>
             </a:r>
             <a:br>
-              <a:rPr lang="en-US" altLang="zh-CN" sz="1200" dirty="0" smtClean="0"/>
-            </a:br>
-            <a:r>
-              <a:rPr lang="en-US" altLang="zh-CN" sz="1200" dirty="0" smtClean="0"/>
+              <a:rPr lang="en-US" altLang="zh-CN" sz="1200" dirty="0"/>
+            </a:br>
+            <a:r>
+              <a:rPr lang="en-US" altLang="zh-CN" sz="1200" dirty="0"/>
               <a:t>    }</a:t>
             </a:r>
             <a:br>
-              <a:rPr lang="en-US" altLang="zh-CN" sz="1200" dirty="0" smtClean="0"/>
-            </a:br>
-            <a:r>
-              <a:rPr lang="en-US" altLang="zh-CN" sz="1200" dirty="0" smtClean="0"/>
-              <a:t/>
-            </a:r>
-            <a:br>
-              <a:rPr lang="en-US" altLang="zh-CN" sz="1200" dirty="0" smtClean="0"/>
-            </a:br>
-            <a:r>
-              <a:rPr lang="en-US" altLang="zh-CN" sz="1200" dirty="0" smtClean="0"/>
+              <a:rPr lang="en-US" altLang="zh-CN" sz="1200" dirty="0"/>
+            </a:br>
+            <a:br>
+              <a:rPr lang="en-US" altLang="zh-CN" sz="1200" dirty="0"/>
+            </a:br>
+            <a:r>
+              <a:rPr lang="en-US" altLang="zh-CN" sz="1200" dirty="0"/>
               <a:t>    </a:t>
             </a:r>
             <a:r>
@@ -4375,18 +4312,18 @@
               <a:t>public void </a:t>
             </a:r>
             <a:r>
-              <a:rPr lang="en-US" altLang="zh-CN" sz="1200" dirty="0" err="1" smtClean="0"/>
+              <a:rPr lang="en-US" altLang="zh-CN" sz="1200" dirty="0" err="1"/>
               <a:t>saveGeographical</a:t>
             </a:r>
             <a:r>
-              <a:rPr lang="en-US" altLang="zh-CN" sz="1200" dirty="0" smtClean="0"/>
+              <a:rPr lang="en-US" altLang="zh-CN" sz="1200" dirty="0"/>
               <a:t>(String language, String country) {</a:t>
             </a:r>
             <a:br>
-              <a:rPr lang="en-US" altLang="zh-CN" sz="1200" dirty="0" smtClean="0"/>
-            </a:br>
-            <a:r>
-              <a:rPr lang="en-US" altLang="zh-CN" sz="1200" dirty="0" smtClean="0"/>
+              <a:rPr lang="en-US" altLang="zh-CN" sz="1200" dirty="0"/>
+            </a:br>
+            <a:r>
+              <a:rPr lang="en-US" altLang="zh-CN" sz="1200" dirty="0"/>
               <a:t>        Locale locale = </a:t>
             </a:r>
             <a:r>
@@ -4394,14 +4331,14 @@
               <a:t>new </a:t>
             </a:r>
             <a:r>
-              <a:rPr lang="en-US" altLang="zh-CN" sz="1200" dirty="0" smtClean="0"/>
+              <a:rPr lang="en-US" altLang="zh-CN" sz="1200" dirty="0"/>
               <a:t>Locale(language, country);</a:t>
             </a:r>
             <a:br>
-              <a:rPr lang="en-US" altLang="zh-CN" sz="1200" dirty="0" smtClean="0"/>
-            </a:br>
-            <a:r>
-              <a:rPr lang="en-US" altLang="zh-CN" sz="1200" dirty="0" smtClean="0"/>
+              <a:rPr lang="en-US" altLang="zh-CN" sz="1200" dirty="0"/>
+            </a:br>
+            <a:r>
+              <a:rPr lang="en-US" altLang="zh-CN" sz="1200" dirty="0"/>
               <a:t>        </a:t>
             </a:r>
             <a:r>
@@ -4409,25 +4346,25 @@
               <a:t>geographicalDao</a:t>
             </a:r>
             <a:r>
-              <a:rPr lang="en-US" altLang="zh-CN" sz="1200" dirty="0" err="1" smtClean="0"/>
+              <a:rPr lang="en-US" altLang="zh-CN" sz="1200" dirty="0" err="1"/>
               <a:t>.insertLocale</a:t>
             </a:r>
             <a:r>
-              <a:rPr lang="en-US" altLang="zh-CN" sz="1200" dirty="0" smtClean="0"/>
+              <a:rPr lang="en-US" altLang="zh-CN" sz="1200" dirty="0"/>
               <a:t>(locale);</a:t>
             </a:r>
             <a:br>
-              <a:rPr lang="en-US" altLang="zh-CN" sz="1200" dirty="0" smtClean="0"/>
-            </a:br>
-            <a:r>
-              <a:rPr lang="en-US" altLang="zh-CN" sz="1200" dirty="0" smtClean="0"/>
+              <a:rPr lang="en-US" altLang="zh-CN" sz="1200" dirty="0"/>
+            </a:br>
+            <a:r>
+              <a:rPr lang="en-US" altLang="zh-CN" sz="1200" dirty="0"/>
               <a:t>    }</a:t>
             </a:r>
             <a:br>
-              <a:rPr lang="en-US" altLang="zh-CN" sz="1200" dirty="0" smtClean="0"/>
-            </a:br>
-            <a:r>
-              <a:rPr lang="en-US" altLang="zh-CN" sz="1200" dirty="0" smtClean="0"/>
+              <a:rPr lang="en-US" altLang="zh-CN" sz="1200" dirty="0"/>
+            </a:br>
+            <a:r>
+              <a:rPr lang="en-US" altLang="zh-CN" sz="1200" dirty="0"/>
               <a:t>}</a:t>
             </a:r>
           </a:p>
@@ -4446,25 +4383,21 @@
               <a:t>public interface </a:t>
             </a:r>
             <a:r>
-              <a:rPr lang="en-US" altLang="zh-CN" sz="1200" dirty="0" err="1" smtClean="0"/>
+              <a:rPr lang="en-US" altLang="zh-CN" sz="1200" dirty="0" err="1"/>
               <a:t>GeographicalDao</a:t>
             </a:r>
             <a:r>
-              <a:rPr lang="en-US" altLang="zh-CN" sz="1200" dirty="0" smtClean="0"/>
+              <a:rPr lang="en-US" altLang="zh-CN" sz="1200" dirty="0"/>
               <a:t> {</a:t>
             </a:r>
             <a:br>
-              <a:rPr lang="en-US" altLang="zh-CN" sz="1200" dirty="0" smtClean="0"/>
-            </a:br>
-            <a:r>
-              <a:rPr lang="en-US" altLang="zh-CN" sz="1200" dirty="0" smtClean="0"/>
-              <a:t/>
-            </a:r>
-            <a:br>
-              <a:rPr lang="en-US" altLang="zh-CN" sz="1200" dirty="0" smtClean="0"/>
-            </a:br>
-            <a:r>
-              <a:rPr lang="en-US" altLang="zh-CN" sz="1200" dirty="0" smtClean="0"/>
+              <a:rPr lang="en-US" altLang="zh-CN" sz="1200" dirty="0"/>
+            </a:br>
+            <a:br>
+              <a:rPr lang="en-US" altLang="zh-CN" sz="1200" dirty="0"/>
+            </a:br>
+            <a:r>
+              <a:rPr lang="en-US" altLang="zh-CN" sz="1200" dirty="0"/>
               <a:t>    </a:t>
             </a:r>
             <a:r>
@@ -4472,25 +4405,21 @@
               <a:t>void </a:t>
             </a:r>
             <a:r>
-              <a:rPr lang="en-US" altLang="zh-CN" sz="1200" dirty="0" err="1" smtClean="0"/>
+              <a:rPr lang="en-US" altLang="zh-CN" sz="1200" dirty="0" err="1"/>
               <a:t>insertLocale</a:t>
             </a:r>
             <a:r>
-              <a:rPr lang="en-US" altLang="zh-CN" sz="1200" dirty="0" smtClean="0"/>
+              <a:rPr lang="en-US" altLang="zh-CN" sz="1200" dirty="0"/>
               <a:t>(Locale locale);</a:t>
             </a:r>
             <a:br>
-              <a:rPr lang="en-US" altLang="zh-CN" sz="1200" dirty="0" smtClean="0"/>
-            </a:br>
-            <a:r>
-              <a:rPr lang="en-US" altLang="zh-CN" sz="1200" dirty="0" smtClean="0"/>
-              <a:t/>
-            </a:r>
-            <a:br>
-              <a:rPr lang="en-US" altLang="zh-CN" sz="1200" dirty="0" smtClean="0"/>
-            </a:br>
-            <a:r>
-              <a:rPr lang="en-US" altLang="zh-CN" sz="1200" dirty="0" smtClean="0"/>
+              <a:rPr lang="en-US" altLang="zh-CN" sz="1200" dirty="0"/>
+            </a:br>
+            <a:br>
+              <a:rPr lang="en-US" altLang="zh-CN" sz="1200" dirty="0"/>
+            </a:br>
+            <a:r>
+              <a:rPr lang="en-US" altLang="zh-CN" sz="1200" dirty="0"/>
               <a:t>}</a:t>
             </a:r>
             <a:endParaRPr kumimoji="1" lang="zh-CN" altLang="en-US" sz="1200" dirty="0"/>
@@ -4557,46 +4486,42 @@
               <a:t>public class </a:t>
             </a:r>
             <a:r>
-              <a:rPr lang="en-US" altLang="zh-CN" sz="1200" dirty="0" err="1" smtClean="0"/>
+              <a:rPr lang="en-US" altLang="zh-CN" sz="1200" dirty="0" err="1"/>
               <a:t>GeographicalServiceTest</a:t>
             </a:r>
             <a:r>
-              <a:rPr lang="en-US" altLang="zh-CN" sz="1200" dirty="0" smtClean="0"/>
+              <a:rPr lang="en-US" altLang="zh-CN" sz="1200" dirty="0"/>
               <a:t> {</a:t>
             </a:r>
             <a:br>
-              <a:rPr lang="en-US" altLang="zh-CN" sz="1200" dirty="0" smtClean="0"/>
-            </a:br>
-            <a:r>
-              <a:rPr lang="en-US" altLang="zh-CN" sz="1200" dirty="0" smtClean="0"/>
+              <a:rPr lang="en-US" altLang="zh-CN" sz="1200" dirty="0"/>
+            </a:br>
+            <a:r>
+              <a:rPr lang="en-US" altLang="zh-CN" sz="1200" dirty="0"/>
               <a:t>//</a:t>
             </a:r>
             <a:r>
-              <a:rPr lang="zh-CN" altLang="en-US" sz="1200" dirty="0" smtClean="0"/>
+              <a:rPr lang="zh-CN" altLang="en-US" sz="1200" dirty="0"/>
               <a:t>运用</a:t>
             </a:r>
             <a:r>
-              <a:rPr lang="en-US" altLang="zh-CN" sz="1200" dirty="0" smtClean="0"/>
+              <a:rPr lang="en-US" altLang="zh-CN" sz="1200" dirty="0"/>
               <a:t>capture</a:t>
             </a:r>
             <a:r>
-              <a:rPr lang="zh-CN" altLang="en-US" sz="1200" dirty="0" smtClean="0"/>
+              <a:rPr lang="zh-CN" altLang="en-US" sz="1200" dirty="0"/>
               <a:t>进行测试，对参数进行验证</a:t>
             </a:r>
             <a:r>
-              <a:rPr lang="en-US" altLang="zh-CN" sz="1200" dirty="0" smtClean="0"/>
+              <a:rPr lang="en-US" altLang="zh-CN" sz="1200" dirty="0"/>
               <a:t>   </a:t>
             </a:r>
             <a:br>
-              <a:rPr lang="en-US" altLang="zh-CN" sz="1200" dirty="0" smtClean="0"/>
-            </a:br>
-            <a:r>
-              <a:rPr lang="en-US" altLang="zh-CN" sz="1200" dirty="0" smtClean="0"/>
-              <a:t>    </a:t>
-            </a:r>
-            <a:r>
-              <a:rPr lang="en-US" altLang="zh-CN" sz="1200" dirty="0"/>
-              <a:t>@Test</a:t>
+              <a:rPr lang="en-US" altLang="zh-CN" sz="1200" dirty="0"/>
+            </a:br>
+            <a:r>
+              <a:rPr lang="en-US" altLang="zh-CN" sz="1200" dirty="0"/>
+              <a:t>    @Test</a:t>
             </a:r>
             <a:br>
               <a:rPr lang="en-US" altLang="zh-CN" sz="1200" dirty="0"/>
@@ -4610,74 +4535,74 @@
               <a:t>public void </a:t>
             </a:r>
             <a:r>
-              <a:rPr lang="en-US" altLang="zh-CN" sz="1200" dirty="0" err="1" smtClean="0"/>
+              <a:rPr lang="en-US" altLang="zh-CN" sz="1200" dirty="0" err="1"/>
               <a:t>captureTest</a:t>
             </a:r>
             <a:r>
-              <a:rPr lang="en-US" altLang="zh-CN" sz="1200" dirty="0" smtClean="0"/>
+              <a:rPr lang="en-US" altLang="zh-CN" sz="1200" dirty="0"/>
               <a:t>() {</a:t>
             </a:r>
             <a:br>
-              <a:rPr lang="en-US" altLang="zh-CN" sz="1200" dirty="0" smtClean="0"/>
-            </a:br>
-            <a:r>
-              <a:rPr lang="en-US" altLang="zh-CN" sz="1200" dirty="0" smtClean="0"/>
+              <a:rPr lang="en-US" altLang="zh-CN" sz="1200" dirty="0"/>
+            </a:br>
+            <a:r>
+              <a:rPr lang="en-US" altLang="zh-CN" sz="1200" dirty="0"/>
               <a:t>        String language = </a:t>
             </a:r>
             <a:r>
-              <a:rPr lang="en-US" altLang="zh-CN" sz="1200" b="1" dirty="0" smtClean="0"/>
+              <a:rPr lang="en-US" altLang="zh-CN" sz="1200" b="1" dirty="0"/>
               <a:t>“us”</a:t>
             </a:r>
             <a:r>
-              <a:rPr lang="en-US" altLang="zh-CN" sz="1200" dirty="0" smtClean="0"/>
+              <a:rPr lang="en-US" altLang="zh-CN" sz="1200" dirty="0"/>
               <a:t>;</a:t>
             </a:r>
             <a:br>
-              <a:rPr lang="en-US" altLang="zh-CN" sz="1200" dirty="0" smtClean="0"/>
-            </a:br>
-            <a:r>
-              <a:rPr lang="en-US" altLang="zh-CN" sz="1200" dirty="0" smtClean="0"/>
+              <a:rPr lang="en-US" altLang="zh-CN" sz="1200" dirty="0"/>
+            </a:br>
+            <a:r>
+              <a:rPr lang="en-US" altLang="zh-CN" sz="1200" dirty="0"/>
               <a:t>        String country = </a:t>
             </a:r>
             <a:r>
-              <a:rPr lang="en-US" altLang="zh-CN" sz="1200" b="1" dirty="0" smtClean="0"/>
+              <a:rPr lang="en-US" altLang="zh-CN" sz="1200" b="1" dirty="0"/>
               <a:t>“UK”</a:t>
             </a:r>
             <a:r>
-              <a:rPr lang="en-US" altLang="zh-CN" sz="1200" dirty="0" smtClean="0"/>
+              <a:rPr lang="en-US" altLang="zh-CN" sz="1200" dirty="0"/>
               <a:t>;</a:t>
             </a:r>
             <a:br>
-              <a:rPr lang="en-US" altLang="zh-CN" sz="1200" dirty="0" smtClean="0"/>
-            </a:br>
-            <a:r>
-              <a:rPr lang="en-US" altLang="zh-CN" sz="1200" dirty="0" smtClean="0"/>
+              <a:rPr lang="en-US" altLang="zh-CN" sz="1200" dirty="0"/>
+            </a:br>
+            <a:r>
+              <a:rPr lang="en-US" altLang="zh-CN" sz="1200" dirty="0"/>
               <a:t>        Capture&lt;Locale&gt; </a:t>
             </a:r>
             <a:r>
-              <a:rPr lang="en-US" altLang="zh-CN" sz="1200" dirty="0" err="1" smtClean="0"/>
+              <a:rPr lang="en-US" altLang="zh-CN" sz="1200" dirty="0" err="1"/>
               <a:t>localCapture</a:t>
             </a:r>
             <a:r>
-              <a:rPr lang="en-US" altLang="zh-CN" sz="1200" dirty="0" smtClean="0"/>
+              <a:rPr lang="en-US" altLang="zh-CN" sz="1200" dirty="0"/>
               <a:t> = </a:t>
             </a:r>
             <a:r>
-              <a:rPr lang="en-US" altLang="zh-CN" sz="1200" dirty="0" err="1" smtClean="0"/>
+              <a:rPr lang="en-US" altLang="zh-CN" sz="1200" dirty="0" err="1"/>
               <a:t>Capture.</a:t>
             </a:r>
             <a:r>
-              <a:rPr lang="en-US" altLang="zh-CN" sz="1200" i="1" dirty="0" err="1" smtClean="0">
+              <a:rPr lang="en-US" altLang="zh-CN" sz="1200" i="1" dirty="0" err="1">
                 <a:effectLst/>
               </a:rPr>
               <a:t>newInstance</a:t>
             </a:r>
             <a:r>
-              <a:rPr lang="en-US" altLang="zh-CN" sz="1200" dirty="0" smtClean="0"/>
+              <a:rPr lang="en-US" altLang="zh-CN" sz="1200" dirty="0"/>
               <a:t>(</a:t>
             </a:r>
             <a:r>
-              <a:rPr lang="en-US" altLang="zh-CN" sz="1200" dirty="0" err="1" smtClean="0"/>
+              <a:rPr lang="en-US" altLang="zh-CN" sz="1200" dirty="0" err="1"/>
               <a:t>CaptureType.</a:t>
             </a:r>
             <a:r>
@@ -4685,48 +4610,48 @@
               <a:t>ALL</a:t>
             </a:r>
             <a:r>
-              <a:rPr lang="en-US" altLang="zh-CN" sz="1200" dirty="0" smtClean="0"/>
+              <a:rPr lang="en-US" altLang="zh-CN" sz="1200" dirty="0"/>
               <a:t>);</a:t>
             </a:r>
             <a:br>
-              <a:rPr lang="en-US" altLang="zh-CN" sz="1200" dirty="0" smtClean="0"/>
-            </a:br>
-            <a:r>
-              <a:rPr lang="en-US" altLang="zh-CN" sz="1200" dirty="0" smtClean="0"/>
+              <a:rPr lang="en-US" altLang="zh-CN" sz="1200" dirty="0"/>
+            </a:br>
+            <a:r>
+              <a:rPr lang="en-US" altLang="zh-CN" sz="1200" dirty="0"/>
               <a:t>        </a:t>
             </a:r>
             <a:r>
-              <a:rPr lang="en-US" altLang="zh-CN" sz="1200" dirty="0" err="1" smtClean="0"/>
+              <a:rPr lang="en-US" altLang="zh-CN" sz="1200" dirty="0" err="1"/>
               <a:t>GeographicalDao</a:t>
             </a:r>
             <a:r>
-              <a:rPr lang="en-US" altLang="zh-CN" sz="1200" dirty="0" smtClean="0"/>
+              <a:rPr lang="en-US" altLang="zh-CN" sz="1200" dirty="0"/>
               <a:t> </a:t>
             </a:r>
             <a:r>
-              <a:rPr lang="en-US" altLang="zh-CN" sz="1200" dirty="0" err="1" smtClean="0"/>
+              <a:rPr lang="en-US" altLang="zh-CN" sz="1200" dirty="0" err="1"/>
               <a:t>geographicalDao</a:t>
             </a:r>
             <a:r>
-              <a:rPr lang="en-US" altLang="zh-CN" sz="1200" dirty="0" smtClean="0"/>
+              <a:rPr lang="en-US" altLang="zh-CN" sz="1200" dirty="0"/>
               <a:t> = </a:t>
             </a:r>
             <a:r>
-              <a:rPr lang="en-US" altLang="zh-CN" sz="1200" dirty="0" err="1" smtClean="0"/>
+              <a:rPr lang="en-US" altLang="zh-CN" sz="1200" dirty="0" err="1"/>
               <a:t>EasyMock.</a:t>
             </a:r>
             <a:r>
-              <a:rPr lang="en-US" altLang="zh-CN" sz="1200" i="1" dirty="0" err="1" smtClean="0">
+              <a:rPr lang="en-US" altLang="zh-CN" sz="1200" i="1" dirty="0" err="1">
                 <a:effectLst/>
               </a:rPr>
               <a:t>createMock</a:t>
             </a:r>
             <a:r>
-              <a:rPr lang="en-US" altLang="zh-CN" sz="1200" dirty="0" smtClean="0"/>
+              <a:rPr lang="en-US" altLang="zh-CN" sz="1200" dirty="0"/>
               <a:t>(</a:t>
             </a:r>
             <a:r>
-              <a:rPr lang="en-US" altLang="zh-CN" sz="1200" dirty="0" err="1" smtClean="0"/>
+              <a:rPr lang="en-US" altLang="zh-CN" sz="1200" dirty="0" err="1"/>
               <a:t>GeographicalDao.</a:t>
             </a:r>
             <a:r>
@@ -4734,117 +4659,113 @@
               <a:t>class</a:t>
             </a:r>
             <a:r>
-              <a:rPr lang="en-US" altLang="zh-CN" sz="1200" dirty="0" smtClean="0"/>
+              <a:rPr lang="en-US" altLang="zh-CN" sz="1200" dirty="0"/>
               <a:t>);</a:t>
             </a:r>
             <a:br>
-              <a:rPr lang="en-US" altLang="zh-CN" sz="1200" dirty="0" smtClean="0"/>
-            </a:br>
-            <a:r>
-              <a:rPr lang="en-US" altLang="zh-CN" sz="1200" dirty="0" smtClean="0"/>
+              <a:rPr lang="en-US" altLang="zh-CN" sz="1200" dirty="0"/>
+            </a:br>
+            <a:r>
+              <a:rPr lang="en-US" altLang="zh-CN" sz="1200" dirty="0"/>
               <a:t>        </a:t>
             </a:r>
             <a:r>
-              <a:rPr lang="en-US" altLang="zh-CN" sz="1200" dirty="0" err="1" smtClean="0"/>
+              <a:rPr lang="en-US" altLang="zh-CN" sz="1200" dirty="0" err="1"/>
               <a:t>geographicalDao.insertLocale</a:t>
             </a:r>
             <a:r>
-              <a:rPr lang="en-US" altLang="zh-CN" sz="1200" dirty="0" smtClean="0"/>
+              <a:rPr lang="en-US" altLang="zh-CN" sz="1200" dirty="0"/>
               <a:t>(</a:t>
             </a:r>
             <a:r>
-              <a:rPr lang="en-US" altLang="zh-CN" sz="1200" dirty="0" err="1" smtClean="0"/>
+              <a:rPr lang="en-US" altLang="zh-CN" sz="1200" dirty="0" err="1"/>
               <a:t>EasyMock.</a:t>
             </a:r>
             <a:r>
-              <a:rPr lang="en-US" altLang="zh-CN" sz="1200" i="1" dirty="0" err="1" smtClean="0">
+              <a:rPr lang="en-US" altLang="zh-CN" sz="1200" i="1" dirty="0" err="1">
                 <a:effectLst/>
               </a:rPr>
               <a:t>capture</a:t>
             </a:r>
             <a:r>
-              <a:rPr lang="en-US" altLang="zh-CN" sz="1200" dirty="0" smtClean="0"/>
+              <a:rPr lang="en-US" altLang="zh-CN" sz="1200" dirty="0"/>
               <a:t>(</a:t>
             </a:r>
             <a:r>
-              <a:rPr lang="en-US" altLang="zh-CN" sz="1200" dirty="0" err="1" smtClean="0"/>
+              <a:rPr lang="en-US" altLang="zh-CN" sz="1200" dirty="0" err="1"/>
               <a:t>localCapture</a:t>
             </a:r>
             <a:r>
-              <a:rPr lang="en-US" altLang="zh-CN" sz="1200" dirty="0" smtClean="0"/>
+              <a:rPr lang="en-US" altLang="zh-CN" sz="1200" dirty="0"/>
               <a:t>));</a:t>
             </a:r>
             <a:br>
-              <a:rPr lang="en-US" altLang="zh-CN" sz="1200" dirty="0" smtClean="0"/>
-            </a:br>
-            <a:r>
-              <a:rPr lang="en-US" altLang="zh-CN" sz="1200" dirty="0" smtClean="0"/>
+              <a:rPr lang="en-US" altLang="zh-CN" sz="1200" dirty="0"/>
+            </a:br>
+            <a:r>
+              <a:rPr lang="en-US" altLang="zh-CN" sz="1200" dirty="0"/>
               <a:t>        </a:t>
             </a:r>
             <a:r>
-              <a:rPr lang="en-US" altLang="zh-CN" sz="1200" dirty="0" err="1" smtClean="0"/>
+              <a:rPr lang="en-US" altLang="zh-CN" sz="1200" dirty="0" err="1"/>
               <a:t>EasyMock.</a:t>
             </a:r>
             <a:r>
-              <a:rPr lang="en-US" altLang="zh-CN" sz="1200" i="1" dirty="0" err="1" smtClean="0">
+              <a:rPr lang="en-US" altLang="zh-CN" sz="1200" i="1" dirty="0" err="1">
                 <a:effectLst/>
               </a:rPr>
               <a:t>expectLastCall</a:t>
             </a:r>
             <a:r>
-              <a:rPr lang="en-US" altLang="zh-CN" sz="1200" dirty="0" smtClean="0"/>
+              <a:rPr lang="en-US" altLang="zh-CN" sz="1200" dirty="0"/>
               <a:t>();//</a:t>
             </a:r>
             <a:r>
-              <a:rPr lang="en-US" altLang="en-US" sz="1200" dirty="0" err="1" smtClean="0"/>
+              <a:rPr lang="en-US" altLang="en-US" sz="1200" dirty="0" err="1"/>
               <a:t>void的方法的测试需要加这个</a:t>
             </a:r>
-            <a:r>
-              <a:rPr lang="en-US" altLang="zh-CN" sz="1200" dirty="0" smtClean="0"/>
-              <a:t/>
-            </a:r>
-            <a:br>
-              <a:rPr lang="en-US" altLang="zh-CN" sz="1200" dirty="0" smtClean="0"/>
-            </a:br>
-            <a:r>
-              <a:rPr lang="en-US" altLang="zh-CN" sz="1200" dirty="0" smtClean="0"/>
+            <a:br>
+              <a:rPr lang="en-US" altLang="zh-CN" sz="1200" dirty="0"/>
+            </a:br>
+            <a:r>
+              <a:rPr lang="en-US" altLang="zh-CN" sz="1200" dirty="0"/>
               <a:t>        </a:t>
             </a:r>
             <a:r>
-              <a:rPr lang="en-US" altLang="zh-CN" sz="1200" dirty="0" err="1" smtClean="0"/>
+              <a:rPr lang="en-US" altLang="zh-CN" sz="1200" dirty="0" err="1"/>
               <a:t>EasyMock.</a:t>
             </a:r>
             <a:r>
-              <a:rPr lang="en-US" altLang="zh-CN" sz="1200" i="1" dirty="0" err="1" smtClean="0">
+              <a:rPr lang="en-US" altLang="zh-CN" sz="1200" i="1" dirty="0" err="1">
                 <a:effectLst/>
               </a:rPr>
               <a:t>replay</a:t>
             </a:r>
             <a:r>
-              <a:rPr lang="en-US" altLang="zh-CN" sz="1200" dirty="0" smtClean="0"/>
+              <a:rPr lang="en-US" altLang="zh-CN" sz="1200" dirty="0"/>
               <a:t>(</a:t>
             </a:r>
             <a:r>
-              <a:rPr lang="en-US" altLang="zh-CN" sz="1200" dirty="0" err="1" smtClean="0"/>
+              <a:rPr lang="en-US" altLang="zh-CN" sz="1200" dirty="0" err="1"/>
               <a:t>geographicalDao</a:t>
             </a:r>
             <a:r>
-              <a:rPr lang="en-US" altLang="zh-CN" sz="1200" dirty="0" smtClean="0"/>
+              <a:rPr lang="en-US" altLang="zh-CN" sz="1200" dirty="0"/>
               <a:t>);</a:t>
             </a:r>
             <a:br>
-              <a:rPr lang="en-US" altLang="zh-CN" sz="1200" dirty="0" smtClean="0"/>
-            </a:br>
-            <a:r>
-              <a:rPr lang="en-US" altLang="zh-CN" sz="1200" dirty="0" smtClean="0"/>
+              <a:rPr lang="en-US" altLang="zh-CN" sz="1200" dirty="0"/>
+            </a:br>
+            <a:r>
+              <a:rPr lang="en-US" altLang="zh-CN" sz="1200" dirty="0"/>
               <a:t>        </a:t>
             </a:r>
             <a:r>
-              <a:rPr lang="en-US" altLang="zh-CN" sz="1200" dirty="0" err="1" smtClean="0"/>
+              <a:rPr lang="en-US" altLang="zh-CN" sz="1200" dirty="0" err="1"/>
               <a:t>GeographicalService</a:t>
             </a:r>
             <a:r>
-              <a:rPr lang="en-US" altLang="zh-CN" sz="1200" dirty="0" smtClean="0"/>
+              <a:rPr lang="en-US" altLang="zh-CN" sz="1200" dirty="0"/>
               <a:t> service = </a:t>
             </a:r>
             <a:r>
@@ -4852,114 +4773,114 @@
               <a:t>new </a:t>
             </a:r>
             <a:r>
-              <a:rPr lang="en-US" altLang="zh-CN" sz="1200" dirty="0" err="1" smtClean="0"/>
+              <a:rPr lang="en-US" altLang="zh-CN" sz="1200" dirty="0" err="1"/>
               <a:t>GeographicalService</a:t>
             </a:r>
             <a:r>
-              <a:rPr lang="en-US" altLang="zh-CN" sz="1200" dirty="0" smtClean="0"/>
+              <a:rPr lang="en-US" altLang="zh-CN" sz="1200" dirty="0"/>
               <a:t>();</a:t>
             </a:r>
             <a:br>
-              <a:rPr lang="en-US" altLang="zh-CN" sz="1200" dirty="0" smtClean="0"/>
-            </a:br>
-            <a:r>
-              <a:rPr lang="en-US" altLang="zh-CN" sz="1200" dirty="0" smtClean="0"/>
+              <a:rPr lang="en-US" altLang="zh-CN" sz="1200" dirty="0"/>
+            </a:br>
+            <a:r>
+              <a:rPr lang="en-US" altLang="zh-CN" sz="1200" dirty="0"/>
               <a:t>        </a:t>
             </a:r>
             <a:r>
-              <a:rPr lang="en-US" altLang="zh-CN" sz="1200" dirty="0" err="1" smtClean="0"/>
+              <a:rPr lang="en-US" altLang="zh-CN" sz="1200" dirty="0" err="1"/>
               <a:t>service.setGeographicalDao</a:t>
             </a:r>
             <a:r>
-              <a:rPr lang="en-US" altLang="zh-CN" sz="1200" dirty="0" smtClean="0"/>
+              <a:rPr lang="en-US" altLang="zh-CN" sz="1200" dirty="0"/>
               <a:t>(</a:t>
             </a:r>
             <a:r>
-              <a:rPr lang="en-US" altLang="zh-CN" sz="1200" dirty="0" err="1" smtClean="0"/>
+              <a:rPr lang="en-US" altLang="zh-CN" sz="1200" dirty="0" err="1"/>
               <a:t>geographicalDao</a:t>
             </a:r>
             <a:r>
-              <a:rPr lang="en-US" altLang="zh-CN" sz="1200" dirty="0" smtClean="0"/>
+              <a:rPr lang="en-US" altLang="zh-CN" sz="1200" dirty="0"/>
               <a:t>);</a:t>
             </a:r>
             <a:br>
-              <a:rPr lang="en-US" altLang="zh-CN" sz="1200" dirty="0" smtClean="0"/>
-            </a:br>
-            <a:r>
-              <a:rPr lang="en-US" altLang="zh-CN" sz="1200" dirty="0" smtClean="0"/>
+              <a:rPr lang="en-US" altLang="zh-CN" sz="1200" dirty="0"/>
+            </a:br>
+            <a:r>
+              <a:rPr lang="en-US" altLang="zh-CN" sz="1200" dirty="0"/>
               <a:t>        </a:t>
             </a:r>
             <a:r>
-              <a:rPr lang="en-US" altLang="zh-CN" sz="1200" dirty="0" err="1" smtClean="0"/>
+              <a:rPr lang="en-US" altLang="zh-CN" sz="1200" dirty="0" err="1"/>
               <a:t>service.saveGeographical</a:t>
             </a:r>
             <a:r>
-              <a:rPr lang="en-US" altLang="zh-CN" sz="1200" dirty="0" smtClean="0"/>
+              <a:rPr lang="en-US" altLang="zh-CN" sz="1200" dirty="0"/>
               <a:t>(language, country);</a:t>
             </a:r>
             <a:br>
-              <a:rPr lang="en-US" altLang="zh-CN" sz="1200" dirty="0" smtClean="0"/>
-            </a:br>
-            <a:r>
-              <a:rPr lang="en-US" altLang="zh-CN" sz="1200" dirty="0" smtClean="0"/>
+              <a:rPr lang="en-US" altLang="zh-CN" sz="1200" dirty="0"/>
+            </a:br>
+            <a:r>
+              <a:rPr lang="en-US" altLang="zh-CN" sz="1200" dirty="0"/>
               <a:t>        </a:t>
             </a:r>
             <a:r>
-              <a:rPr lang="en-US" altLang="zh-CN" sz="1200" dirty="0" err="1" smtClean="0"/>
+              <a:rPr lang="en-US" altLang="zh-CN" sz="1200" dirty="0" err="1"/>
               <a:t>EasyMock.</a:t>
             </a:r>
             <a:r>
-              <a:rPr lang="en-US" altLang="zh-CN" sz="1200" i="1" dirty="0" err="1" smtClean="0">
+              <a:rPr lang="en-US" altLang="zh-CN" sz="1200" i="1" dirty="0" err="1">
                 <a:effectLst/>
               </a:rPr>
               <a:t>verify</a:t>
             </a:r>
             <a:r>
-              <a:rPr lang="en-US" altLang="zh-CN" sz="1200" dirty="0" smtClean="0"/>
+              <a:rPr lang="en-US" altLang="zh-CN" sz="1200" dirty="0"/>
               <a:t>(</a:t>
             </a:r>
             <a:r>
-              <a:rPr lang="en-US" altLang="zh-CN" sz="1200" dirty="0" err="1" smtClean="0"/>
+              <a:rPr lang="en-US" altLang="zh-CN" sz="1200" dirty="0" err="1"/>
               <a:t>geographicalDao</a:t>
             </a:r>
             <a:r>
-              <a:rPr lang="en-US" altLang="zh-CN" sz="1200" dirty="0" smtClean="0"/>
+              <a:rPr lang="en-US" altLang="zh-CN" sz="1200" dirty="0"/>
               <a:t>);</a:t>
             </a:r>
             <a:br>
-              <a:rPr lang="en-US" altLang="zh-CN" sz="1200" dirty="0" smtClean="0"/>
-            </a:br>
-            <a:r>
-              <a:rPr lang="en-US" altLang="zh-CN" sz="1200" dirty="0" smtClean="0"/>
+              <a:rPr lang="en-US" altLang="zh-CN" sz="1200" dirty="0"/>
+            </a:br>
+            <a:r>
+              <a:rPr lang="en-US" altLang="zh-CN" sz="1200" dirty="0"/>
               <a:t>        List&lt;Locale&gt; locales = </a:t>
             </a:r>
             <a:r>
-              <a:rPr lang="en-US" altLang="zh-CN" sz="1200" dirty="0" err="1" smtClean="0"/>
+              <a:rPr lang="en-US" altLang="zh-CN" sz="1200" dirty="0" err="1"/>
               <a:t>localCapture.getValues</a:t>
             </a:r>
             <a:r>
-              <a:rPr lang="en-US" altLang="zh-CN" sz="1200" dirty="0" smtClean="0"/>
+              <a:rPr lang="en-US" altLang="zh-CN" sz="1200" dirty="0"/>
               <a:t>();</a:t>
             </a:r>
             <a:br>
-              <a:rPr lang="en-US" altLang="zh-CN" sz="1200" dirty="0" smtClean="0"/>
-            </a:br>
-            <a:r>
-              <a:rPr lang="en-US" altLang="zh-CN" sz="1200" dirty="0" smtClean="0"/>
+              <a:rPr lang="en-US" altLang="zh-CN" sz="1200" dirty="0"/>
+            </a:br>
+            <a:r>
+              <a:rPr lang="en-US" altLang="zh-CN" sz="1200" dirty="0"/>
               <a:t>        </a:t>
             </a:r>
             <a:r>
-              <a:rPr lang="en-US" altLang="zh-CN" sz="1200" dirty="0" err="1" smtClean="0"/>
+              <a:rPr lang="en-US" altLang="zh-CN" sz="1200" dirty="0" err="1"/>
               <a:t>Assert.</a:t>
             </a:r>
             <a:r>
-              <a:rPr lang="en-US" altLang="zh-CN" sz="1200" i="1" dirty="0" err="1" smtClean="0">
+              <a:rPr lang="en-US" altLang="zh-CN" sz="1200" i="1" dirty="0" err="1">
                 <a:effectLst/>
               </a:rPr>
               <a:t>assertEquals</a:t>
             </a:r>
             <a:r>
-              <a:rPr lang="en-US" altLang="zh-CN" sz="1200" dirty="0" smtClean="0"/>
+              <a:rPr lang="en-US" altLang="zh-CN" sz="1200" dirty="0"/>
               <a:t>(</a:t>
             </a:r>
             <a:r>
@@ -4967,52 +4888,44 @@
               <a:t>"us"</a:t>
             </a:r>
             <a:r>
-              <a:rPr lang="en-US" altLang="zh-CN" sz="1200" dirty="0" smtClean="0"/>
+              <a:rPr lang="en-US" altLang="zh-CN" sz="1200" dirty="0"/>
               <a:t>,</a:t>
             </a:r>
             <a:r>
-              <a:rPr lang="en-US" altLang="zh-CN" sz="1200" dirty="0" err="1" smtClean="0"/>
+              <a:rPr lang="en-US" altLang="zh-CN" sz="1200" dirty="0" err="1"/>
               <a:t>locales.get</a:t>
             </a:r>
             <a:r>
-              <a:rPr lang="en-US" altLang="zh-CN" sz="1200" dirty="0" smtClean="0"/>
-              <a:t>(</a:t>
-            </a:r>
-            <a:r>
-              <a:rPr lang="en-US" altLang="zh-CN" sz="1200" dirty="0"/>
-              <a:t>0</a:t>
-            </a:r>
-            <a:r>
-              <a:rPr lang="en-US" altLang="zh-CN" sz="1200" dirty="0" smtClean="0"/>
-              <a:t>).</a:t>
-            </a:r>
-            <a:r>
-              <a:rPr lang="en-US" altLang="zh-CN" sz="1200" dirty="0" err="1" smtClean="0"/>
+              <a:rPr lang="en-US" altLang="zh-CN" sz="1200" dirty="0"/>
+              <a:t>(0).</a:t>
+            </a:r>
+            <a:r>
+              <a:rPr lang="en-US" altLang="zh-CN" sz="1200" dirty="0" err="1"/>
               <a:t>getLanguage</a:t>
             </a:r>
             <a:r>
-              <a:rPr lang="en-US" altLang="zh-CN" sz="1200" dirty="0" smtClean="0"/>
+              <a:rPr lang="en-US" altLang="zh-CN" sz="1200" dirty="0"/>
               <a:t>());</a:t>
             </a:r>
             <a:br>
-              <a:rPr lang="en-US" altLang="zh-CN" sz="1200" dirty="0" smtClean="0"/>
-            </a:br>
-            <a:r>
-              <a:rPr lang="en-US" altLang="zh-CN" sz="1200" dirty="0" smtClean="0"/>
+              <a:rPr lang="en-US" altLang="zh-CN" sz="1200" dirty="0"/>
+            </a:br>
+            <a:r>
+              <a:rPr lang="en-US" altLang="zh-CN" sz="1200" dirty="0"/>
               <a:t>        </a:t>
             </a:r>
             <a:r>
-              <a:rPr lang="en-US" altLang="zh-CN" sz="1200" dirty="0" err="1" smtClean="0"/>
+              <a:rPr lang="en-US" altLang="zh-CN" sz="1200" dirty="0" err="1"/>
               <a:t>Assert.</a:t>
             </a:r>
             <a:r>
-              <a:rPr lang="en-US" altLang="zh-CN" sz="1200" i="1" dirty="0" err="1" smtClean="0">
+              <a:rPr lang="en-US" altLang="zh-CN" sz="1200" i="1" dirty="0" err="1">
                 <a:effectLst/>
               </a:rPr>
               <a:t>assertEquals</a:t>
             </a:r>
             <a:r>
-              <a:rPr lang="en-US" altLang="zh-CN" sz="1200" dirty="0" smtClean="0"/>
+              <a:rPr lang="en-US" altLang="zh-CN" sz="1200" dirty="0"/>
               <a:t>(</a:t>
             </a:r>
             <a:r>
@@ -5020,52 +4933,44 @@
               <a:t>"UK"</a:t>
             </a:r>
             <a:r>
-              <a:rPr lang="en-US" altLang="zh-CN" sz="1200" dirty="0" smtClean="0"/>
+              <a:rPr lang="en-US" altLang="zh-CN" sz="1200" dirty="0"/>
               <a:t>,</a:t>
             </a:r>
             <a:r>
-              <a:rPr lang="en-US" altLang="zh-CN" sz="1200" dirty="0" err="1" smtClean="0"/>
+              <a:rPr lang="en-US" altLang="zh-CN" sz="1200" dirty="0" err="1"/>
               <a:t>locales.get</a:t>
             </a:r>
             <a:r>
-              <a:rPr lang="en-US" altLang="zh-CN" sz="1200" dirty="0" smtClean="0"/>
-              <a:t>(</a:t>
-            </a:r>
-            <a:r>
-              <a:rPr lang="en-US" altLang="zh-CN" sz="1200" dirty="0"/>
-              <a:t>0</a:t>
-            </a:r>
-            <a:r>
-              <a:rPr lang="en-US" altLang="zh-CN" sz="1200" dirty="0" smtClean="0"/>
-              <a:t>).</a:t>
-            </a:r>
-            <a:r>
-              <a:rPr lang="en-US" altLang="zh-CN" sz="1200" dirty="0" err="1" smtClean="0"/>
+              <a:rPr lang="en-US" altLang="zh-CN" sz="1200" dirty="0"/>
+              <a:t>(0).</a:t>
+            </a:r>
+            <a:r>
+              <a:rPr lang="en-US" altLang="zh-CN" sz="1200" dirty="0" err="1"/>
               <a:t>getCountry</a:t>
             </a:r>
             <a:r>
-              <a:rPr lang="en-US" altLang="zh-CN" sz="1200" dirty="0" smtClean="0"/>
+              <a:rPr lang="en-US" altLang="zh-CN" sz="1200" dirty="0"/>
               <a:t>());</a:t>
             </a:r>
             <a:br>
-              <a:rPr lang="en-US" altLang="zh-CN" sz="1200" dirty="0" smtClean="0"/>
-            </a:br>
-            <a:r>
-              <a:rPr lang="en-US" altLang="zh-CN" sz="1200" dirty="0" smtClean="0"/>
+              <a:rPr lang="en-US" altLang="zh-CN" sz="1200" dirty="0"/>
+            </a:br>
+            <a:r>
+              <a:rPr lang="en-US" altLang="zh-CN" sz="1200" dirty="0"/>
               <a:t>    }</a:t>
             </a:r>
             <a:br>
-              <a:rPr lang="en-US" altLang="zh-CN" sz="1200" dirty="0" smtClean="0"/>
-            </a:br>
-            <a:r>
-              <a:rPr lang="en-US" altLang="zh-CN" sz="1200" dirty="0" smtClean="0"/>
+              <a:rPr lang="en-US" altLang="zh-CN" sz="1200" dirty="0"/>
+            </a:br>
+            <a:r>
+              <a:rPr lang="en-US" altLang="zh-CN" sz="1200" dirty="0"/>
               <a:t>    </a:t>
             </a:r>
             <a:br>
-              <a:rPr lang="en-US" altLang="zh-CN" sz="1200" dirty="0" smtClean="0"/>
-            </a:br>
-            <a:r>
-              <a:rPr lang="en-US" altLang="zh-CN" sz="1200" dirty="0" smtClean="0"/>
+              <a:rPr lang="en-US" altLang="zh-CN" sz="1200" dirty="0"/>
+            </a:br>
+            <a:r>
+              <a:rPr lang="en-US" altLang="zh-CN" sz="1200" dirty="0"/>
               <a:t>}</a:t>
             </a:r>
           </a:p>
@@ -5084,46 +4989,38 @@
               <a:t>public class </a:t>
             </a:r>
             <a:r>
-              <a:rPr lang="en-US" altLang="zh-CN" sz="1200" dirty="0" err="1" smtClean="0"/>
+              <a:rPr lang="en-US" altLang="zh-CN" sz="1200" dirty="0" err="1"/>
               <a:t>GeographicalServiceTest</a:t>
             </a:r>
             <a:r>
-              <a:rPr lang="en-US" altLang="zh-CN" sz="1200" dirty="0" smtClean="0"/>
+              <a:rPr lang="en-US" altLang="zh-CN" sz="1200" dirty="0"/>
               <a:t> {</a:t>
             </a:r>
             <a:br>
-              <a:rPr lang="en-US" altLang="zh-CN" sz="1200" dirty="0" smtClean="0"/>
-            </a:br>
-            <a:r>
-              <a:rPr lang="en-US" altLang="zh-CN" sz="1200" dirty="0" smtClean="0"/>
+              <a:rPr lang="en-US" altLang="zh-CN" sz="1200" dirty="0"/>
+            </a:br>
+            <a:r>
+              <a:rPr lang="en-US" altLang="zh-CN" sz="1200" dirty="0"/>
               <a:t>//</a:t>
             </a:r>
             <a:r>
-              <a:rPr lang="zh-CN" altLang="en-US" sz="1200" dirty="0" smtClean="0"/>
+              <a:rPr lang="zh-CN" altLang="en-US" sz="1200" dirty="0"/>
               <a:t>比较偷懒的做法，用</a:t>
             </a:r>
             <a:r>
-              <a:rPr lang="en-US" altLang="zh-CN" sz="1200" dirty="0" err="1" smtClean="0"/>
+              <a:rPr lang="en-US" altLang="zh-CN" sz="1200" dirty="0" err="1"/>
               <a:t>EasyMock.is</a:t>
             </a:r>
             <a:r>
-              <a:rPr lang="zh-CN" altLang="en-US" sz="1200" dirty="0" smtClean="0"/>
+              <a:rPr lang="zh-CN" altLang="en-US" sz="1200" dirty="0"/>
               <a:t>只判断入参的类型，不做参数校验，可以提高覆盖率，不推荐这么写测试</a:t>
             </a:r>
-            <a:r>
-              <a:rPr lang="en-US" altLang="zh-CN" sz="1200" dirty="0" smtClean="0"/>
-              <a:t/>
-            </a:r>
-            <a:br>
-              <a:rPr lang="en-US" altLang="zh-CN" sz="1200" dirty="0" smtClean="0"/>
-            </a:br>
-            <a:r>
-              <a:rPr lang="en-US" altLang="zh-CN" sz="1200" dirty="0" smtClean="0"/>
-              <a:t>    </a:t>
-            </a:r>
-            <a:r>
-              <a:rPr lang="en-US" altLang="zh-CN" sz="1200" dirty="0"/>
-              <a:t>@Test</a:t>
+            <a:br>
+              <a:rPr lang="en-US" altLang="zh-CN" sz="1200" dirty="0"/>
+            </a:br>
+            <a:r>
+              <a:rPr lang="en-US" altLang="zh-CN" sz="1200" dirty="0"/>
+              <a:t>    @Test</a:t>
             </a:r>
             <a:br>
               <a:rPr lang="en-US" altLang="zh-CN" sz="1200" dirty="0"/>
@@ -5137,11 +5034,11 @@
               <a:t>public void </a:t>
             </a:r>
             <a:r>
-              <a:rPr lang="en-US" altLang="zh-CN" sz="1200" dirty="0" err="1" smtClean="0"/>
+              <a:rPr lang="en-US" altLang="zh-CN" sz="1200" dirty="0" err="1"/>
               <a:t>testIsA</a:t>
             </a:r>
             <a:r>
-              <a:rPr lang="en-US" altLang="zh-CN" sz="1200" dirty="0" smtClean="0"/>
+              <a:rPr lang="en-US" altLang="zh-CN" sz="1200" dirty="0"/>
               <a:t>() </a:t>
             </a:r>
             <a:r>
@@ -5149,14 +5046,14 @@
               <a:t>throws </a:t>
             </a:r>
             <a:r>
-              <a:rPr lang="en-US" altLang="zh-CN" sz="1200" dirty="0" smtClean="0"/>
+              <a:rPr lang="en-US" altLang="zh-CN" sz="1200" dirty="0"/>
               <a:t>Exception {</a:t>
             </a:r>
             <a:br>
-              <a:rPr lang="en-US" altLang="zh-CN" sz="1200" dirty="0" smtClean="0"/>
-            </a:br>
-            <a:r>
-              <a:rPr lang="en-US" altLang="zh-CN" sz="1200" dirty="0" smtClean="0"/>
+              <a:rPr lang="en-US" altLang="zh-CN" sz="1200" dirty="0"/>
+            </a:br>
+            <a:r>
+              <a:rPr lang="en-US" altLang="zh-CN" sz="1200" dirty="0"/>
               <a:t>        String language = </a:t>
             </a:r>
             <a:r>
@@ -5164,14 +5061,14 @@
               <a:t>"us"</a:t>
             </a:r>
             <a:r>
-              <a:rPr lang="en-US" altLang="zh-CN" sz="1200" dirty="0" smtClean="0"/>
+              <a:rPr lang="en-US" altLang="zh-CN" sz="1200" dirty="0"/>
               <a:t>;</a:t>
             </a:r>
             <a:br>
-              <a:rPr lang="en-US" altLang="zh-CN" sz="1200" dirty="0" smtClean="0"/>
-            </a:br>
-            <a:r>
-              <a:rPr lang="en-US" altLang="zh-CN" sz="1200" dirty="0" smtClean="0"/>
+              <a:rPr lang="en-US" altLang="zh-CN" sz="1200" dirty="0"/>
+            </a:br>
+            <a:r>
+              <a:rPr lang="en-US" altLang="zh-CN" sz="1200" dirty="0"/>
               <a:t>        String country = </a:t>
             </a:r>
             <a:r>
@@ -5179,40 +5076,40 @@
               <a:t>"UK"</a:t>
             </a:r>
             <a:r>
-              <a:rPr lang="en-US" altLang="zh-CN" sz="1200" dirty="0" smtClean="0"/>
+              <a:rPr lang="en-US" altLang="zh-CN" sz="1200" dirty="0"/>
               <a:t>;</a:t>
             </a:r>
             <a:br>
-              <a:rPr lang="en-US" altLang="zh-CN" sz="1200" dirty="0" smtClean="0"/>
-            </a:br>
-            <a:r>
-              <a:rPr lang="en-US" altLang="zh-CN" sz="1200" dirty="0" smtClean="0"/>
+              <a:rPr lang="en-US" altLang="zh-CN" sz="1200" dirty="0"/>
+            </a:br>
+            <a:r>
+              <a:rPr lang="en-US" altLang="zh-CN" sz="1200" dirty="0"/>
               <a:t>        </a:t>
             </a:r>
             <a:r>
-              <a:rPr lang="en-US" altLang="zh-CN" sz="1200" dirty="0" err="1" smtClean="0"/>
+              <a:rPr lang="en-US" altLang="zh-CN" sz="1200" dirty="0" err="1"/>
               <a:t>GeographicalDao</a:t>
             </a:r>
             <a:r>
-              <a:rPr lang="en-US" altLang="zh-CN" sz="1200" dirty="0" smtClean="0"/>
+              <a:rPr lang="en-US" altLang="zh-CN" sz="1200" dirty="0"/>
               <a:t> mock = </a:t>
             </a:r>
             <a:r>
-              <a:rPr lang="en-US" altLang="zh-CN" sz="1200" dirty="0" err="1" smtClean="0"/>
+              <a:rPr lang="en-US" altLang="zh-CN" sz="1200" dirty="0" err="1"/>
               <a:t>EasyMock.</a:t>
             </a:r>
             <a:r>
-              <a:rPr lang="en-US" altLang="zh-CN" sz="1200" i="1" dirty="0" err="1" smtClean="0">
+              <a:rPr lang="en-US" altLang="zh-CN" sz="1200" i="1" dirty="0" err="1">
                 <a:effectLst/>
               </a:rPr>
               <a:t>createMock</a:t>
             </a:r>
             <a:r>
-              <a:rPr lang="en-US" altLang="zh-CN" sz="1200" dirty="0" smtClean="0"/>
+              <a:rPr lang="en-US" altLang="zh-CN" sz="1200" dirty="0"/>
               <a:t>(</a:t>
             </a:r>
             <a:r>
-              <a:rPr lang="en-US" altLang="zh-CN" sz="1200" dirty="0" err="1" smtClean="0"/>
+              <a:rPr lang="en-US" altLang="zh-CN" sz="1200" dirty="0" err="1"/>
               <a:t>GeographicalDao.</a:t>
             </a:r>
             <a:r>
@@ -5220,40 +5117,40 @@
               <a:t>class</a:t>
             </a:r>
             <a:r>
-              <a:rPr lang="en-US" altLang="zh-CN" sz="1200" dirty="0" smtClean="0"/>
+              <a:rPr lang="en-US" altLang="zh-CN" sz="1200" dirty="0"/>
               <a:t>);</a:t>
             </a:r>
             <a:br>
-              <a:rPr lang="en-US" altLang="zh-CN" sz="1200" dirty="0" smtClean="0"/>
-            </a:br>
-            <a:r>
-              <a:rPr lang="en-US" altLang="zh-CN" sz="1200" dirty="0" smtClean="0"/>
+              <a:rPr lang="en-US" altLang="zh-CN" sz="1200" dirty="0"/>
+            </a:br>
+            <a:r>
+              <a:rPr lang="en-US" altLang="zh-CN" sz="1200" dirty="0"/>
               <a:t>        </a:t>
             </a:r>
             <a:r>
-              <a:rPr lang="en-US" altLang="zh-CN" sz="1200" dirty="0" err="1" smtClean="0"/>
+              <a:rPr lang="en-US" altLang="zh-CN" sz="1200" dirty="0" err="1"/>
               <a:t>mock.insertLocale</a:t>
             </a:r>
             <a:r>
-              <a:rPr lang="en-US" altLang="zh-CN" sz="1200" dirty="0" smtClean="0"/>
+              <a:rPr lang="en-US" altLang="zh-CN" sz="1200" dirty="0"/>
               <a:t>(</a:t>
             </a:r>
             <a:r>
-              <a:rPr lang="en-US" altLang="zh-CN" sz="1200" dirty="0" err="1" smtClean="0"/>
+              <a:rPr lang="en-US" altLang="zh-CN" sz="1200" dirty="0" err="1"/>
               <a:t>EasyMock.</a:t>
             </a:r>
             <a:r>
-              <a:rPr lang="en-US" altLang="zh-CN" sz="1200" i="1" dirty="0" err="1" smtClean="0">
+              <a:rPr lang="en-US" altLang="zh-CN" sz="1200" i="1" dirty="0" err="1">
                 <a:effectLst/>
               </a:rPr>
               <a:t>isA</a:t>
             </a:r>
             <a:r>
-              <a:rPr lang="en-US" altLang="zh-CN" sz="1200" dirty="0" smtClean="0"/>
+              <a:rPr lang="en-US" altLang="zh-CN" sz="1200" dirty="0"/>
               <a:t>(</a:t>
             </a:r>
             <a:r>
-              <a:rPr lang="en-US" altLang="zh-CN" sz="1200" dirty="0" err="1" smtClean="0"/>
+              <a:rPr lang="en-US" altLang="zh-CN" sz="1200" dirty="0" err="1"/>
               <a:t>Locale.</a:t>
             </a:r>
             <a:r>
@@ -5261,72 +5158,68 @@
               <a:t>class</a:t>
             </a:r>
             <a:r>
-              <a:rPr lang="en-US" altLang="zh-CN" sz="1200" dirty="0" smtClean="0"/>
+              <a:rPr lang="en-US" altLang="zh-CN" sz="1200" dirty="0"/>
               <a:t>));</a:t>
             </a:r>
             <a:br>
-              <a:rPr lang="en-US" altLang="zh-CN" sz="1200" dirty="0" smtClean="0"/>
-            </a:br>
-            <a:r>
-              <a:rPr lang="en-US" altLang="zh-CN" sz="1200" dirty="0" smtClean="0"/>
+              <a:rPr lang="en-US" altLang="zh-CN" sz="1200" dirty="0"/>
+            </a:br>
+            <a:r>
+              <a:rPr lang="en-US" altLang="zh-CN" sz="1200" dirty="0"/>
               <a:t>        </a:t>
             </a:r>
             <a:r>
-              <a:rPr lang="en-US" altLang="zh-CN" sz="1200" dirty="0" err="1" smtClean="0"/>
+              <a:rPr lang="en-US" altLang="zh-CN" sz="1200" dirty="0" err="1"/>
               <a:t>EasyMock.</a:t>
             </a:r>
             <a:r>
-              <a:rPr lang="en-US" altLang="zh-CN" sz="1200" i="1" dirty="0" err="1" smtClean="0">
+              <a:rPr lang="en-US" altLang="zh-CN" sz="1200" i="1" dirty="0" err="1">
                 <a:effectLst/>
               </a:rPr>
               <a:t>expectLastCall</a:t>
             </a:r>
             <a:r>
-              <a:rPr lang="en-US" altLang="zh-CN" sz="1200" dirty="0" smtClean="0"/>
+              <a:rPr lang="en-US" altLang="zh-CN" sz="1200" dirty="0"/>
               <a:t>();//</a:t>
             </a:r>
             <a:r>
-              <a:rPr lang="en-US" altLang="en-US" sz="1200" dirty="0" err="1" smtClean="0"/>
+              <a:rPr lang="en-US" altLang="en-US" sz="1200" dirty="0" err="1"/>
               <a:t>void的方法的测试需要加这个</a:t>
             </a:r>
-            <a:r>
-              <a:rPr lang="en-US" altLang="zh-CN" sz="1200" dirty="0" smtClean="0"/>
-              <a:t/>
-            </a:r>
-            <a:br>
-              <a:rPr lang="en-US" altLang="zh-CN" sz="1200" dirty="0" smtClean="0"/>
-            </a:br>
-            <a:r>
-              <a:rPr lang="en-US" altLang="zh-CN" sz="1200" dirty="0" smtClean="0"/>
+            <a:br>
+              <a:rPr lang="en-US" altLang="zh-CN" sz="1200" dirty="0"/>
+            </a:br>
+            <a:r>
+              <a:rPr lang="en-US" altLang="zh-CN" sz="1200" dirty="0"/>
               <a:t>        </a:t>
             </a:r>
             <a:r>
-              <a:rPr lang="en-US" altLang="zh-CN" sz="1200" dirty="0" err="1" smtClean="0"/>
+              <a:rPr lang="en-US" altLang="zh-CN" sz="1200" dirty="0" err="1"/>
               <a:t>EasyMock.</a:t>
             </a:r>
             <a:r>
-              <a:rPr lang="en-US" altLang="zh-CN" sz="1200" i="1" dirty="0" err="1" smtClean="0">
+              <a:rPr lang="en-US" altLang="zh-CN" sz="1200" i="1" dirty="0" err="1">
                 <a:effectLst/>
               </a:rPr>
               <a:t>replay</a:t>
             </a:r>
             <a:r>
-              <a:rPr lang="en-US" altLang="zh-CN" sz="1200" dirty="0" smtClean="0"/>
+              <a:rPr lang="en-US" altLang="zh-CN" sz="1200" dirty="0"/>
               <a:t>(mock);</a:t>
             </a:r>
             <a:br>
-              <a:rPr lang="en-US" altLang="zh-CN" sz="1200" dirty="0" smtClean="0"/>
-            </a:br>
-            <a:r>
-              <a:rPr lang="en-US" altLang="zh-CN" sz="1200" dirty="0" smtClean="0"/>
+              <a:rPr lang="en-US" altLang="zh-CN" sz="1200" dirty="0"/>
+            </a:br>
+            <a:r>
+              <a:rPr lang="en-US" altLang="zh-CN" sz="1200" dirty="0"/>
               <a:t>        </a:t>
             </a:r>
             <a:r>
-              <a:rPr lang="en-US" altLang="zh-CN" sz="1200" dirty="0" err="1" smtClean="0"/>
+              <a:rPr lang="en-US" altLang="zh-CN" sz="1200" dirty="0" err="1"/>
               <a:t>GeographicalService</a:t>
             </a:r>
             <a:r>
-              <a:rPr lang="en-US" altLang="zh-CN" sz="1200" dirty="0" smtClean="0"/>
+              <a:rPr lang="en-US" altLang="zh-CN" sz="1200" dirty="0"/>
               <a:t> service = </a:t>
             </a:r>
             <a:r>
@@ -5334,76 +5227,76 @@
               <a:t>new </a:t>
             </a:r>
             <a:r>
-              <a:rPr lang="en-US" altLang="zh-CN" sz="1200" dirty="0" err="1" smtClean="0"/>
+              <a:rPr lang="en-US" altLang="zh-CN" sz="1200" dirty="0" err="1"/>
               <a:t>GeographicalService</a:t>
             </a:r>
             <a:r>
-              <a:rPr lang="en-US" altLang="zh-CN" sz="1200" dirty="0" smtClean="0"/>
+              <a:rPr lang="en-US" altLang="zh-CN" sz="1200" dirty="0"/>
               <a:t>();</a:t>
             </a:r>
             <a:br>
-              <a:rPr lang="en-US" altLang="zh-CN" sz="1200" dirty="0" smtClean="0"/>
-            </a:br>
-            <a:r>
-              <a:rPr lang="en-US" altLang="zh-CN" sz="1200" dirty="0" smtClean="0"/>
+              <a:rPr lang="en-US" altLang="zh-CN" sz="1200" dirty="0"/>
+            </a:br>
+            <a:r>
+              <a:rPr lang="en-US" altLang="zh-CN" sz="1200" dirty="0"/>
               <a:t>        </a:t>
             </a:r>
             <a:r>
-              <a:rPr lang="en-US" altLang="zh-CN" sz="1200" dirty="0" err="1" smtClean="0"/>
+              <a:rPr lang="en-US" altLang="zh-CN" sz="1200" dirty="0" err="1"/>
               <a:t>service.setGeographicalDao</a:t>
             </a:r>
             <a:r>
-              <a:rPr lang="en-US" altLang="zh-CN" sz="1200" dirty="0" smtClean="0"/>
+              <a:rPr lang="en-US" altLang="zh-CN" sz="1200" dirty="0"/>
               <a:t>(mock);</a:t>
             </a:r>
             <a:br>
-              <a:rPr lang="en-US" altLang="zh-CN" sz="1200" dirty="0" smtClean="0"/>
-            </a:br>
-            <a:r>
-              <a:rPr lang="en-US" altLang="zh-CN" sz="1200" dirty="0" smtClean="0"/>
+              <a:rPr lang="en-US" altLang="zh-CN" sz="1200" dirty="0"/>
+            </a:br>
+            <a:r>
+              <a:rPr lang="en-US" altLang="zh-CN" sz="1200" dirty="0"/>
               <a:t>        </a:t>
             </a:r>
             <a:r>
-              <a:rPr lang="en-US" altLang="zh-CN" sz="1200" dirty="0" err="1" smtClean="0"/>
+              <a:rPr lang="en-US" altLang="zh-CN" sz="1200" dirty="0" err="1"/>
               <a:t>service.saveGeographical</a:t>
             </a:r>
             <a:r>
-              <a:rPr lang="en-US" altLang="zh-CN" sz="1200" dirty="0" smtClean="0"/>
+              <a:rPr lang="en-US" altLang="zh-CN" sz="1200" dirty="0"/>
               <a:t>(language, country);</a:t>
             </a:r>
             <a:br>
-              <a:rPr lang="en-US" altLang="zh-CN" sz="1200" dirty="0" smtClean="0"/>
-            </a:br>
-            <a:r>
-              <a:rPr lang="en-US" altLang="zh-CN" sz="1200" dirty="0" smtClean="0"/>
+              <a:rPr lang="en-US" altLang="zh-CN" sz="1200" dirty="0"/>
+            </a:br>
+            <a:r>
+              <a:rPr lang="en-US" altLang="zh-CN" sz="1200" dirty="0"/>
               <a:t>        </a:t>
             </a:r>
             <a:r>
-              <a:rPr lang="en-US" altLang="zh-CN" sz="1200" dirty="0" err="1" smtClean="0"/>
+              <a:rPr lang="en-US" altLang="zh-CN" sz="1200" dirty="0" err="1"/>
               <a:t>EasyMock.</a:t>
             </a:r>
             <a:r>
-              <a:rPr lang="en-US" altLang="zh-CN" sz="1200" i="1" dirty="0" err="1" smtClean="0">
+              <a:rPr lang="en-US" altLang="zh-CN" sz="1200" i="1" dirty="0" err="1">
                 <a:effectLst/>
               </a:rPr>
               <a:t>verify</a:t>
             </a:r>
             <a:r>
-              <a:rPr lang="en-US" altLang="zh-CN" sz="1200" dirty="0" smtClean="0"/>
+              <a:rPr lang="en-US" altLang="zh-CN" sz="1200" dirty="0"/>
               <a:t>(mock);</a:t>
             </a:r>
             <a:br>
-              <a:rPr lang="en-US" altLang="zh-CN" sz="1200" dirty="0" smtClean="0"/>
-            </a:br>
-            <a:r>
-              <a:rPr lang="en-US" altLang="zh-CN" sz="1200" dirty="0" smtClean="0"/>
+              <a:rPr lang="en-US" altLang="zh-CN" sz="1200" dirty="0"/>
+            </a:br>
+            <a:r>
+              <a:rPr lang="en-US" altLang="zh-CN" sz="1200" dirty="0"/>
               <a:t>    }</a:t>
             </a:r>
             <a:br>
-              <a:rPr lang="en-US" altLang="zh-CN" sz="1200" dirty="0" smtClean="0"/>
-            </a:br>
-            <a:r>
-              <a:rPr lang="en-US" altLang="zh-CN" sz="1200" dirty="0" smtClean="0"/>
+              <a:rPr lang="en-US" altLang="zh-CN" sz="1200" dirty="0"/>
+            </a:br>
+            <a:r>
+              <a:rPr lang="en-US" altLang="zh-CN" sz="1200" dirty="0"/>
               <a:t>}</a:t>
             </a:r>
             <a:endParaRPr kumimoji="1" lang="zh-CN" altLang="en-US" sz="1200" dirty="0"/>
@@ -5456,10 +5349,9 @@
           <a:lstStyle/>
           <a:p>
             <a:r>
-              <a:rPr kumimoji="1" lang="zh-CN" altLang="en-US" dirty="0" smtClean="0"/>
+              <a:rPr kumimoji="1" lang="zh-CN" altLang="en-US" dirty="0"/>
               <a:t>静态方法的测试</a:t>
             </a:r>
-            <a:endParaRPr kumimoji="1" lang="zh-CN" altLang="en-US" dirty="0"/>
           </a:p>
         </p:txBody>
       </p:sp>
@@ -5488,25 +5380,21 @@
               <a:t>public class </a:t>
             </a:r>
             <a:r>
-              <a:rPr lang="en-US" altLang="zh-CN" sz="1200" dirty="0" err="1" smtClean="0"/>
+              <a:rPr lang="en-US" altLang="zh-CN" sz="1200" dirty="0" err="1"/>
               <a:t>CaculateService</a:t>
             </a:r>
             <a:r>
-              <a:rPr lang="en-US" altLang="zh-CN" sz="1200" dirty="0" smtClean="0"/>
+              <a:rPr lang="en-US" altLang="zh-CN" sz="1200" dirty="0"/>
               <a:t> {</a:t>
             </a:r>
             <a:br>
-              <a:rPr lang="en-US" altLang="zh-CN" sz="1200" dirty="0" smtClean="0"/>
-            </a:br>
-            <a:r>
-              <a:rPr lang="en-US" altLang="zh-CN" sz="1200" dirty="0" smtClean="0"/>
-              <a:t/>
-            </a:r>
-            <a:br>
-              <a:rPr lang="en-US" altLang="zh-CN" sz="1200" dirty="0" smtClean="0"/>
-            </a:br>
-            <a:r>
-              <a:rPr lang="en-US" altLang="zh-CN" sz="1200" dirty="0" smtClean="0"/>
+              <a:rPr lang="en-US" altLang="zh-CN" sz="1200" dirty="0"/>
+            </a:br>
+            <a:br>
+              <a:rPr lang="en-US" altLang="zh-CN" sz="1200" dirty="0"/>
+            </a:br>
+            <a:r>
+              <a:rPr lang="en-US" altLang="zh-CN" sz="1200" dirty="0"/>
               <a:t>    </a:t>
             </a:r>
             <a:r>
@@ -5522,7 +5410,7 @@
               <a:t> </a:t>
             </a:r>
             <a:r>
-              <a:rPr lang="en-US" altLang="zh-CN" sz="1200" dirty="0" smtClean="0"/>
+              <a:rPr lang="en-US" altLang="zh-CN" sz="1200" dirty="0"/>
               <a:t>add(</a:t>
             </a:r>
             <a:r>
@@ -5534,7 +5422,7 @@
               <a:t> </a:t>
             </a:r>
             <a:r>
-              <a:rPr lang="en-US" altLang="zh-CN" sz="1200" dirty="0" err="1" smtClean="0"/>
+              <a:rPr lang="en-US" altLang="zh-CN" sz="1200" dirty="0" err="1"/>
               <a:t>a,</a:t>
             </a:r>
             <a:r>
@@ -5546,14 +5434,14 @@
               <a:t> </a:t>
             </a:r>
             <a:r>
-              <a:rPr lang="en-US" altLang="zh-CN" sz="1200" dirty="0" smtClean="0"/>
+              <a:rPr lang="en-US" altLang="zh-CN" sz="1200" dirty="0"/>
               <a:t>b){</a:t>
             </a:r>
             <a:br>
-              <a:rPr lang="en-US" altLang="zh-CN" sz="1200" dirty="0" smtClean="0"/>
-            </a:br>
-            <a:r>
-              <a:rPr lang="en-US" altLang="zh-CN" sz="1200" dirty="0" smtClean="0"/>
+              <a:rPr lang="en-US" altLang="zh-CN" sz="1200" dirty="0"/>
+            </a:br>
+            <a:r>
+              <a:rPr lang="en-US" altLang="zh-CN" sz="1200" dirty="0"/>
               <a:t>        </a:t>
             </a:r>
             <a:r>
@@ -5561,39 +5449,39 @@
               <a:t>return </a:t>
             </a:r>
             <a:r>
-              <a:rPr lang="en-US" altLang="zh-CN" sz="1200" dirty="0" err="1" smtClean="0"/>
+              <a:rPr lang="en-US" altLang="zh-CN" sz="1200" dirty="0" err="1"/>
               <a:t>AddUtils.</a:t>
             </a:r>
             <a:r>
-              <a:rPr lang="en-US" altLang="zh-CN" sz="1200" i="1" dirty="0" err="1" smtClean="0">
+              <a:rPr lang="en-US" altLang="zh-CN" sz="1200" i="1" dirty="0" err="1">
                 <a:effectLst/>
               </a:rPr>
               <a:t>add</a:t>
             </a:r>
             <a:r>
-              <a:rPr lang="en-US" altLang="zh-CN" sz="1200" dirty="0" smtClean="0"/>
+              <a:rPr lang="en-US" altLang="zh-CN" sz="1200" dirty="0"/>
               <a:t>(</a:t>
             </a:r>
             <a:r>
-              <a:rPr lang="en-US" altLang="zh-CN" sz="1200" dirty="0" err="1" smtClean="0"/>
+              <a:rPr lang="en-US" altLang="zh-CN" sz="1200" dirty="0" err="1"/>
               <a:t>a,b</a:t>
             </a:r>
             <a:r>
-              <a:rPr lang="en-US" altLang="zh-CN" sz="1200" dirty="0" smtClean="0"/>
+              <a:rPr lang="en-US" altLang="zh-CN" sz="1200" dirty="0"/>
               <a:t>);</a:t>
             </a:r>
             <a:br>
-              <a:rPr lang="en-US" altLang="zh-CN" sz="1200" dirty="0" smtClean="0"/>
-            </a:br>
-            <a:r>
-              <a:rPr lang="en-US" altLang="zh-CN" sz="1200" dirty="0" smtClean="0"/>
+              <a:rPr lang="en-US" altLang="zh-CN" sz="1200" dirty="0"/>
+            </a:br>
+            <a:r>
+              <a:rPr lang="en-US" altLang="zh-CN" sz="1200" dirty="0"/>
               <a:t>    }</a:t>
             </a:r>
             <a:br>
-              <a:rPr lang="en-US" altLang="zh-CN" sz="1200" dirty="0" smtClean="0"/>
-            </a:br>
-            <a:r>
-              <a:rPr lang="en-US" altLang="zh-CN" sz="1200" dirty="0" smtClean="0"/>
+              <a:rPr lang="en-US" altLang="zh-CN" sz="1200" dirty="0"/>
+            </a:br>
+            <a:r>
+              <a:rPr lang="en-US" altLang="zh-CN" sz="1200" dirty="0"/>
               <a:t>}</a:t>
             </a:r>
           </a:p>
@@ -5601,7 +5489,7 @@
             <a:pPr marL="0" indent="0">
               <a:buNone/>
             </a:pPr>
-            <a:endParaRPr kumimoji="1" lang="en-US" altLang="zh-CN" sz="1200" dirty="0" smtClean="0"/>
+            <a:endParaRPr kumimoji="1" lang="en-US" altLang="zh-CN" sz="1200" dirty="0"/>
           </a:p>
           <a:p>
             <a:pPr marL="0" indent="0">
@@ -5612,25 +5500,21 @@
               <a:t>public class </a:t>
             </a:r>
             <a:r>
-              <a:rPr lang="en-US" altLang="zh-CN" sz="1200" dirty="0" err="1" smtClean="0"/>
+              <a:rPr lang="en-US" altLang="zh-CN" sz="1200" dirty="0" err="1"/>
               <a:t>AddUtils</a:t>
             </a:r>
             <a:r>
-              <a:rPr lang="en-US" altLang="zh-CN" sz="1200" dirty="0" smtClean="0"/>
+              <a:rPr lang="en-US" altLang="zh-CN" sz="1200" dirty="0"/>
               <a:t> {</a:t>
             </a:r>
             <a:br>
-              <a:rPr lang="en-US" altLang="zh-CN" sz="1200" dirty="0" smtClean="0"/>
-            </a:br>
-            <a:r>
-              <a:rPr lang="en-US" altLang="zh-CN" sz="1200" dirty="0" smtClean="0"/>
-              <a:t/>
-            </a:r>
-            <a:br>
-              <a:rPr lang="en-US" altLang="zh-CN" sz="1200" dirty="0" smtClean="0"/>
-            </a:br>
-            <a:r>
-              <a:rPr lang="en-US" altLang="zh-CN" sz="1200" dirty="0" smtClean="0"/>
+              <a:rPr lang="en-US" altLang="zh-CN" sz="1200" dirty="0"/>
+            </a:br>
+            <a:br>
+              <a:rPr lang="en-US" altLang="zh-CN" sz="1200" dirty="0"/>
+            </a:br>
+            <a:r>
+              <a:rPr lang="en-US" altLang="zh-CN" sz="1200" dirty="0"/>
               <a:t>    </a:t>
             </a:r>
             <a:r>
@@ -5646,7 +5530,7 @@
               <a:t> </a:t>
             </a:r>
             <a:r>
-              <a:rPr lang="en-US" altLang="zh-CN" sz="1200" dirty="0" smtClean="0"/>
+              <a:rPr lang="en-US" altLang="zh-CN" sz="1200" dirty="0"/>
               <a:t>add(</a:t>
             </a:r>
             <a:r>
@@ -5658,7 +5542,7 @@
               <a:t> </a:t>
             </a:r>
             <a:r>
-              <a:rPr lang="en-US" altLang="zh-CN" sz="1200" dirty="0" err="1" smtClean="0"/>
+              <a:rPr lang="en-US" altLang="zh-CN" sz="1200" dirty="0" err="1"/>
               <a:t>a,</a:t>
             </a:r>
             <a:r>
@@ -5670,14 +5554,14 @@
               <a:t> </a:t>
             </a:r>
             <a:r>
-              <a:rPr lang="en-US" altLang="zh-CN" sz="1200" dirty="0" smtClean="0"/>
+              <a:rPr lang="en-US" altLang="zh-CN" sz="1200" dirty="0"/>
               <a:t>b){</a:t>
             </a:r>
             <a:br>
-              <a:rPr lang="en-US" altLang="zh-CN" sz="1200" dirty="0" smtClean="0"/>
-            </a:br>
-            <a:r>
-              <a:rPr lang="en-US" altLang="zh-CN" sz="1200" dirty="0" smtClean="0"/>
+              <a:rPr lang="en-US" altLang="zh-CN" sz="1200" dirty="0"/>
+            </a:br>
+            <a:r>
+              <a:rPr lang="en-US" altLang="zh-CN" sz="1200" dirty="0"/>
               <a:t>        </a:t>
             </a:r>
             <a:r>
@@ -5685,25 +5569,25 @@
               <a:t>return </a:t>
             </a:r>
             <a:r>
-              <a:rPr lang="en-US" altLang="zh-CN" sz="1200" dirty="0" err="1" smtClean="0"/>
+              <a:rPr lang="en-US" altLang="zh-CN" sz="1200" dirty="0" err="1"/>
               <a:t>a+b</a:t>
             </a:r>
             <a:r>
-              <a:rPr lang="en-US" altLang="zh-CN" sz="1200" dirty="0" smtClean="0"/>
+              <a:rPr lang="en-US" altLang="zh-CN" sz="1200" dirty="0"/>
               <a:t>;</a:t>
             </a:r>
             <a:br>
-              <a:rPr lang="en-US" altLang="zh-CN" sz="1200" dirty="0" smtClean="0"/>
-            </a:br>
-            <a:r>
-              <a:rPr lang="en-US" altLang="zh-CN" sz="1200" dirty="0" smtClean="0"/>
+              <a:rPr lang="en-US" altLang="zh-CN" sz="1200" dirty="0"/>
+            </a:br>
+            <a:r>
+              <a:rPr lang="en-US" altLang="zh-CN" sz="1200" dirty="0"/>
               <a:t>    }</a:t>
             </a:r>
             <a:br>
-              <a:rPr lang="en-US" altLang="zh-CN" sz="1200" dirty="0" smtClean="0"/>
-            </a:br>
-            <a:r>
-              <a:rPr lang="en-US" altLang="zh-CN" sz="1200" dirty="0" smtClean="0"/>
+              <a:rPr lang="en-US" altLang="zh-CN" sz="1200" dirty="0"/>
+            </a:br>
+            <a:r>
+              <a:rPr lang="en-US" altLang="zh-CN" sz="1200" dirty="0"/>
               <a:t>}</a:t>
             </a:r>
           </a:p>
@@ -5726,11 +5610,11 @@
               <a:t>RunWith</a:t>
             </a:r>
             <a:r>
-              <a:rPr lang="en-US" altLang="zh-CN" sz="1200" dirty="0" smtClean="0"/>
+              <a:rPr lang="en-US" altLang="zh-CN" sz="1200" dirty="0"/>
               <a:t>(</a:t>
             </a:r>
             <a:r>
-              <a:rPr lang="en-US" altLang="zh-CN" sz="1200" dirty="0" err="1" smtClean="0"/>
+              <a:rPr lang="en-US" altLang="zh-CN" sz="1200" dirty="0" err="1"/>
               <a:t>PowerMockRunner.</a:t>
             </a:r>
             <a:r>
@@ -5738,11 +5622,11 @@
               <a:t>class</a:t>
             </a:r>
             <a:r>
-              <a:rPr lang="en-US" altLang="zh-CN" sz="1200" dirty="0" smtClean="0"/>
+              <a:rPr lang="en-US" altLang="zh-CN" sz="1200" dirty="0"/>
               <a:t>)</a:t>
             </a:r>
             <a:br>
-              <a:rPr lang="en-US" altLang="zh-CN" sz="1200" dirty="0" smtClean="0"/>
+              <a:rPr lang="en-US" altLang="zh-CN" sz="1200" dirty="0"/>
             </a:br>
             <a:r>
               <a:rPr lang="en-US" altLang="zh-CN" sz="1200" dirty="0"/>
@@ -5753,11 +5637,11 @@
               <a:t>PrepareForTest</a:t>
             </a:r>
             <a:r>
-              <a:rPr lang="en-US" altLang="zh-CN" sz="1200" dirty="0" smtClean="0"/>
+              <a:rPr lang="en-US" altLang="zh-CN" sz="1200" dirty="0"/>
               <a:t>( { </a:t>
             </a:r>
             <a:r>
-              <a:rPr lang="en-US" altLang="zh-CN" sz="1200" dirty="0" err="1" smtClean="0"/>
+              <a:rPr lang="en-US" altLang="zh-CN" sz="1200" dirty="0" err="1"/>
               <a:t>AddUtils.</a:t>
             </a:r>
             <a:r>
@@ -5769,36 +5653,32 @@
               <a:t> </a:t>
             </a:r>
             <a:r>
-              <a:rPr lang="en-US" altLang="zh-CN" sz="1200" dirty="0" smtClean="0"/>
+              <a:rPr lang="en-US" altLang="zh-CN" sz="1200" dirty="0"/>
               <a:t>})</a:t>
             </a:r>
             <a:br>
-              <a:rPr lang="en-US" altLang="zh-CN" sz="1200" dirty="0" smtClean="0"/>
+              <a:rPr lang="en-US" altLang="zh-CN" sz="1200" dirty="0"/>
             </a:br>
             <a:r>
               <a:rPr lang="en-US" altLang="zh-CN" sz="1200" b="1" dirty="0"/>
               <a:t>public class </a:t>
             </a:r>
             <a:r>
-              <a:rPr lang="en-US" altLang="zh-CN" sz="1200" dirty="0" err="1" smtClean="0"/>
+              <a:rPr lang="en-US" altLang="zh-CN" sz="1200" dirty="0" err="1"/>
               <a:t>CaculateServiceTest</a:t>
             </a:r>
             <a:r>
-              <a:rPr lang="en-US" altLang="zh-CN" sz="1200" dirty="0" smtClean="0"/>
+              <a:rPr lang="en-US" altLang="zh-CN" sz="1200" dirty="0"/>
               <a:t> {</a:t>
             </a:r>
             <a:br>
-              <a:rPr lang="en-US" altLang="zh-CN" sz="1200" dirty="0" smtClean="0"/>
-            </a:br>
-            <a:r>
-              <a:rPr lang="en-US" altLang="zh-CN" sz="1200" dirty="0" smtClean="0"/>
-              <a:t/>
-            </a:r>
-            <a:br>
-              <a:rPr lang="en-US" altLang="zh-CN" sz="1200" dirty="0" smtClean="0"/>
-            </a:br>
-            <a:r>
-              <a:rPr lang="en-US" altLang="zh-CN" sz="1200" dirty="0" smtClean="0"/>
+              <a:rPr lang="en-US" altLang="zh-CN" sz="1200" dirty="0"/>
+            </a:br>
+            <a:br>
+              <a:rPr lang="en-US" altLang="zh-CN" sz="1200" dirty="0"/>
+            </a:br>
+            <a:r>
+              <a:rPr lang="en-US" altLang="zh-CN" sz="1200" dirty="0"/>
               <a:t>    </a:t>
             </a:r>
             <a:r>
@@ -5806,11 +5686,11 @@
               <a:t>private </a:t>
             </a:r>
             <a:r>
-              <a:rPr lang="en-US" altLang="zh-CN" sz="1200" dirty="0" err="1" smtClean="0"/>
+              <a:rPr lang="en-US" altLang="zh-CN" sz="1200" dirty="0" err="1"/>
               <a:t>CaculateService</a:t>
             </a:r>
             <a:r>
-              <a:rPr lang="en-US" altLang="zh-CN" sz="1200" dirty="0" smtClean="0"/>
+              <a:rPr lang="en-US" altLang="zh-CN" sz="1200" dirty="0"/>
               <a:t> </a:t>
             </a:r>
             <a:r>
@@ -5822,7 +5702,7 @@
               <a:t> </a:t>
             </a:r>
             <a:r>
-              <a:rPr lang="en-US" altLang="zh-CN" sz="1200" dirty="0" smtClean="0"/>
+              <a:rPr lang="en-US" altLang="zh-CN" sz="1200" dirty="0"/>
               <a:t>= </a:t>
             </a:r>
             <a:r>
@@ -5830,30 +5710,22 @@
               <a:t>new </a:t>
             </a:r>
             <a:r>
-              <a:rPr lang="en-US" altLang="zh-CN" sz="1200" dirty="0" err="1" smtClean="0"/>
+              <a:rPr lang="en-US" altLang="zh-CN" sz="1200" dirty="0" err="1"/>
               <a:t>CaculateService</a:t>
             </a:r>
             <a:r>
-              <a:rPr lang="en-US" altLang="zh-CN" sz="1200" dirty="0" smtClean="0"/>
+              <a:rPr lang="en-US" altLang="zh-CN" sz="1200" dirty="0"/>
               <a:t>();</a:t>
             </a:r>
             <a:br>
-              <a:rPr lang="en-US" altLang="zh-CN" sz="1200" dirty="0" smtClean="0"/>
-            </a:br>
-            <a:r>
-              <a:rPr lang="en-US" altLang="zh-CN" sz="1200" dirty="0" smtClean="0"/>
-              <a:t/>
-            </a:r>
-            <a:br>
-              <a:rPr lang="en-US" altLang="zh-CN" sz="1200" dirty="0" smtClean="0"/>
-            </a:br>
-            <a:r>
-              <a:rPr lang="en-US" altLang="zh-CN" sz="1200" dirty="0" smtClean="0"/>
-              <a:t>    </a:t>
-            </a:r>
-            <a:r>
-              <a:rPr lang="en-US" altLang="zh-CN" sz="1200" dirty="0"/>
-              <a:t>@Test</a:t>
+              <a:rPr lang="en-US" altLang="zh-CN" sz="1200" dirty="0"/>
+            </a:br>
+            <a:br>
+              <a:rPr lang="en-US" altLang="zh-CN" sz="1200" dirty="0"/>
+            </a:br>
+            <a:r>
+              <a:rPr lang="en-US" altLang="zh-CN" sz="1200" dirty="0"/>
+              <a:t>    @Test</a:t>
             </a:r>
             <a:br>
               <a:rPr lang="en-US" altLang="zh-CN" sz="1200" dirty="0"/>
@@ -5867,11 +5739,11 @@
               <a:t>public void </a:t>
             </a:r>
             <a:r>
-              <a:rPr lang="en-US" altLang="zh-CN" sz="1200" dirty="0" err="1" smtClean="0"/>
+              <a:rPr lang="en-US" altLang="zh-CN" sz="1200" dirty="0" err="1"/>
               <a:t>testAdd</a:t>
             </a:r>
             <a:r>
-              <a:rPr lang="en-US" altLang="zh-CN" sz="1200" dirty="0" smtClean="0"/>
+              <a:rPr lang="en-US" altLang="zh-CN" sz="1200" dirty="0"/>
               <a:t>() </a:t>
             </a:r>
             <a:r>
@@ -5879,28 +5751,28 @@
               <a:t>throws </a:t>
             </a:r>
             <a:r>
-              <a:rPr lang="en-US" altLang="zh-CN" sz="1200" dirty="0" smtClean="0"/>
+              <a:rPr lang="en-US" altLang="zh-CN" sz="1200" dirty="0"/>
               <a:t>Exception {</a:t>
             </a:r>
             <a:br>
-              <a:rPr lang="en-US" altLang="zh-CN" sz="1200" dirty="0" smtClean="0"/>
-            </a:br>
-            <a:r>
-              <a:rPr lang="en-US" altLang="zh-CN" sz="1200" dirty="0" smtClean="0"/>
+              <a:rPr lang="en-US" altLang="zh-CN" sz="1200" dirty="0"/>
+            </a:br>
+            <a:r>
+              <a:rPr lang="en-US" altLang="zh-CN" sz="1200" dirty="0"/>
               <a:t>        </a:t>
             </a:r>
             <a:r>
-              <a:rPr lang="en-US" altLang="zh-CN" sz="1200" i="1" dirty="0" err="1" smtClean="0">
+              <a:rPr lang="en-US" altLang="zh-CN" sz="1200" i="1" dirty="0" err="1">
                 <a:effectLst/>
               </a:rPr>
               <a:t>mockStatic</a:t>
             </a:r>
             <a:r>
-              <a:rPr lang="en-US" altLang="zh-CN" sz="1200" dirty="0" smtClean="0"/>
+              <a:rPr lang="en-US" altLang="zh-CN" sz="1200" dirty="0"/>
               <a:t>(</a:t>
             </a:r>
             <a:r>
-              <a:rPr lang="en-US" altLang="zh-CN" sz="1200" dirty="0" err="1" smtClean="0"/>
+              <a:rPr lang="en-US" altLang="zh-CN" sz="1200" dirty="0" err="1"/>
               <a:t>AddUtils.</a:t>
             </a:r>
             <a:r>
@@ -5908,137 +5780,89 @@
               <a:t>class</a:t>
             </a:r>
             <a:r>
-              <a:rPr lang="en-US" altLang="zh-CN" sz="1200" dirty="0" smtClean="0"/>
+              <a:rPr lang="en-US" altLang="zh-CN" sz="1200" dirty="0"/>
               <a:t>);</a:t>
             </a:r>
             <a:br>
-              <a:rPr lang="en-US" altLang="zh-CN" sz="1200" dirty="0" smtClean="0"/>
-            </a:br>
-            <a:r>
-              <a:rPr lang="en-US" altLang="zh-CN" sz="1200" dirty="0" smtClean="0"/>
+              <a:rPr lang="en-US" altLang="zh-CN" sz="1200" dirty="0"/>
+            </a:br>
+            <a:r>
+              <a:rPr lang="en-US" altLang="zh-CN" sz="1200" dirty="0"/>
               <a:t>        </a:t>
             </a:r>
             <a:r>
-              <a:rPr lang="en-US" altLang="zh-CN" sz="1200" i="1" dirty="0" smtClean="0">
+              <a:rPr lang="en-US" altLang="zh-CN" sz="1200" i="1" dirty="0">
                 <a:effectLst/>
               </a:rPr>
               <a:t>when</a:t>
             </a:r>
             <a:r>
-              <a:rPr lang="en-US" altLang="zh-CN" sz="1200" dirty="0" smtClean="0"/>
+              <a:rPr lang="en-US" altLang="zh-CN" sz="1200" dirty="0"/>
               <a:t>(</a:t>
             </a:r>
             <a:r>
-              <a:rPr lang="en-US" altLang="zh-CN" sz="1200" dirty="0" err="1" smtClean="0"/>
+              <a:rPr lang="en-US" altLang="zh-CN" sz="1200" dirty="0" err="1"/>
               <a:t>AddUtils.</a:t>
             </a:r>
             <a:r>
-              <a:rPr lang="en-US" altLang="zh-CN" sz="1200" i="1" dirty="0" err="1" smtClean="0">
+              <a:rPr lang="en-US" altLang="zh-CN" sz="1200" i="1" dirty="0" err="1">
                 <a:effectLst/>
               </a:rPr>
               <a:t>add</a:t>
             </a:r>
             <a:r>
-              <a:rPr lang="en-US" altLang="zh-CN" sz="1200" dirty="0" smtClean="0"/>
-              <a:t>(</a:t>
-            </a:r>
-            <a:r>
-              <a:rPr lang="en-US" altLang="zh-CN" sz="1200" dirty="0"/>
-              <a:t>3</a:t>
-            </a:r>
-            <a:r>
-              <a:rPr lang="en-US" altLang="zh-CN" sz="1200" dirty="0" smtClean="0"/>
-              <a:t>,</a:t>
-            </a:r>
-            <a:r>
-              <a:rPr lang="en-US" altLang="zh-CN" sz="1200" dirty="0"/>
-              <a:t>5</a:t>
-            </a:r>
-            <a:r>
-              <a:rPr lang="en-US" altLang="zh-CN" sz="1200" dirty="0" smtClean="0"/>
-              <a:t>)).</a:t>
-            </a:r>
-            <a:r>
-              <a:rPr lang="en-US" altLang="zh-CN" sz="1200" dirty="0" err="1" smtClean="0"/>
+              <a:rPr lang="en-US" altLang="zh-CN" sz="1200" dirty="0"/>
+              <a:t>(3,5)).</a:t>
+            </a:r>
+            <a:r>
+              <a:rPr lang="en-US" altLang="zh-CN" sz="1200" dirty="0" err="1"/>
               <a:t>thenReturn</a:t>
             </a:r>
             <a:r>
-              <a:rPr lang="en-US" altLang="zh-CN" sz="1200" dirty="0" smtClean="0"/>
-              <a:t>(</a:t>
-            </a:r>
-            <a:r>
-              <a:rPr lang="en-US" altLang="zh-CN" sz="1200" dirty="0"/>
-              <a:t>7</a:t>
-            </a:r>
-            <a:r>
-              <a:rPr lang="en-US" altLang="zh-CN" sz="1200" dirty="0" smtClean="0"/>
-              <a:t>);</a:t>
-            </a:r>
-            <a:br>
-              <a:rPr lang="en-US" altLang="zh-CN" sz="1200" dirty="0" smtClean="0"/>
-            </a:br>
-            <a:r>
-              <a:rPr lang="en-US" altLang="zh-CN" sz="1200" dirty="0" smtClean="0"/>
+              <a:rPr lang="en-US" altLang="zh-CN" sz="1200" dirty="0"/>
+              <a:t>(7);</a:t>
+            </a:r>
+            <a:br>
+              <a:rPr lang="en-US" altLang="zh-CN" sz="1200" dirty="0"/>
+            </a:br>
+            <a:r>
+              <a:rPr lang="en-US" altLang="zh-CN" sz="1200" dirty="0"/>
               <a:t>        </a:t>
             </a:r>
             <a:r>
-              <a:rPr lang="en-US" altLang="zh-CN" sz="1200" dirty="0" err="1" smtClean="0"/>
+              <a:rPr lang="en-US" altLang="zh-CN" sz="1200" dirty="0" err="1"/>
               <a:t>Assert.</a:t>
             </a:r>
             <a:r>
-              <a:rPr lang="en-US" altLang="zh-CN" sz="1200" i="1" dirty="0" err="1" smtClean="0">
+              <a:rPr lang="en-US" altLang="zh-CN" sz="1200" i="1" dirty="0" err="1">
                 <a:effectLst/>
               </a:rPr>
               <a:t>assertEquals</a:t>
             </a:r>
             <a:r>
-              <a:rPr lang="en-US" altLang="zh-CN" sz="1200" dirty="0" smtClean="0"/>
-              <a:t>(</a:t>
-            </a:r>
-            <a:r>
-              <a:rPr lang="en-US" altLang="zh-CN" sz="1200" dirty="0"/>
-              <a:t>7</a:t>
-            </a:r>
-            <a:r>
-              <a:rPr lang="en-US" altLang="zh-CN" sz="1200" dirty="0" smtClean="0"/>
-              <a:t>,</a:t>
+              <a:rPr lang="en-US" altLang="zh-CN" sz="1200" dirty="0"/>
+              <a:t>(7,</a:t>
             </a:r>
             <a:r>
               <a:rPr lang="en-US" altLang="zh-CN" sz="1200" b="1" dirty="0"/>
               <a:t>caculateService</a:t>
             </a:r>
             <a:r>
-              <a:rPr lang="en-US" altLang="zh-CN" sz="1200" dirty="0" smtClean="0"/>
-              <a:t>.add(</a:t>
-            </a:r>
-            <a:r>
-              <a:rPr lang="en-US" altLang="zh-CN" sz="1200" dirty="0"/>
-              <a:t>3</a:t>
-            </a:r>
-            <a:r>
-              <a:rPr lang="en-US" altLang="zh-CN" sz="1200" dirty="0" smtClean="0"/>
-              <a:t>,</a:t>
-            </a:r>
-            <a:r>
-              <a:rPr lang="en-US" altLang="zh-CN" sz="1200" dirty="0"/>
-              <a:t>5</a:t>
-            </a:r>
-            <a:r>
-              <a:rPr lang="en-US" altLang="zh-CN" sz="1200" dirty="0" smtClean="0"/>
-              <a:t>));</a:t>
-            </a:r>
-            <a:br>
-              <a:rPr lang="en-US" altLang="zh-CN" sz="1200" dirty="0" smtClean="0"/>
-            </a:br>
-            <a:r>
-              <a:rPr lang="en-US" altLang="zh-CN" sz="1200" dirty="0" smtClean="0"/>
+              <a:rPr lang="en-US" altLang="zh-CN" sz="1200" dirty="0"/>
+              <a:t>.add(3,5));</a:t>
+            </a:r>
+            <a:br>
+              <a:rPr lang="en-US" altLang="zh-CN" sz="1200" dirty="0"/>
+            </a:br>
+            <a:r>
+              <a:rPr lang="en-US" altLang="zh-CN" sz="1200" dirty="0"/>
               <a:t>    }</a:t>
             </a:r>
             <a:br>
-              <a:rPr lang="en-US" altLang="zh-CN" sz="1200" dirty="0" smtClean="0"/>
-            </a:br>
-            <a:r>
-              <a:rPr lang="en-US" altLang="zh-CN" sz="1200" dirty="0" smtClean="0"/>
+              <a:rPr lang="en-US" altLang="zh-CN" sz="1200" dirty="0"/>
+            </a:br>
+            <a:r>
+              <a:rPr lang="en-US" altLang="zh-CN" sz="1200" dirty="0"/>
               <a:t>}</a:t>
             </a:r>
           </a:p>
@@ -6108,10 +5932,9 @@
           <a:lstStyle/>
           <a:p>
             <a:r>
-              <a:rPr kumimoji="1" lang="zh-CN" altLang="en-US" dirty="0" smtClean="0"/>
+              <a:rPr kumimoji="1" lang="zh-CN" altLang="en-US" dirty="0"/>
               <a:t>私有方法的测试</a:t>
             </a:r>
-            <a:endParaRPr kumimoji="1" lang="zh-CN" altLang="en-US" dirty="0"/>
           </a:p>
         </p:txBody>
       </p:sp>
@@ -6180,11 +6003,11 @@
           <a:lstStyle/>
           <a:p>
             <a:r>
-              <a:rPr kumimoji="1" lang="zh-CN" altLang="en-US" dirty="0" smtClean="0"/>
+              <a:rPr kumimoji="1" lang="zh-CN" altLang="en-US" dirty="0"/>
               <a:t>怎样去设计单元测试</a:t>
             </a:r>
             <a:r>
-              <a:rPr kumimoji="1" lang="en-US" altLang="zh-CN" dirty="0" smtClean="0"/>
+              <a:rPr kumimoji="1" lang="en-US" altLang="zh-CN" dirty="0"/>
               <a:t>case</a:t>
             </a:r>
             <a:endParaRPr kumimoji="1" lang="zh-CN" altLang="en-US" dirty="0"/>
@@ -6207,30 +6030,30 @@
           <a:lstStyle/>
           <a:p>
             <a:r>
-              <a:rPr kumimoji="1" lang="zh-CN" altLang="en-US" dirty="0" smtClean="0"/>
+              <a:rPr kumimoji="1" lang="zh-CN" altLang="en-US" dirty="0"/>
               <a:t>按需求来设计测试</a:t>
             </a:r>
             <a:r>
-              <a:rPr kumimoji="1" lang="en-US" altLang="zh-CN" dirty="0" smtClean="0"/>
+              <a:rPr kumimoji="1" lang="en-US" altLang="zh-CN" dirty="0"/>
               <a:t>case</a:t>
             </a:r>
             <a:r>
-              <a:rPr kumimoji="1" lang="zh-CN" altLang="en-US" dirty="0" smtClean="0"/>
+              <a:rPr kumimoji="1" lang="zh-CN" altLang="en-US" dirty="0"/>
               <a:t>，单元测试的</a:t>
             </a:r>
             <a:r>
-              <a:rPr kumimoji="1" lang="en-US" altLang="zh-CN" dirty="0" smtClean="0"/>
+              <a:rPr kumimoji="1" lang="en-US" altLang="zh-CN" dirty="0"/>
               <a:t>case</a:t>
             </a:r>
             <a:r>
-              <a:rPr kumimoji="1" lang="zh-CN" altLang="en-US" dirty="0" smtClean="0"/>
+              <a:rPr kumimoji="1" lang="zh-CN" altLang="en-US" dirty="0"/>
               <a:t>需要覆盖所有的点</a:t>
             </a:r>
-            <a:endParaRPr kumimoji="1" lang="en-US" altLang="zh-CN" dirty="0" smtClean="0"/>
-          </a:p>
-          <a:p>
-            <a:r>
-              <a:rPr kumimoji="1" lang="zh-CN" altLang="en-US" dirty="0" smtClean="0"/>
+            <a:endParaRPr kumimoji="1" lang="en-US" altLang="zh-CN" dirty="0"/>
+          </a:p>
+          <a:p>
+            <a:r>
+              <a:rPr kumimoji="1" lang="zh-CN" altLang="en-US" dirty="0"/>
               <a:t>边界值法，假定错误最有可能出现在区间之间的边界，一般对边界值本身，及边界值的两边都需设计测试用例</a:t>
             </a:r>
           </a:p>
@@ -6288,18 +6111,17 @@
           <a:lstStyle/>
           <a:p>
             <a:r>
-              <a:rPr kumimoji="1" lang="zh-CN" altLang="en-US" dirty="0" smtClean="0"/>
+              <a:rPr kumimoji="1" lang="zh-CN" altLang="en-US" dirty="0"/>
               <a:t>修复一个</a:t>
             </a:r>
             <a:r>
-              <a:rPr kumimoji="1" lang="en-US" altLang="zh-CN" dirty="0" smtClean="0"/>
+              <a:rPr kumimoji="1" lang="en-US" altLang="zh-CN" dirty="0"/>
               <a:t>bug</a:t>
             </a:r>
             <a:r>
-              <a:rPr kumimoji="1" lang="zh-CN" altLang="en-US" dirty="0" smtClean="0"/>
+              <a:rPr kumimoji="1" lang="zh-CN" altLang="en-US" dirty="0"/>
               <a:t>正确的步骤</a:t>
             </a:r>
-            <a:endParaRPr kumimoji="1" lang="zh-CN" altLang="en-US" dirty="0"/>
           </a:p>
         </p:txBody>
       </p:sp>
@@ -6319,45 +6141,44 @@
           <a:lstStyle/>
           <a:p>
             <a:r>
-              <a:rPr kumimoji="1" lang="zh-CN" altLang="en-US" dirty="0" smtClean="0"/>
+              <a:rPr kumimoji="1" lang="zh-CN" altLang="en-US" dirty="0"/>
               <a:t>首先测试或者客户发现这个</a:t>
             </a:r>
             <a:r>
-              <a:rPr kumimoji="1" lang="en-US" altLang="zh-CN" dirty="0" smtClean="0"/>
+              <a:rPr kumimoji="1" lang="en-US" altLang="zh-CN" dirty="0"/>
               <a:t>bug</a:t>
             </a:r>
           </a:p>
           <a:p>
             <a:r>
-              <a:rPr kumimoji="1" lang="zh-CN" altLang="en-US" dirty="0" smtClean="0"/>
+              <a:rPr kumimoji="1" lang="zh-CN" altLang="en-US" dirty="0"/>
               <a:t>根据产生</a:t>
             </a:r>
             <a:r>
-              <a:rPr kumimoji="1" lang="en-US" altLang="zh-CN" dirty="0" smtClean="0"/>
+              <a:rPr kumimoji="1" lang="en-US" altLang="zh-CN" dirty="0"/>
               <a:t>bug</a:t>
             </a:r>
             <a:r>
-              <a:rPr kumimoji="1" lang="zh-CN" altLang="en-US" dirty="0" smtClean="0"/>
+              <a:rPr kumimoji="1" lang="zh-CN" altLang="en-US" dirty="0"/>
               <a:t>的数据添加相应的测试</a:t>
             </a:r>
             <a:r>
-              <a:rPr kumimoji="1" lang="en-US" altLang="zh-CN" dirty="0" smtClean="0"/>
+              <a:rPr kumimoji="1" lang="en-US" altLang="zh-CN" dirty="0"/>
               <a:t>case</a:t>
             </a:r>
           </a:p>
           <a:p>
             <a:r>
-              <a:rPr kumimoji="1" lang="zh-CN" altLang="en-US" dirty="0" smtClean="0"/>
+              <a:rPr kumimoji="1" lang="zh-CN" altLang="en-US" dirty="0"/>
               <a:t>本地的单元测试没法通过</a:t>
             </a:r>
-            <a:endParaRPr kumimoji="1" lang="en-US" altLang="zh-CN" dirty="0" smtClean="0"/>
-          </a:p>
-          <a:p>
-            <a:r>
-              <a:rPr kumimoji="1" lang="zh-CN" altLang="en-US" dirty="0" smtClean="0"/>
+            <a:endParaRPr kumimoji="1" lang="en-US" altLang="zh-CN" dirty="0"/>
+          </a:p>
+          <a:p>
+            <a:r>
+              <a:rPr kumimoji="1" lang="zh-CN" altLang="en-US" dirty="0"/>
               <a:t>想办法让本地的单元测试通过</a:t>
             </a:r>
-            <a:endParaRPr kumimoji="1" lang="zh-CN" altLang="en-US" dirty="0"/>
           </a:p>
         </p:txBody>
       </p:sp>
@@ -6407,10 +6228,9 @@
           <a:lstStyle/>
           <a:p>
             <a:r>
-              <a:rPr kumimoji="1" lang="zh-CN" altLang="en-US" dirty="0" smtClean="0"/>
+              <a:rPr kumimoji="1" lang="zh-CN" altLang="en-US" dirty="0"/>
               <a:t>实践单元测试的几个阶段</a:t>
             </a:r>
-            <a:endParaRPr kumimoji="1" lang="zh-CN" altLang="en-US" dirty="0"/>
           </a:p>
         </p:txBody>
       </p:sp>
@@ -6430,31 +6250,31 @@
           <a:lstStyle/>
           <a:p>
             <a:r>
-              <a:rPr kumimoji="1" lang="zh-CN" altLang="en-US" dirty="0" smtClean="0"/>
+              <a:rPr kumimoji="1" lang="zh-CN" altLang="en-US" dirty="0"/>
               <a:t>知道单元测试是什么，会写部分代码的单元测试，不是特别熟练，还需要去学习很多单元测试的方法</a:t>
             </a:r>
-            <a:endParaRPr kumimoji="1" lang="en-US" altLang="zh-CN" dirty="0" smtClean="0"/>
-          </a:p>
-          <a:p>
-            <a:r>
-              <a:rPr kumimoji="1" lang="zh-CN" altLang="en-US" dirty="0" smtClean="0"/>
+            <a:endParaRPr kumimoji="1" lang="en-US" altLang="zh-CN" dirty="0"/>
+          </a:p>
+          <a:p>
+            <a:r>
+              <a:rPr kumimoji="1" lang="zh-CN" altLang="en-US" dirty="0"/>
               <a:t>基本上已经学会测试大部分的方法，完成一个项目之后，然后开始补整个项目的单元测试</a:t>
             </a:r>
-            <a:endParaRPr kumimoji="1" lang="en-US" altLang="zh-CN" dirty="0" smtClean="0"/>
-          </a:p>
-          <a:p>
-            <a:r>
-              <a:rPr kumimoji="1" lang="zh-CN" altLang="en-US" dirty="0" smtClean="0"/>
+            <a:endParaRPr kumimoji="1" lang="en-US" altLang="zh-CN" dirty="0"/>
+          </a:p>
+          <a:p>
+            <a:r>
+              <a:rPr kumimoji="1" lang="zh-CN" altLang="en-US" dirty="0"/>
               <a:t>每写完一个类，立即写单元测试</a:t>
             </a:r>
-            <a:endParaRPr kumimoji="1" lang="en-US" altLang="zh-CN" dirty="0" smtClean="0"/>
-          </a:p>
-          <a:p>
-            <a:r>
-              <a:rPr kumimoji="1" lang="zh-CN" altLang="en-US" dirty="0" smtClean="0"/>
+            <a:endParaRPr kumimoji="1" lang="en-US" altLang="zh-CN" dirty="0"/>
+          </a:p>
+          <a:p>
+            <a:r>
+              <a:rPr kumimoji="1" lang="zh-CN" altLang="en-US" dirty="0"/>
               <a:t>所有的编码都是先写单元测试，在写代码</a:t>
             </a:r>
-            <a:endParaRPr kumimoji="1" lang="en-US" altLang="zh-CN" dirty="0" smtClean="0"/>
+            <a:endParaRPr kumimoji="1" lang="en-US" altLang="zh-CN" dirty="0"/>
           </a:p>
           <a:p>
             <a:endParaRPr kumimoji="1" lang="zh-CN" altLang="en-US" dirty="0"/>
@@ -6493,7 +6313,13 @@
       </p:grpSpPr>
       <p:sp>
         <p:nvSpPr>
-          <p:cNvPr id="2" name="标题 1"/>
+          <p:cNvPr id="2" name="标题 1">
+            <a:extLst>
+              <a:ext uri="{FF2B5EF4-FFF2-40B4-BE49-F238E27FC236}">
+                <a16:creationId xmlns:a16="http://schemas.microsoft.com/office/drawing/2014/main" id="{BB67EF2E-978F-994C-9BD2-CEF89169FF42}"/>
+              </a:ext>
+            </a:extLst>
+          </p:cNvPr>
           <p:cNvSpPr>
             <a:spLocks noGrp="1"/>
           </p:cNvSpPr>
@@ -6507,20 +6333,21 @@
           <a:lstStyle/>
           <a:p>
             <a:r>
-              <a:rPr kumimoji="1" lang="en-US" altLang="zh-CN" dirty="0" smtClean="0"/>
-              <a:t>Idea</a:t>
-            </a:r>
-            <a:r>
-              <a:rPr kumimoji="1" lang="zh-CN" altLang="en-US" dirty="0" smtClean="0"/>
-              <a:t>快捷键</a:t>
-            </a:r>
-            <a:endParaRPr kumimoji="1" lang="zh-CN" altLang="en-US" dirty="0"/>
-          </a:p>
-        </p:txBody>
-      </p:sp>
-      <p:sp>
-        <p:nvSpPr>
-          <p:cNvPr id="3" name="内容占位符 2"/>
+              <a:rPr kumimoji="1" lang="zh-CN" altLang="en-US" dirty="0"/>
+              <a:t>合格的单元测试的要求</a:t>
+            </a:r>
+          </a:p>
+        </p:txBody>
+      </p:sp>
+      <p:sp>
+        <p:nvSpPr>
+          <p:cNvPr id="3" name="内容占位符 2">
+            <a:extLst>
+              <a:ext uri="{FF2B5EF4-FFF2-40B4-BE49-F238E27FC236}">
+                <a16:creationId xmlns:a16="http://schemas.microsoft.com/office/drawing/2014/main" id="{66CC07C3-08AE-D74F-A841-C3176C5D79ED}"/>
+              </a:ext>
+            </a:extLst>
+          </p:cNvPr>
           <p:cNvSpPr>
             <a:spLocks noGrp="1"/>
           </p:cNvSpPr>
@@ -6534,53 +6361,51 @@
           <a:lstStyle/>
           <a:p>
             <a:r>
-              <a:rPr kumimoji="1" lang="en-US" altLang="zh-CN" dirty="0" smtClean="0"/>
-              <a:t>Shift+F6</a:t>
-            </a:r>
-          </a:p>
-          <a:p>
-            <a:r>
-              <a:rPr kumimoji="1" lang="en-US" altLang="zh-CN" dirty="0" err="1" smtClean="0"/>
-              <a:t>ALT+command+c</a:t>
-            </a:r>
-            <a:endParaRPr kumimoji="1" lang="en-US" altLang="zh-CN" dirty="0" smtClean="0"/>
-          </a:p>
-          <a:p>
-            <a:r>
-              <a:rPr kumimoji="1" lang="en-US" altLang="zh-CN" dirty="0" err="1" smtClean="0"/>
-              <a:t>ALT+command+v</a:t>
-            </a:r>
-            <a:endParaRPr kumimoji="1" lang="en-US" altLang="zh-CN" dirty="0" smtClean="0"/>
-          </a:p>
-          <a:p>
-            <a:r>
-              <a:rPr kumimoji="1" lang="en-US" altLang="zh-CN" dirty="0" err="1" smtClean="0"/>
-              <a:t>ALT+command+m</a:t>
-            </a:r>
-            <a:endParaRPr kumimoji="1" lang="en-US" altLang="zh-CN" dirty="0" smtClean="0"/>
-          </a:p>
-          <a:p>
-            <a:r>
-              <a:rPr kumimoji="1" lang="en-US" altLang="zh-CN" dirty="0" err="1" smtClean="0"/>
-              <a:t>ALT+command+n</a:t>
-            </a:r>
-            <a:endParaRPr kumimoji="1" lang="en-US" altLang="zh-CN" dirty="0" smtClean="0"/>
-          </a:p>
-          <a:p>
-            <a:r>
-              <a:rPr kumimoji="1" lang="en-US" altLang="zh-CN" dirty="0" smtClean="0"/>
-              <a:t>Alt+F1+1</a:t>
-            </a:r>
-          </a:p>
-          <a:p>
-            <a:r>
-              <a:rPr kumimoji="1" lang="en-US" altLang="zh-CN" dirty="0" err="1" smtClean="0"/>
-              <a:t>Shift+alt+up</a:t>
-            </a:r>
-            <a:r>
-              <a:rPr kumimoji="1" lang="en-US" altLang="zh-CN" dirty="0" smtClean="0"/>
-              <a:t>/down</a:t>
-            </a:r>
+              <a:rPr kumimoji="1" lang="zh-CN" altLang="en-US" dirty="0"/>
+              <a:t>短时间内可以执行完</a:t>
+            </a:r>
+            <a:endParaRPr kumimoji="1" lang="en-US" altLang="zh-CN" dirty="0"/>
+          </a:p>
+          <a:p>
+            <a:r>
+              <a:rPr kumimoji="1" lang="zh-CN" altLang="en-US" dirty="0"/>
+              <a:t>不依赖外部环境，任何一台机器上可以运行</a:t>
+            </a:r>
+            <a:endParaRPr kumimoji="1" lang="en-US" altLang="zh-CN" dirty="0"/>
+          </a:p>
+          <a:p>
+            <a:endParaRPr kumimoji="1" lang="zh-CN" altLang="en-US" dirty="0"/>
+          </a:p>
+        </p:txBody>
+      </p:sp>
+      <p:sp>
+        <p:nvSpPr>
+          <p:cNvPr id="4" name="文本框 3">
+            <a:extLst>
+              <a:ext uri="{FF2B5EF4-FFF2-40B4-BE49-F238E27FC236}">
+                <a16:creationId xmlns:a16="http://schemas.microsoft.com/office/drawing/2014/main" id="{1AF8D208-9B91-7D48-88CE-9B45060614C6}"/>
+              </a:ext>
+            </a:extLst>
+          </p:cNvPr>
+          <p:cNvSpPr txBox="1"/>
+          <p:nvPr/>
+        </p:nvSpPr>
+        <p:spPr>
+          <a:xfrm>
+            <a:off x="4119937" y="92467"/>
+            <a:ext cx="184731" cy="369332"/>
+          </a:xfrm>
+          <a:prstGeom prst="rect">
+            <a:avLst/>
+          </a:prstGeom>
+          <a:noFill/>
+        </p:spPr>
+        <p:txBody>
+          <a:bodyPr wrap="none" rtlCol="0">
+            <a:spAutoFit/>
+          </a:bodyPr>
+          <a:lstStyle/>
+          <a:p>
             <a:endParaRPr kumimoji="1" lang="zh-CN" altLang="en-US" dirty="0"/>
           </a:p>
         </p:txBody>
@@ -6588,7 +6413,7 @@
     </p:spTree>
     <p:extLst>
       <p:ext uri="{BB962C8B-B14F-4D97-AF65-F5344CB8AC3E}">
-        <p14:creationId xmlns:p14="http://schemas.microsoft.com/office/powerpoint/2010/main" val="2128923824"/>
+        <p14:creationId xmlns:p14="http://schemas.microsoft.com/office/powerpoint/2010/main" val="110088335"/>
       </p:ext>
     </p:extLst>
   </p:cSld>
@@ -6631,10 +6456,13 @@
           <a:lstStyle/>
           <a:p>
             <a:r>
-              <a:rPr kumimoji="1" lang="zh-CN" altLang="en-US" dirty="0" smtClean="0"/>
-              <a:t>推荐的书</a:t>
-            </a:r>
-            <a:endParaRPr kumimoji="1" lang="zh-CN" altLang="en-US" dirty="0"/>
+              <a:rPr kumimoji="1" lang="en-US" altLang="zh-CN" dirty="0"/>
+              <a:t>Idea</a:t>
+            </a:r>
+            <a:r>
+              <a:rPr kumimoji="1" lang="zh-CN" altLang="en-US" dirty="0"/>
+              <a:t>快捷键</a:t>
+            </a:r>
           </a:p>
         </p:txBody>
       </p:sp>
@@ -6654,36 +6482,52 @@
           <a:lstStyle/>
           <a:p>
             <a:r>
-              <a:rPr kumimoji="1" lang="zh-CN" altLang="en-US" dirty="0" smtClean="0"/>
-              <a:t>代码大全</a:t>
-            </a:r>
-            <a:endParaRPr kumimoji="1" lang="en-US" altLang="zh-CN" dirty="0" smtClean="0"/>
-          </a:p>
-          <a:p>
-            <a:r>
-              <a:rPr kumimoji="1" lang="en-US" altLang="zh-CN" dirty="0" smtClean="0"/>
-              <a:t>Clean</a:t>
-            </a:r>
-            <a:r>
-              <a:rPr kumimoji="1" lang="zh-CN" altLang="en-US" dirty="0" smtClean="0"/>
-              <a:t> </a:t>
-            </a:r>
-            <a:r>
-              <a:rPr kumimoji="1" lang="en-US" altLang="zh-CN" dirty="0" smtClean="0"/>
-              <a:t>code</a:t>
-            </a:r>
-          </a:p>
-          <a:p>
-            <a:r>
-              <a:rPr kumimoji="1" lang="zh-CN" altLang="en-US" dirty="0" smtClean="0"/>
-              <a:t>重构</a:t>
-            </a:r>
-            <a:endParaRPr kumimoji="1" lang="en-US" altLang="zh-CN" dirty="0" smtClean="0"/>
-          </a:p>
-          <a:p>
-            <a:r>
-              <a:rPr kumimoji="1" lang="en-US" altLang="zh-CN" dirty="0" smtClean="0"/>
-              <a:t>TDD</a:t>
+              <a:rPr kumimoji="1" lang="en-US" altLang="zh-CN" dirty="0"/>
+              <a:t>Shift+F6</a:t>
+            </a:r>
+          </a:p>
+          <a:p>
+            <a:r>
+              <a:rPr kumimoji="1" lang="en-US" altLang="zh-CN" dirty="0" err="1"/>
+              <a:t>ALT+command+c</a:t>
+            </a:r>
+            <a:endParaRPr kumimoji="1" lang="en-US" altLang="zh-CN" dirty="0"/>
+          </a:p>
+          <a:p>
+            <a:r>
+              <a:rPr kumimoji="1" lang="en-US" altLang="zh-CN" dirty="0" err="1"/>
+              <a:t>ALT+command+v</a:t>
+            </a:r>
+            <a:endParaRPr kumimoji="1" lang="en-US" altLang="zh-CN" dirty="0"/>
+          </a:p>
+          <a:p>
+            <a:r>
+              <a:rPr kumimoji="1" lang="en-US" altLang="zh-CN" dirty="0" err="1"/>
+              <a:t>ALT+command+m</a:t>
+            </a:r>
+            <a:endParaRPr kumimoji="1" lang="en-US" altLang="zh-CN" dirty="0"/>
+          </a:p>
+          <a:p>
+            <a:r>
+              <a:rPr kumimoji="1" lang="en-US" altLang="zh-CN" dirty="0" err="1"/>
+              <a:t>ALT+command+n</a:t>
+            </a:r>
+            <a:endParaRPr kumimoji="1" lang="en-US" altLang="zh-CN" dirty="0"/>
+          </a:p>
+          <a:p>
+            <a:r>
+              <a:rPr kumimoji="1" lang="en-US" altLang="zh-CN" dirty="0"/>
+              <a:t>Alt+F1+1</a:t>
+            </a:r>
+          </a:p>
+          <a:p>
+            <a:r>
+              <a:rPr kumimoji="1" lang="en-US" altLang="zh-CN" dirty="0" err="1"/>
+              <a:t>Shift+alt+up</a:t>
+            </a:r>
+            <a:r>
+              <a:rPr kumimoji="1" lang="en-US" altLang="zh-CN" dirty="0"/>
+              <a:t>/down</a:t>
             </a:r>
             <a:endParaRPr kumimoji="1" lang="zh-CN" altLang="en-US" dirty="0"/>
           </a:p>
@@ -6692,7 +6536,7 @@
     </p:spTree>
     <p:extLst>
       <p:ext uri="{BB962C8B-B14F-4D97-AF65-F5344CB8AC3E}">
-        <p14:creationId xmlns:p14="http://schemas.microsoft.com/office/powerpoint/2010/main" val="668559670"/>
+        <p14:creationId xmlns:p14="http://schemas.microsoft.com/office/powerpoint/2010/main" val="2128923824"/>
       </p:ext>
     </p:extLst>
   </p:cSld>
@@ -6735,10 +6579,9 @@
           <a:lstStyle/>
           <a:p>
             <a:r>
-              <a:rPr kumimoji="1" lang="zh-CN" altLang="en-US" dirty="0" smtClean="0"/>
+              <a:rPr kumimoji="1" lang="zh-CN" altLang="en-US" dirty="0"/>
               <a:t>什么是单元测试</a:t>
             </a:r>
-            <a:endParaRPr kumimoji="1" lang="zh-CN" altLang="en-US" dirty="0"/>
           </a:p>
         </p:txBody>
       </p:sp>
@@ -6761,23 +6604,23 @@
               <a:buNone/>
             </a:pPr>
             <a:r>
-              <a:rPr kumimoji="1" lang="zh-CN" altLang="en-US" dirty="0" smtClean="0"/>
+              <a:rPr kumimoji="1" lang="zh-CN" altLang="en-US" dirty="0"/>
               <a:t>在计算机编程中，单元测试（英语：</a:t>
             </a:r>
             <a:r>
-              <a:rPr kumimoji="1" lang="en-US" altLang="zh-CN" dirty="0" smtClean="0"/>
+              <a:rPr kumimoji="1" lang="en-US" altLang="zh-CN" dirty="0"/>
               <a:t>Unit Testing</a:t>
             </a:r>
             <a:r>
-              <a:rPr kumimoji="1" lang="zh-CN" altLang="en-US" dirty="0" smtClean="0"/>
+              <a:rPr kumimoji="1" lang="zh-CN" altLang="en-US" dirty="0"/>
               <a:t>）又称为模块测试</a:t>
             </a:r>
             <a:r>
-              <a:rPr kumimoji="1" lang="en-US" altLang="zh-CN" dirty="0" smtClean="0"/>
+              <a:rPr kumimoji="1" lang="en-US" altLang="zh-CN" dirty="0"/>
               <a:t>, </a:t>
             </a:r>
             <a:r>
-              <a:rPr kumimoji="1" lang="zh-CN" altLang="en-US" dirty="0" smtClean="0"/>
+              <a:rPr kumimoji="1" lang="zh-CN" altLang="en-US" dirty="0"/>
               <a:t>是针对程序模块（软件设计的最小单位）来进行正确性检验的测试工作。 程序单元是应用的最小可测试部件。 在过程化编程中，一个单元就是单个程序、函数、过程等；对于面向对象编程，最小单元就是方法，包括基类（超类）、抽象类、或者派生类（子类）中的方法。</a:t>
             </a:r>
           </a:p>
@@ -6799,13 +6642,109 @@
   <p:clrMapOvr>
     <a:masterClrMapping/>
   </p:clrMapOvr>
-  <p:timing>
-    <p:tnLst>
-      <p:par>
-        <p:cTn id="1" dur="indefinite" restart="never" nodeType="tmRoot"/>
-      </p:par>
-    </p:tnLst>
-  </p:timing>
+</p:sld>
+</file>
+
+<file path=ppt/slides/slide20.xml><?xml version="1.0" encoding="utf-8"?>
+<p:sld xmlns:a="http://schemas.openxmlformats.org/drawingml/2006/main" xmlns:r="http://schemas.openxmlformats.org/officeDocument/2006/relationships" xmlns:p="http://schemas.openxmlformats.org/presentationml/2006/main">
+  <p:cSld>
+    <p:spTree>
+      <p:nvGrpSpPr>
+        <p:cNvPr id="1" name=""/>
+        <p:cNvGrpSpPr/>
+        <p:nvPr/>
+      </p:nvGrpSpPr>
+      <p:grpSpPr>
+        <a:xfrm>
+          <a:off x="0" y="0"/>
+          <a:ext cx="0" cy="0"/>
+          <a:chOff x="0" y="0"/>
+          <a:chExt cx="0" cy="0"/>
+        </a:xfrm>
+      </p:grpSpPr>
+      <p:sp>
+        <p:nvSpPr>
+          <p:cNvPr id="2" name="标题 1"/>
+          <p:cNvSpPr>
+            <a:spLocks noGrp="1"/>
+          </p:cNvSpPr>
+          <p:nvPr>
+            <p:ph type="title"/>
+          </p:nvPr>
+        </p:nvSpPr>
+        <p:spPr/>
+        <p:txBody>
+          <a:bodyPr/>
+          <a:lstStyle/>
+          <a:p>
+            <a:r>
+              <a:rPr kumimoji="1" lang="zh-CN" altLang="en-US" dirty="0"/>
+              <a:t>推荐的书</a:t>
+            </a:r>
+          </a:p>
+        </p:txBody>
+      </p:sp>
+      <p:sp>
+        <p:nvSpPr>
+          <p:cNvPr id="3" name="内容占位符 2"/>
+          <p:cNvSpPr>
+            <a:spLocks noGrp="1"/>
+          </p:cNvSpPr>
+          <p:nvPr>
+            <p:ph idx="1"/>
+          </p:nvPr>
+        </p:nvSpPr>
+        <p:spPr/>
+        <p:txBody>
+          <a:bodyPr/>
+          <a:lstStyle/>
+          <a:p>
+            <a:r>
+              <a:rPr kumimoji="1" lang="zh-CN" altLang="en-US" dirty="0"/>
+              <a:t>代码大全</a:t>
+            </a:r>
+            <a:endParaRPr kumimoji="1" lang="en-US" altLang="zh-CN" dirty="0"/>
+          </a:p>
+          <a:p>
+            <a:r>
+              <a:rPr kumimoji="1" lang="en-US" altLang="zh-CN" dirty="0"/>
+              <a:t>Clean</a:t>
+            </a:r>
+            <a:r>
+              <a:rPr kumimoji="1" lang="zh-CN" altLang="en-US" dirty="0"/>
+              <a:t> </a:t>
+            </a:r>
+            <a:r>
+              <a:rPr kumimoji="1" lang="en-US" altLang="zh-CN" dirty="0"/>
+              <a:t>code</a:t>
+            </a:r>
+          </a:p>
+          <a:p>
+            <a:r>
+              <a:rPr kumimoji="1" lang="zh-CN" altLang="en-US" dirty="0"/>
+              <a:t>重构</a:t>
+            </a:r>
+            <a:endParaRPr kumimoji="1" lang="en-US" altLang="zh-CN" dirty="0"/>
+          </a:p>
+          <a:p>
+            <a:r>
+              <a:rPr kumimoji="1" lang="en-US" altLang="zh-CN" dirty="0"/>
+              <a:t>TDD</a:t>
+            </a:r>
+            <a:endParaRPr kumimoji="1" lang="zh-CN" altLang="en-US" dirty="0"/>
+          </a:p>
+        </p:txBody>
+      </p:sp>
+    </p:spTree>
+    <p:extLst>
+      <p:ext uri="{BB962C8B-B14F-4D97-AF65-F5344CB8AC3E}">
+        <p14:creationId xmlns:p14="http://schemas.microsoft.com/office/powerpoint/2010/main" val="668559670"/>
+      </p:ext>
+    </p:extLst>
+  </p:cSld>
+  <p:clrMapOvr>
+    <a:masterClrMapping/>
+  </p:clrMapOvr>
 </p:sld>
 </file>
 
@@ -6842,10 +6781,9 @@
           <a:lstStyle/>
           <a:p>
             <a:r>
-              <a:rPr kumimoji="1" lang="zh-CN" altLang="en-US" dirty="0" smtClean="0"/>
+              <a:rPr kumimoji="1" lang="zh-CN" altLang="en-US" dirty="0"/>
               <a:t>写单元测试的好处</a:t>
             </a:r>
-            <a:endParaRPr kumimoji="1" lang="zh-CN" altLang="en-US" dirty="0"/>
           </a:p>
         </p:txBody>
       </p:sp>
@@ -6865,46 +6803,45 @@
           <a:lstStyle/>
           <a:p>
             <a:r>
-              <a:rPr kumimoji="1" lang="zh-CN" altLang="en-US" dirty="0" smtClean="0"/>
+              <a:rPr kumimoji="1" lang="zh-CN" altLang="en-US" dirty="0"/>
               <a:t>降低犯低级错误的概率（</a:t>
             </a:r>
             <a:r>
-              <a:rPr kumimoji="1" lang="en-US" altLang="zh-CN" dirty="0" smtClean="0"/>
+              <a:rPr kumimoji="1" lang="en-US" altLang="zh-CN" dirty="0"/>
               <a:t>NPE</a:t>
             </a:r>
             <a:r>
-              <a:rPr kumimoji="1" lang="zh-CN" altLang="en-US" dirty="0" smtClean="0"/>
+              <a:rPr kumimoji="1" lang="zh-CN" altLang="en-US" dirty="0"/>
               <a:t>，数组越界等）</a:t>
             </a:r>
-            <a:endParaRPr kumimoji="1" lang="en-US" altLang="zh-CN" dirty="0" smtClean="0"/>
-          </a:p>
-          <a:p>
-            <a:r>
-              <a:rPr kumimoji="1" lang="zh-CN" altLang="en-US" dirty="0" smtClean="0"/>
+            <a:endParaRPr kumimoji="1" lang="en-US" altLang="zh-CN" dirty="0"/>
+          </a:p>
+          <a:p>
+            <a:r>
+              <a:rPr kumimoji="1" lang="zh-CN" altLang="en-US" dirty="0"/>
               <a:t>让重构变得更加可行，更加有信心</a:t>
             </a:r>
-            <a:endParaRPr kumimoji="1" lang="en-US" altLang="zh-CN" dirty="0" smtClean="0"/>
-          </a:p>
-          <a:p>
-            <a:r>
-              <a:rPr kumimoji="1" lang="zh-CN" altLang="en-US" dirty="0" smtClean="0"/>
+            <a:endParaRPr kumimoji="1" lang="en-US" altLang="zh-CN" dirty="0"/>
+          </a:p>
+          <a:p>
+            <a:r>
+              <a:rPr kumimoji="1" lang="zh-CN" altLang="en-US" dirty="0"/>
               <a:t>让方法和类的功能更加单一</a:t>
             </a:r>
-            <a:endParaRPr kumimoji="1" lang="en-US" altLang="zh-CN" dirty="0" smtClean="0"/>
-          </a:p>
-          <a:p>
-            <a:r>
-              <a:rPr kumimoji="1" lang="zh-CN" altLang="en-US" dirty="0" smtClean="0"/>
+            <a:endParaRPr kumimoji="1" lang="en-US" altLang="zh-CN" dirty="0"/>
+          </a:p>
+          <a:p>
+            <a:r>
+              <a:rPr kumimoji="1" lang="zh-CN" altLang="en-US" dirty="0"/>
               <a:t>面向接口的编程</a:t>
             </a:r>
-            <a:endParaRPr kumimoji="1" lang="en-US" altLang="zh-CN" dirty="0" smtClean="0"/>
-          </a:p>
-          <a:p>
-            <a:r>
-              <a:rPr kumimoji="1" lang="zh-CN" altLang="en-US" dirty="0" smtClean="0"/>
+            <a:endParaRPr kumimoji="1" lang="en-US" altLang="zh-CN" dirty="0"/>
+          </a:p>
+          <a:p>
+            <a:r>
+              <a:rPr kumimoji="1" lang="zh-CN" altLang="en-US" dirty="0"/>
               <a:t>可以不断增加写代码的信心</a:t>
             </a:r>
-            <a:endParaRPr kumimoji="1" lang="zh-CN" altLang="en-US" dirty="0"/>
           </a:p>
         </p:txBody>
       </p:sp>
@@ -6918,13 +6855,6 @@
   <p:clrMapOvr>
     <a:masterClrMapping/>
   </p:clrMapOvr>
-  <p:timing>
-    <p:tnLst>
-      <p:par>
-        <p:cTn id="1" dur="indefinite" restart="never" nodeType="tmRoot"/>
-      </p:par>
-    </p:tnLst>
-  </p:timing>
 </p:sld>
 </file>
 
@@ -6961,10 +6891,9 @@
           <a:lstStyle/>
           <a:p>
             <a:r>
-              <a:rPr kumimoji="1" lang="zh-CN" altLang="en-US" dirty="0" smtClean="0"/>
+              <a:rPr kumimoji="1" lang="zh-CN" altLang="en-US" dirty="0"/>
               <a:t>测试框架</a:t>
             </a:r>
-            <a:endParaRPr kumimoji="1" lang="zh-CN" altLang="en-US" dirty="0"/>
           </a:p>
         </p:txBody>
       </p:sp>
@@ -6984,38 +6913,38 @@
           <a:lstStyle/>
           <a:p>
             <a:r>
-              <a:rPr kumimoji="1" lang="en-US" altLang="zh-CN" dirty="0" err="1" smtClean="0"/>
+              <a:rPr kumimoji="1" lang="en-US" altLang="zh-CN" dirty="0" err="1"/>
               <a:t>Junit</a:t>
             </a:r>
-            <a:endParaRPr kumimoji="1" lang="en-US" altLang="zh-CN" dirty="0" smtClean="0"/>
-          </a:p>
-          <a:p>
-            <a:r>
-              <a:rPr kumimoji="1" lang="en-US" altLang="zh-CN" dirty="0" err="1" smtClean="0"/>
+            <a:endParaRPr kumimoji="1" lang="en-US" altLang="zh-CN" dirty="0"/>
+          </a:p>
+          <a:p>
+            <a:r>
+              <a:rPr kumimoji="1" lang="en-US" altLang="zh-CN" dirty="0" err="1"/>
               <a:t>EasyMock</a:t>
             </a:r>
-            <a:endParaRPr kumimoji="1" lang="en-US" altLang="zh-CN" dirty="0" smtClean="0"/>
-          </a:p>
-          <a:p>
-            <a:r>
-              <a:rPr kumimoji="1" lang="en-US" altLang="zh-CN" dirty="0" err="1" smtClean="0"/>
+            <a:endParaRPr kumimoji="1" lang="en-US" altLang="zh-CN" dirty="0"/>
+          </a:p>
+          <a:p>
+            <a:r>
+              <a:rPr kumimoji="1" lang="en-US" altLang="zh-CN" dirty="0" err="1"/>
               <a:t>Mockito</a:t>
             </a:r>
-            <a:endParaRPr kumimoji="1" lang="en-US" altLang="zh-CN" dirty="0" smtClean="0"/>
-          </a:p>
-          <a:p>
-            <a:r>
-              <a:rPr kumimoji="1" lang="en-US" altLang="zh-CN" dirty="0" err="1" smtClean="0"/>
+            <a:endParaRPr kumimoji="1" lang="en-US" altLang="zh-CN" dirty="0"/>
+          </a:p>
+          <a:p>
+            <a:r>
+              <a:rPr kumimoji="1" lang="en-US" altLang="zh-CN" dirty="0" err="1"/>
               <a:t>PowerMock</a:t>
             </a:r>
-            <a:endParaRPr kumimoji="1" lang="en-US" altLang="zh-CN" dirty="0" smtClean="0"/>
-          </a:p>
-          <a:p>
-            <a:r>
-              <a:rPr kumimoji="1" lang="en-US" altLang="zh-CN" dirty="0" err="1" smtClean="0"/>
+            <a:endParaRPr kumimoji="1" lang="en-US" altLang="zh-CN" dirty="0"/>
+          </a:p>
+          <a:p>
+            <a:r>
+              <a:rPr kumimoji="1" lang="en-US" altLang="zh-CN" dirty="0" err="1"/>
               <a:t>Jmockit</a:t>
             </a:r>
-            <a:endParaRPr kumimoji="1" lang="en-US" altLang="zh-CN" dirty="0" smtClean="0"/>
+            <a:endParaRPr kumimoji="1" lang="en-US" altLang="zh-CN" dirty="0"/>
           </a:p>
           <a:p>
             <a:endParaRPr kumimoji="1" lang="zh-CN" altLang="en-US" dirty="0"/>
@@ -7068,7 +6997,7 @@
           <a:lstStyle/>
           <a:p>
             <a:r>
-              <a:rPr kumimoji="1" lang="en-US" altLang="zh-CN" dirty="0" err="1" smtClean="0"/>
+              <a:rPr kumimoji="1" lang="en-US" altLang="zh-CN" dirty="0" err="1"/>
               <a:t>Easymock</a:t>
             </a:r>
             <a:endParaRPr kumimoji="1" lang="zh-CN" altLang="en-US" dirty="0"/>
@@ -7094,58 +7023,57 @@
               <a:buNone/>
             </a:pPr>
             <a:r>
-              <a:rPr kumimoji="1" lang="en-US" altLang="zh-CN" dirty="0" err="1" smtClean="0"/>
+              <a:rPr kumimoji="1" lang="en-US" altLang="zh-CN" dirty="0" err="1"/>
               <a:t>EasyMock</a:t>
             </a:r>
             <a:r>
-              <a:rPr kumimoji="1" lang="en-US" altLang="zh-CN" dirty="0" smtClean="0"/>
+              <a:rPr kumimoji="1" lang="en-US" altLang="zh-CN" dirty="0"/>
               <a:t> </a:t>
             </a:r>
             <a:r>
-              <a:rPr kumimoji="1" lang="zh-CN" altLang="en-US" dirty="0" smtClean="0"/>
+              <a:rPr kumimoji="1" lang="zh-CN" altLang="en-US" dirty="0"/>
               <a:t>是早期比较流行的</a:t>
             </a:r>
             <a:r>
-              <a:rPr kumimoji="1" lang="en-US" altLang="zh-CN" dirty="0" err="1" smtClean="0"/>
+              <a:rPr kumimoji="1" lang="en-US" altLang="zh-CN" dirty="0" err="1"/>
               <a:t>MocK</a:t>
             </a:r>
             <a:r>
-              <a:rPr kumimoji="1" lang="zh-CN" altLang="en-US" dirty="0" smtClean="0"/>
+              <a:rPr kumimoji="1" lang="zh-CN" altLang="en-US" dirty="0"/>
               <a:t>测试框架。它提供对接口的模拟，能够通过录制、回放、检查三步来完成大体的测试过程，可以验证方法的调用种类、次数、顺序，可以令 </a:t>
             </a:r>
             <a:r>
-              <a:rPr kumimoji="1" lang="en-US" altLang="zh-CN" dirty="0" smtClean="0"/>
+              <a:rPr kumimoji="1" lang="en-US" altLang="zh-CN" dirty="0"/>
               <a:t>Mock </a:t>
             </a:r>
             <a:r>
-              <a:rPr kumimoji="1" lang="zh-CN" altLang="en-US" dirty="0" smtClean="0"/>
+              <a:rPr kumimoji="1" lang="zh-CN" altLang="en-US" dirty="0"/>
               <a:t>对象返回指定的值或抛出指定异常。通过 </a:t>
             </a:r>
             <a:r>
-              <a:rPr kumimoji="1" lang="en-US" altLang="zh-CN" dirty="0" err="1" smtClean="0"/>
+              <a:rPr kumimoji="1" lang="en-US" altLang="zh-CN" dirty="0" err="1"/>
               <a:t>EasyMock</a:t>
             </a:r>
             <a:r>
-              <a:rPr kumimoji="1" lang="zh-CN" altLang="en-US" dirty="0" smtClean="0"/>
+              <a:rPr kumimoji="1" lang="zh-CN" altLang="en-US" dirty="0"/>
               <a:t>，我们可以方便的构造 </a:t>
             </a:r>
             <a:r>
-              <a:rPr kumimoji="1" lang="en-US" altLang="zh-CN" dirty="0" smtClean="0"/>
+              <a:rPr kumimoji="1" lang="en-US" altLang="zh-CN" dirty="0"/>
               <a:t>Mock </a:t>
             </a:r>
             <a:r>
-              <a:rPr kumimoji="1" lang="zh-CN" altLang="en-US" dirty="0" smtClean="0"/>
+              <a:rPr kumimoji="1" lang="zh-CN" altLang="en-US" dirty="0"/>
               <a:t>对象从而使单元测试顺利进行。也是我用的最多的</a:t>
             </a:r>
             <a:r>
-              <a:rPr kumimoji="1" lang="en-US" altLang="zh-CN" dirty="0" smtClean="0"/>
+              <a:rPr kumimoji="1" lang="en-US" altLang="zh-CN" dirty="0"/>
               <a:t>mock</a:t>
             </a:r>
             <a:r>
-              <a:rPr kumimoji="1" lang="zh-CN" altLang="en-US" dirty="0" smtClean="0"/>
+              <a:rPr kumimoji="1" lang="zh-CN" altLang="en-US" dirty="0"/>
               <a:t>工具。</a:t>
             </a:r>
-            <a:endParaRPr kumimoji="1" lang="zh-CN" altLang="en-US" dirty="0"/>
           </a:p>
         </p:txBody>
       </p:sp>
@@ -7195,10 +7123,9 @@
           <a:lstStyle/>
           <a:p>
             <a:r>
-              <a:rPr kumimoji="1" lang="zh-CN" altLang="en-US" dirty="0" smtClean="0"/>
+              <a:rPr kumimoji="1" lang="zh-CN" altLang="en-US" dirty="0"/>
               <a:t>测试类型</a:t>
             </a:r>
-            <a:endParaRPr kumimoji="1" lang="zh-CN" altLang="en-US" dirty="0"/>
           </a:p>
         </p:txBody>
       </p:sp>
@@ -7214,83 +7141,111 @@
         </p:nvSpPr>
         <p:spPr/>
         <p:txBody>
-          <a:bodyPr/>
+          <a:bodyPr>
+            <a:normAutofit lnSpcReduction="10000"/>
+          </a:bodyPr>
           <a:lstStyle/>
           <a:p>
             <a:r>
-              <a:rPr kumimoji="1" lang="zh-CN" altLang="en-US" dirty="0" smtClean="0"/>
+              <a:rPr kumimoji="1" lang="zh-CN" altLang="en-US" dirty="0"/>
               <a:t>简单的测试，断言测试</a:t>
             </a:r>
-            <a:endParaRPr kumimoji="1" lang="en-US" altLang="zh-CN" dirty="0" smtClean="0"/>
-          </a:p>
-          <a:p>
-            <a:r>
-              <a:rPr kumimoji="1" lang="zh-TW" altLang="en-US" dirty="0" smtClean="0"/>
-              <a:t>正常依赖第三方的</a:t>
-            </a:r>
-            <a:r>
-              <a:rPr kumimoji="1" lang="en-US" altLang="zh-TW" dirty="0" smtClean="0"/>
+            <a:endParaRPr kumimoji="1" lang="en-US" altLang="zh-CN" dirty="0"/>
+          </a:p>
+          <a:p>
+            <a:r>
+              <a:rPr kumimoji="1" lang="zh-TW" altLang="en-US" dirty="0"/>
+              <a:t>正常依赖</a:t>
+            </a:r>
+            <a:r>
+              <a:rPr kumimoji="1" lang="zh-CN" altLang="en-US" dirty="0"/>
+              <a:t>第二方类或者</a:t>
+            </a:r>
+            <a:r>
+              <a:rPr kumimoji="1" lang="zh-TW" altLang="en-US" dirty="0"/>
+              <a:t>第三方</a:t>
+            </a:r>
+            <a:r>
+              <a:rPr kumimoji="1" lang="zh-CN" altLang="en-US" dirty="0"/>
+              <a:t>接口</a:t>
+            </a:r>
+            <a:r>
+              <a:rPr kumimoji="1" lang="zh-TW" altLang="en-US" dirty="0"/>
+              <a:t>的</a:t>
+            </a:r>
+            <a:r>
+              <a:rPr kumimoji="1" lang="en-US" altLang="zh-TW" dirty="0"/>
               <a:t>mock</a:t>
             </a:r>
             <a:r>
-              <a:rPr kumimoji="1" lang="zh-TW" altLang="en-US" dirty="0" smtClean="0"/>
+              <a:rPr kumimoji="1" lang="zh-TW" altLang="en-US" dirty="0"/>
               <a:t>测试</a:t>
             </a:r>
-            <a:endParaRPr kumimoji="1" lang="en-US" altLang="zh-TW" dirty="0" smtClean="0"/>
-          </a:p>
-          <a:p>
-            <a:r>
-              <a:rPr kumimoji="1" lang="zh-CN" altLang="en-US" dirty="0" smtClean="0"/>
+            <a:endParaRPr kumimoji="1" lang="en-US" altLang="zh-TW" dirty="0"/>
+          </a:p>
+          <a:p>
+            <a:r>
+              <a:rPr kumimoji="1" lang="zh-CN" altLang="en-US" dirty="0"/>
               <a:t>异常测试</a:t>
             </a:r>
             <a:r>
-              <a:rPr kumimoji="1" lang="en-US" altLang="zh-CN" dirty="0" smtClean="0"/>
+              <a:rPr kumimoji="1" lang="en-US" altLang="zh-CN" dirty="0"/>
               <a:t>(</a:t>
             </a:r>
             <a:r>
-              <a:rPr kumimoji="1" lang="zh-CN" altLang="en-US" dirty="0" smtClean="0"/>
+              <a:rPr kumimoji="1" lang="zh-CN" altLang="en-US" dirty="0"/>
               <a:t>补充测试异常信息</a:t>
             </a:r>
             <a:r>
-              <a:rPr kumimoji="1" lang="en-US" altLang="zh-CN" dirty="0" smtClean="0"/>
+              <a:rPr kumimoji="1" lang="en-US" altLang="zh-CN" dirty="0"/>
               <a:t>case)</a:t>
             </a:r>
           </a:p>
           <a:p>
             <a:r>
-              <a:rPr kumimoji="1" lang="zh-CN" altLang="en-US" dirty="0" smtClean="0"/>
+              <a:rPr kumimoji="1" lang="zh-CN" altLang="en-US" dirty="0"/>
               <a:t>中间变量测试</a:t>
             </a:r>
-            <a:endParaRPr kumimoji="1" lang="en-US" altLang="zh-CN" dirty="0" smtClean="0"/>
-          </a:p>
-          <a:p>
-            <a:r>
-              <a:rPr kumimoji="1" lang="en-US" altLang="zh-CN" dirty="0" smtClean="0"/>
+            <a:endParaRPr kumimoji="1" lang="en-US" altLang="zh-CN" dirty="0"/>
+          </a:p>
+          <a:p>
+            <a:r>
+              <a:rPr kumimoji="1" lang="en-US" altLang="zh-CN" dirty="0"/>
               <a:t>void</a:t>
             </a:r>
             <a:r>
-              <a:rPr kumimoji="1" lang="zh-CN" altLang="en-US" dirty="0" smtClean="0"/>
+              <a:rPr kumimoji="1" lang="zh-CN" altLang="en-US" dirty="0"/>
               <a:t>方法测试</a:t>
             </a:r>
             <a:r>
-              <a:rPr kumimoji="1" lang="en-US" altLang="zh-CN" dirty="0" smtClean="0"/>
+              <a:rPr kumimoji="1" lang="en-US" altLang="zh-CN" dirty="0"/>
               <a:t>(</a:t>
             </a:r>
             <a:r>
-              <a:rPr kumimoji="1" lang="zh-CN" altLang="en-US" dirty="0" smtClean="0"/>
+              <a:rPr kumimoji="1" lang="zh-CN" altLang="en-US" dirty="0"/>
               <a:t>只测试依赖对象的行为</a:t>
             </a:r>
             <a:r>
-              <a:rPr kumimoji="1" lang="en-US" altLang="zh-CN" dirty="0" smtClean="0"/>
+              <a:rPr kumimoji="1" lang="en-US" altLang="zh-CN" dirty="0"/>
               <a:t>)</a:t>
             </a:r>
           </a:p>
           <a:p>
             <a:r>
-              <a:rPr kumimoji="1" lang="zh-CN" altLang="en-US" dirty="0" smtClean="0"/>
+              <a:rPr kumimoji="1" lang="zh-CN" altLang="en-US" dirty="0"/>
               <a:t>静态方法、私有方法测试</a:t>
             </a:r>
-            <a:endParaRPr kumimoji="1" lang="zh-CN" altLang="en-US" dirty="0"/>
+            <a:endParaRPr kumimoji="1" lang="en-US" altLang="zh-CN" dirty="0"/>
+          </a:p>
+          <a:p>
+            <a:r>
+              <a:rPr kumimoji="1" lang="en-US" altLang="zh-CN" dirty="0"/>
+              <a:t>DAO</a:t>
+            </a:r>
+            <a:r>
+              <a:rPr kumimoji="1" lang="zh-CN" altLang="en-US" dirty="0"/>
+              <a:t>的测试</a:t>
+            </a:r>
           </a:p>
         </p:txBody>
       </p:sp>
@@ -7340,10 +7295,9 @@
           <a:lstStyle/>
           <a:p>
             <a:r>
-              <a:rPr kumimoji="1" lang="zh-CN" altLang="en-US" dirty="0" smtClean="0"/>
+              <a:rPr kumimoji="1" lang="zh-CN" altLang="en-US" dirty="0"/>
               <a:t>简单的测试，断言测试</a:t>
             </a:r>
-            <a:endParaRPr kumimoji="1" lang="zh-CN" altLang="en-US" dirty="0"/>
           </a:p>
         </p:txBody>
       </p:sp>
@@ -7372,34 +7326,26 @@
               <a:t>public class </a:t>
             </a:r>
             <a:r>
-              <a:rPr lang="en-US" altLang="zh-CN" sz="1800" dirty="0" err="1" smtClean="0"/>
+              <a:rPr lang="en-US" altLang="zh-CN" sz="1800" dirty="0" err="1"/>
               <a:t>AddService</a:t>
             </a:r>
             <a:r>
-              <a:rPr lang="en-US" altLang="zh-CN" sz="1800" dirty="0" smtClean="0"/>
+              <a:rPr lang="en-US" altLang="zh-CN" sz="1800" dirty="0"/>
               <a:t> {</a:t>
             </a:r>
             <a:br>
-              <a:rPr lang="en-US" altLang="zh-CN" sz="1800" dirty="0" smtClean="0"/>
-            </a:br>
-            <a:r>
-              <a:rPr lang="en-US" altLang="zh-CN" sz="1800" dirty="0" smtClean="0"/>
-              <a:t/>
-            </a:r>
-            <a:br>
-              <a:rPr lang="en-US" altLang="zh-CN" sz="1800" dirty="0" smtClean="0"/>
-            </a:br>
-            <a:r>
-              <a:rPr lang="en-US" altLang="zh-CN" sz="1800" dirty="0" smtClean="0"/>
+              <a:rPr lang="en-US" altLang="zh-CN" sz="1800" dirty="0"/>
+            </a:br>
+            <a:br>
+              <a:rPr lang="en-US" altLang="zh-CN" sz="1800" dirty="0"/>
+            </a:br>
+            <a:r>
+              <a:rPr lang="en-US" altLang="zh-CN" sz="1800" dirty="0"/>
               <a:t>    </a:t>
             </a:r>
             <a:r>
               <a:rPr lang="en-US" altLang="zh-CN" sz="1800" b="1" dirty="0"/>
-              <a:t>public </a:t>
-            </a:r>
-            <a:r>
-              <a:rPr lang="en-US" altLang="zh-CN" sz="1800" b="1" dirty="0" smtClean="0"/>
-              <a:t> </a:t>
+              <a:t>public  </a:t>
             </a:r>
             <a:r>
               <a:rPr lang="en-US" altLang="zh-CN" sz="1800" b="1" dirty="0" err="1"/>
@@ -7410,7 +7356,7 @@
               <a:t> </a:t>
             </a:r>
             <a:r>
-              <a:rPr lang="en-US" altLang="zh-CN" sz="1800" dirty="0" smtClean="0"/>
+              <a:rPr lang="en-US" altLang="zh-CN" sz="1800" dirty="0"/>
               <a:t>add(</a:t>
             </a:r>
             <a:r>
@@ -7422,7 +7368,7 @@
               <a:t> </a:t>
             </a:r>
             <a:r>
-              <a:rPr lang="en-US" altLang="zh-CN" sz="1800" dirty="0" err="1" smtClean="0"/>
+              <a:rPr lang="en-US" altLang="zh-CN" sz="1800" dirty="0" err="1"/>
               <a:t>a,</a:t>
             </a:r>
             <a:r>
@@ -7434,14 +7380,14 @@
               <a:t> </a:t>
             </a:r>
             <a:r>
-              <a:rPr lang="en-US" altLang="zh-CN" sz="1800" dirty="0" smtClean="0"/>
+              <a:rPr lang="en-US" altLang="zh-CN" sz="1800" dirty="0"/>
               <a:t>b){</a:t>
             </a:r>
             <a:br>
-              <a:rPr lang="en-US" altLang="zh-CN" sz="1800" dirty="0" smtClean="0"/>
-            </a:br>
-            <a:r>
-              <a:rPr lang="en-US" altLang="zh-CN" sz="1800" dirty="0" smtClean="0"/>
+              <a:rPr lang="en-US" altLang="zh-CN" sz="1800" dirty="0"/>
+            </a:br>
+            <a:r>
+              <a:rPr lang="en-US" altLang="zh-CN" sz="1800" dirty="0"/>
               <a:t>        </a:t>
             </a:r>
             <a:r>
@@ -7449,34 +7395,34 @@
               <a:t>return </a:t>
             </a:r>
             <a:r>
-              <a:rPr lang="en-US" altLang="zh-CN" sz="1800" dirty="0" err="1" smtClean="0"/>
+              <a:rPr lang="en-US" altLang="zh-CN" sz="1800" dirty="0" err="1"/>
               <a:t>a+b</a:t>
             </a:r>
             <a:r>
-              <a:rPr lang="en-US" altLang="zh-CN" sz="1800" dirty="0" smtClean="0"/>
+              <a:rPr lang="en-US" altLang="zh-CN" sz="1800" dirty="0"/>
               <a:t>;</a:t>
             </a:r>
             <a:br>
-              <a:rPr lang="en-US" altLang="zh-CN" sz="1800" dirty="0" smtClean="0"/>
-            </a:br>
-            <a:r>
-              <a:rPr lang="en-US" altLang="zh-CN" sz="1800" dirty="0" smtClean="0"/>
+              <a:rPr lang="en-US" altLang="zh-CN" sz="1800" dirty="0"/>
+            </a:br>
+            <a:r>
+              <a:rPr lang="en-US" altLang="zh-CN" sz="1800" dirty="0"/>
               <a:t>    }</a:t>
             </a:r>
             <a:br>
-              <a:rPr lang="en-US" altLang="zh-CN" sz="1800" dirty="0" smtClean="0"/>
-            </a:br>
-            <a:r>
-              <a:rPr lang="en-US" altLang="zh-CN" sz="1800" dirty="0" smtClean="0"/>
+              <a:rPr lang="en-US" altLang="zh-CN" sz="1800" dirty="0"/>
+            </a:br>
+            <a:r>
+              <a:rPr lang="en-US" altLang="zh-CN" sz="1800" dirty="0"/>
               <a:t>}</a:t>
             </a:r>
-            <a:endParaRPr kumimoji="1" lang="en-US" altLang="zh-CN" sz="1800" dirty="0" smtClean="0"/>
+            <a:endParaRPr kumimoji="1" lang="en-US" altLang="zh-CN" sz="1800" dirty="0"/>
           </a:p>
           <a:p>
             <a:pPr marL="0" indent="0">
               <a:buNone/>
             </a:pPr>
-            <a:endParaRPr kumimoji="1" lang="en-US" altLang="zh-CN" sz="1800" dirty="0" smtClean="0"/>
+            <a:endParaRPr kumimoji="1" lang="en-US" altLang="zh-CN" sz="1800" dirty="0"/>
           </a:p>
           <a:p>
             <a:pPr marL="0" indent="0">
@@ -7487,30 +7433,22 @@
               <a:t>public class </a:t>
             </a:r>
             <a:r>
-              <a:rPr lang="en-US" altLang="zh-CN" sz="1800" dirty="0" err="1" smtClean="0"/>
+              <a:rPr lang="en-US" altLang="zh-CN" sz="1800" dirty="0" err="1"/>
               <a:t>AddUtilsTest</a:t>
             </a:r>
             <a:r>
-              <a:rPr lang="en-US" altLang="zh-CN" sz="1800" dirty="0" smtClean="0"/>
+              <a:rPr lang="en-US" altLang="zh-CN" sz="1800" dirty="0"/>
               <a:t> {</a:t>
             </a:r>
             <a:br>
-              <a:rPr lang="en-US" altLang="zh-CN" sz="1800" dirty="0" smtClean="0"/>
-            </a:br>
-            <a:r>
-              <a:rPr lang="en-US" altLang="zh-CN" sz="1800" dirty="0" smtClean="0"/>
-              <a:t/>
-            </a:r>
-            <a:br>
-              <a:rPr lang="en-US" altLang="zh-CN" sz="1800" dirty="0" smtClean="0"/>
-            </a:br>
-            <a:r>
-              <a:rPr lang="en-US" altLang="zh-CN" sz="1800" dirty="0" smtClean="0"/>
-              <a:t>    </a:t>
-            </a:r>
-            <a:r>
               <a:rPr lang="en-US" altLang="zh-CN" sz="1800" dirty="0"/>
-              <a:t>@Test</a:t>
+            </a:br>
+            <a:br>
+              <a:rPr lang="en-US" altLang="zh-CN" sz="1800" dirty="0"/>
+            </a:br>
+            <a:r>
+              <a:rPr lang="en-US" altLang="zh-CN" sz="1800" dirty="0"/>
+              <a:t>    @Test</a:t>
             </a:r>
             <a:br>
               <a:rPr lang="en-US" altLang="zh-CN" sz="1800" dirty="0"/>
@@ -7524,7 +7462,7 @@
               <a:t>public void </a:t>
             </a:r>
             <a:r>
-              <a:rPr lang="en-US" altLang="zh-CN" sz="1800" dirty="0" smtClean="0"/>
+              <a:rPr lang="en-US" altLang="zh-CN" sz="1800" dirty="0"/>
               <a:t>add() </a:t>
             </a:r>
             <a:r>
@@ -7532,30 +7470,30 @@
               <a:t>throws </a:t>
             </a:r>
             <a:r>
-              <a:rPr lang="en-US" altLang="zh-CN" sz="1800" dirty="0" smtClean="0"/>
+              <a:rPr lang="en-US" altLang="zh-CN" sz="1800" dirty="0"/>
               <a:t>Exception {</a:t>
             </a:r>
             <a:br>
-              <a:rPr lang="en-US" altLang="zh-CN" sz="1800" dirty="0" smtClean="0"/>
-            </a:br>
-            <a:r>
-              <a:rPr lang="en-US" altLang="zh-CN" sz="1800" dirty="0" smtClean="0"/>
+              <a:rPr lang="en-US" altLang="zh-CN" sz="1800" dirty="0"/>
+            </a:br>
+            <a:r>
+              <a:rPr lang="en-US" altLang="zh-CN" sz="1800" dirty="0"/>
               <a:t>        </a:t>
             </a:r>
             <a:r>
-              <a:rPr lang="en-US" altLang="zh-CN" sz="1800" dirty="0" err="1" smtClean="0"/>
+              <a:rPr lang="en-US" altLang="zh-CN" sz="1800" dirty="0" err="1"/>
               <a:t>AddService</a:t>
             </a:r>
             <a:r>
-              <a:rPr lang="en-US" altLang="zh-CN" sz="1800" dirty="0" smtClean="0"/>
+              <a:rPr lang="en-US" altLang="zh-CN" sz="1800" dirty="0"/>
               <a:t> </a:t>
             </a:r>
             <a:r>
-              <a:rPr lang="en-US" altLang="zh-CN" sz="1800" dirty="0" err="1" smtClean="0"/>
+              <a:rPr lang="en-US" altLang="zh-CN" sz="1800" dirty="0" err="1"/>
               <a:t>addService</a:t>
             </a:r>
             <a:r>
-              <a:rPr lang="en-US" altLang="zh-CN" sz="1800" dirty="0" smtClean="0"/>
+              <a:rPr lang="en-US" altLang="zh-CN" sz="1800" dirty="0"/>
               <a:t> = </a:t>
             </a:r>
             <a:r>
@@ -7563,88 +7501,64 @@
               <a:t>new </a:t>
             </a:r>
             <a:r>
-              <a:rPr lang="en-US" altLang="zh-CN" sz="1800" dirty="0" err="1" smtClean="0"/>
+              <a:rPr lang="en-US" altLang="zh-CN" sz="1800" dirty="0" err="1"/>
               <a:t>AddService</a:t>
             </a:r>
             <a:r>
-              <a:rPr lang="en-US" altLang="zh-CN" sz="1800" dirty="0" smtClean="0"/>
+              <a:rPr lang="en-US" altLang="zh-CN" sz="1800" dirty="0"/>
               <a:t> ();</a:t>
             </a:r>
             <a:br>
-              <a:rPr lang="en-US" altLang="zh-CN" sz="1800" dirty="0" smtClean="0"/>
-            </a:br>
-            <a:r>
-              <a:rPr lang="en-US" altLang="zh-CN" sz="1800" dirty="0" smtClean="0"/>
+              <a:rPr lang="en-US" altLang="zh-CN" sz="1800" dirty="0"/>
+            </a:br>
+            <a:r>
+              <a:rPr lang="en-US" altLang="zh-CN" sz="1800" dirty="0"/>
               <a:t>        </a:t>
             </a:r>
             <a:r>
-              <a:rPr lang="en-US" altLang="zh-CN" sz="1800" dirty="0" err="1" smtClean="0"/>
+              <a:rPr lang="en-US" altLang="zh-CN" sz="1800" dirty="0" err="1"/>
               <a:t>Assert.</a:t>
             </a:r>
             <a:r>
-              <a:rPr lang="en-US" altLang="zh-CN" sz="1800" i="1" dirty="0" err="1" smtClean="0">
+              <a:rPr lang="en-US" altLang="zh-CN" sz="1800" i="1" dirty="0" err="1">
                 <a:effectLst/>
               </a:rPr>
               <a:t>assertEquals</a:t>
             </a:r>
             <a:r>
-              <a:rPr lang="en-US" altLang="zh-CN" sz="1800" dirty="0" smtClean="0"/>
-              <a:t>(</a:t>
-            </a:r>
-            <a:r>
               <a:rPr lang="en-US" altLang="zh-CN" sz="1800" dirty="0"/>
-              <a:t>3</a:t>
-            </a:r>
-            <a:r>
-              <a:rPr lang="en-US" altLang="zh-CN" sz="1800" dirty="0" smtClean="0"/>
-              <a:t>, </a:t>
-            </a:r>
-            <a:r>
-              <a:rPr lang="en-US" altLang="zh-CN" sz="1800" dirty="0" err="1" smtClean="0"/>
+              <a:t>(3, </a:t>
+            </a:r>
+            <a:r>
+              <a:rPr lang="en-US" altLang="zh-CN" sz="1800" dirty="0" err="1"/>
               <a:t>addService</a:t>
             </a:r>
             <a:r>
-              <a:rPr lang="en-US" altLang="zh-CN" sz="1800" dirty="0" smtClean="0"/>
+              <a:rPr lang="en-US" altLang="zh-CN" sz="1800" dirty="0"/>
               <a:t> .</a:t>
             </a:r>
             <a:r>
-              <a:rPr lang="en-US" altLang="zh-CN" sz="1800" i="1" dirty="0" smtClean="0">
+              <a:rPr lang="en-US" altLang="zh-CN" sz="1800" i="1" dirty="0">
                 <a:effectLst/>
               </a:rPr>
               <a:t>add</a:t>
             </a:r>
             <a:r>
-              <a:rPr lang="en-US" altLang="zh-CN" sz="1800" dirty="0" smtClean="0"/>
-              <a:t>(</a:t>
-            </a:r>
-            <a:r>
               <a:rPr lang="en-US" altLang="zh-CN" sz="1800" dirty="0"/>
-              <a:t>1</a:t>
-            </a:r>
-            <a:r>
-              <a:rPr lang="en-US" altLang="zh-CN" sz="1800" dirty="0" smtClean="0"/>
-              <a:t>,</a:t>
-            </a:r>
-            <a:r>
+              <a:t>(1,2));</a:t>
+            </a:r>
+            <a:br>
               <a:rPr lang="en-US" altLang="zh-CN" sz="1800" dirty="0"/>
-              <a:t>2</a:t>
-            </a:r>
-            <a:r>
-              <a:rPr lang="en-US" altLang="zh-CN" sz="1800" dirty="0" smtClean="0"/>
-              <a:t>));</a:t>
-            </a:r>
-            <a:br>
-              <a:rPr lang="en-US" altLang="zh-CN" sz="1800" dirty="0" smtClean="0"/>
-            </a:br>
-            <a:r>
-              <a:rPr lang="en-US" altLang="zh-CN" sz="1800" dirty="0" smtClean="0"/>
+            </a:br>
+            <a:r>
+              <a:rPr lang="en-US" altLang="zh-CN" sz="1800" dirty="0"/>
               <a:t>    }</a:t>
             </a:r>
             <a:br>
-              <a:rPr lang="en-US" altLang="zh-CN" sz="1800" dirty="0" smtClean="0"/>
-            </a:br>
-            <a:r>
-              <a:rPr lang="en-US" altLang="zh-CN" sz="1800" dirty="0" smtClean="0"/>
+              <a:rPr lang="en-US" altLang="zh-CN" sz="1800" dirty="0"/>
+            </a:br>
+            <a:r>
+              <a:rPr lang="en-US" altLang="zh-CN" sz="1800" dirty="0"/>
               <a:t>}</a:t>
             </a:r>
             <a:endParaRPr kumimoji="1" lang="en-US" altLang="zh-CN" sz="1800" dirty="0"/>
@@ -7653,7 +7567,7 @@
             <a:pPr marL="0" indent="0">
               <a:buNone/>
             </a:pPr>
-            <a:endParaRPr kumimoji="1" lang="en-US" altLang="zh-CN" sz="1800" dirty="0" smtClean="0"/>
+            <a:endParaRPr kumimoji="1" lang="en-US" altLang="zh-CN" sz="1800" dirty="0"/>
           </a:p>
           <a:p>
             <a:pPr marL="0" indent="0">
@@ -7715,18 +7629,18 @@
           <a:lstStyle/>
           <a:p>
             <a:r>
-              <a:rPr kumimoji="1" lang="zh-TW" altLang="en-US" dirty="0" smtClean="0"/>
+              <a:rPr kumimoji="1" lang="zh-TW" altLang="en-US" dirty="0"/>
               <a:t>正常依赖第三方的</a:t>
             </a:r>
             <a:r>
-              <a:rPr kumimoji="1" lang="en-US" altLang="zh-TW" dirty="0" smtClean="0"/>
+              <a:rPr kumimoji="1" lang="en-US" altLang="zh-TW" dirty="0"/>
               <a:t>mock</a:t>
             </a:r>
             <a:r>
-              <a:rPr kumimoji="1" lang="zh-TW" altLang="en-US" dirty="0" smtClean="0"/>
+              <a:rPr kumimoji="1" lang="zh-TW" altLang="en-US" dirty="0"/>
               <a:t>测试</a:t>
             </a:r>
-            <a:endParaRPr kumimoji="1" lang="en-US" altLang="zh-TW" dirty="0" smtClean="0"/>
+            <a:endParaRPr kumimoji="1" lang="en-US" altLang="zh-TW" dirty="0"/>
           </a:p>
         </p:txBody>
       </p:sp>
@@ -7759,30 +7673,26 @@
               <a:t>public class </a:t>
             </a:r>
             <a:r>
-              <a:rPr lang="en-US" altLang="zh-CN" sz="1200" dirty="0" err="1" smtClean="0"/>
+              <a:rPr lang="en-US" altLang="zh-CN" sz="1200" dirty="0" err="1"/>
               <a:t>CacheStrategyHelper</a:t>
             </a:r>
             <a:r>
-              <a:rPr lang="en-US" altLang="zh-CN" sz="1200" dirty="0" smtClean="0"/>
+              <a:rPr lang="en-US" altLang="zh-CN" sz="1200" dirty="0"/>
               <a:t> {</a:t>
             </a:r>
             <a:br>
-              <a:rPr lang="en-US" altLang="zh-CN" sz="1200" dirty="0" smtClean="0"/>
-            </a:br>
-            <a:r>
-              <a:rPr lang="en-US" altLang="zh-CN" sz="1200" dirty="0" smtClean="0"/>
+              <a:rPr lang="en-US" altLang="zh-CN" sz="1200" dirty="0"/>
+            </a:br>
+            <a:r>
+              <a:rPr lang="en-US" altLang="zh-CN" sz="1200" dirty="0"/>
               <a:t>    </a:t>
             </a:r>
             <a:br>
-              <a:rPr lang="en-US" altLang="zh-CN" sz="1200" dirty="0" smtClean="0"/>
-            </a:br>
-            <a:r>
-              <a:rPr lang="en-US" altLang="zh-CN" sz="1200" dirty="0" smtClean="0"/>
-              <a:t>    </a:t>
-            </a:r>
-            <a:r>
-              <a:rPr lang="en-US" altLang="zh-CN" sz="1200" dirty="0"/>
-              <a:t>@Resource</a:t>
+              <a:rPr lang="en-US" altLang="zh-CN" sz="1200" dirty="0"/>
+            </a:br>
+            <a:r>
+              <a:rPr lang="en-US" altLang="zh-CN" sz="1200" dirty="0"/>
+              <a:t>    @Resource</a:t>
             </a:r>
             <a:br>
               <a:rPr lang="en-US" altLang="zh-CN" sz="1200" dirty="0"/>
@@ -7796,11 +7706,11 @@
               <a:t>private </a:t>
             </a:r>
             <a:r>
-              <a:rPr lang="en-US" altLang="zh-CN" sz="1200" dirty="0" err="1" smtClean="0"/>
+              <a:rPr lang="en-US" altLang="zh-CN" sz="1200" dirty="0" err="1"/>
               <a:t>SwitchController</a:t>
             </a:r>
             <a:r>
-              <a:rPr lang="en-US" altLang="zh-CN" sz="1200" dirty="0" smtClean="0"/>
+              <a:rPr lang="en-US" altLang="zh-CN" sz="1200" dirty="0"/>
               <a:t> </a:t>
             </a:r>
             <a:r>
@@ -7808,14 +7718,14 @@
               <a:t>switchController</a:t>
             </a:r>
             <a:r>
-              <a:rPr lang="en-US" altLang="zh-CN" sz="1200" dirty="0" smtClean="0"/>
+              <a:rPr lang="en-US" altLang="zh-CN" sz="1200" dirty="0"/>
               <a:t>;</a:t>
             </a:r>
             <a:br>
-              <a:rPr lang="en-US" altLang="zh-CN" sz="1200" dirty="0" smtClean="0"/>
-            </a:br>
-            <a:r>
-              <a:rPr lang="en-US" altLang="zh-CN" sz="1200" dirty="0" smtClean="0"/>
+              <a:rPr lang="en-US" altLang="zh-CN" sz="1200" dirty="0"/>
+            </a:br>
+            <a:r>
+              <a:rPr lang="en-US" altLang="zh-CN" sz="1200" dirty="0"/>
               <a:t>    </a:t>
             </a:r>
             <a:r>
@@ -7952,10 +7862,6 @@
               <a:rPr lang="en-US" altLang="zh-CN" sz="1200" b="1" i="1" dirty="0" err="1"/>
               <a:t>queryHotelDetailDO</a:t>
             </a:r>
-            <a:r>
-              <a:rPr lang="en-US" altLang="zh-CN" sz="1200" b="1" i="1" dirty="0"/>
-              <a:t/>
-            </a:r>
             <a:br>
               <a:rPr lang="en-US" altLang="zh-CN" sz="1200" b="1" i="1" dirty="0"/>
             </a:br>
@@ -7983,10 +7889,6 @@
               <a:rPr lang="en-US" altLang="zh-CN" sz="1200" b="1" i="1" dirty="0" err="1"/>
               <a:t>vendorEnum</a:t>
             </a:r>
-            <a:r>
-              <a:rPr lang="en-US" altLang="zh-CN" sz="1200" b="1" i="1" dirty="0"/>
-              <a:t/>
-            </a:r>
             <a:br>
               <a:rPr lang="en-US" altLang="zh-CN" sz="1200" b="1" i="1" dirty="0"/>
             </a:br>
@@ -8033,58 +7935,58 @@
               <a:t> </a:t>
             </a:r>
             <a:r>
-              <a:rPr lang="en-US" altLang="zh-CN" sz="1200" dirty="0" err="1" smtClean="0"/>
+              <a:rPr lang="en-US" altLang="zh-CN" sz="1200" dirty="0" err="1"/>
               <a:t>isUsingCacheStrategy</a:t>
             </a:r>
             <a:r>
-              <a:rPr lang="en-US" altLang="zh-CN" sz="1200" dirty="0" smtClean="0"/>
+              <a:rPr lang="en-US" altLang="zh-CN" sz="1200" dirty="0"/>
               <a:t>(String </a:t>
             </a:r>
             <a:r>
-              <a:rPr lang="en-US" altLang="zh-CN" sz="1200" dirty="0" err="1" smtClean="0"/>
+              <a:rPr lang="en-US" altLang="zh-CN" sz="1200" dirty="0" err="1"/>
               <a:t>cacheKey</a:t>
             </a:r>
             <a:r>
-              <a:rPr lang="en-US" altLang="zh-CN" sz="1200" dirty="0" smtClean="0"/>
+              <a:rPr lang="en-US" altLang="zh-CN" sz="1200" dirty="0"/>
               <a:t>, </a:t>
             </a:r>
             <a:r>
-              <a:rPr lang="en-US" altLang="zh-CN" sz="1200" dirty="0" err="1" smtClean="0"/>
+              <a:rPr lang="en-US" altLang="zh-CN" sz="1200" dirty="0" err="1"/>
               <a:t>QueryHotelDetailDO</a:t>
             </a:r>
             <a:r>
-              <a:rPr lang="en-US" altLang="zh-CN" sz="1200" dirty="0" smtClean="0"/>
+              <a:rPr lang="en-US" altLang="zh-CN" sz="1200" dirty="0"/>
               <a:t> </a:t>
             </a:r>
             <a:r>
-              <a:rPr lang="en-US" altLang="zh-CN" sz="1200" dirty="0" err="1" smtClean="0"/>
+              <a:rPr lang="en-US" altLang="zh-CN" sz="1200" dirty="0" err="1"/>
               <a:t>queryHotelDetailDO</a:t>
             </a:r>
             <a:r>
-              <a:rPr lang="en-US" altLang="zh-CN" sz="1200" dirty="0" smtClean="0"/>
+              <a:rPr lang="en-US" altLang="zh-CN" sz="1200" dirty="0"/>
               <a:t>, </a:t>
             </a:r>
             <a:r>
-              <a:rPr lang="en-US" altLang="zh-CN" sz="1200" dirty="0" err="1" smtClean="0"/>
+              <a:rPr lang="en-US" altLang="zh-CN" sz="1200" dirty="0" err="1"/>
               <a:t>VendorEnum</a:t>
             </a:r>
             <a:r>
-              <a:rPr lang="en-US" altLang="zh-CN" sz="1200" dirty="0" smtClean="0"/>
+              <a:rPr lang="en-US" altLang="zh-CN" sz="1200" dirty="0"/>
               <a:t> </a:t>
             </a:r>
             <a:r>
-              <a:rPr lang="en-US" altLang="zh-CN" sz="1200" dirty="0" err="1" smtClean="0"/>
+              <a:rPr lang="en-US" altLang="zh-CN" sz="1200" dirty="0" err="1"/>
               <a:t>vendorEnum</a:t>
             </a:r>
             <a:r>
-              <a:rPr lang="en-US" altLang="zh-CN" sz="1200" dirty="0" smtClean="0"/>
+              <a:rPr lang="en-US" altLang="zh-CN" sz="1200" dirty="0"/>
               <a:t>){</a:t>
             </a:r>
             <a:br>
-              <a:rPr lang="en-US" altLang="zh-CN" sz="1200" dirty="0" smtClean="0"/>
-            </a:br>
-            <a:r>
-              <a:rPr lang="en-US" altLang="zh-CN" sz="1200" dirty="0" smtClean="0"/>
+              <a:rPr lang="en-US" altLang="zh-CN" sz="1200" dirty="0"/>
+            </a:br>
+            <a:r>
+              <a:rPr lang="en-US" altLang="zh-CN" sz="1200" dirty="0"/>
               <a:t>        </a:t>
             </a:r>
             <a:r>
@@ -8111,30 +8013,22 @@
               <a:t>if</a:t>
             </a:r>
             <a:r>
-              <a:rPr lang="en-US" altLang="zh-CN" sz="1200" dirty="0" smtClean="0"/>
+              <a:rPr lang="en-US" altLang="zh-CN" sz="1200" dirty="0"/>
               <a:t>(</a:t>
             </a:r>
             <a:r>
-              <a:rPr lang="en-US" altLang="zh-CN" sz="1200" dirty="0" err="1" smtClean="0"/>
+              <a:rPr lang="en-US" altLang="zh-CN" sz="1200" dirty="0" err="1"/>
               <a:t>queryHotelDetailDO.getBuyerId</a:t>
             </a:r>
             <a:r>
-              <a:rPr lang="en-US" altLang="zh-CN" sz="1200" dirty="0" smtClean="0"/>
-              <a:t>() &lt;= </a:t>
-            </a:r>
-            <a:r>
-              <a:rPr lang="en-US" altLang="zh-CN" sz="1200" dirty="0"/>
-              <a:t>0</a:t>
-            </a:r>
-            <a:r>
-              <a:rPr lang="en-US" altLang="zh-CN" sz="1200" dirty="0" smtClean="0"/>
-              <a:t>){</a:t>
-            </a:r>
-            <a:br>
-              <a:rPr lang="en-US" altLang="zh-CN" sz="1200" dirty="0" smtClean="0"/>
-            </a:br>
-            <a:r>
-              <a:rPr lang="en-US" altLang="zh-CN" sz="1200" dirty="0" smtClean="0"/>
+              <a:rPr lang="en-US" altLang="zh-CN" sz="1200" dirty="0"/>
+              <a:t>() &lt;= 0){</a:t>
+            </a:r>
+            <a:br>
+              <a:rPr lang="en-US" altLang="zh-CN" sz="1200" dirty="0"/>
+            </a:br>
+            <a:r>
+              <a:rPr lang="en-US" altLang="zh-CN" sz="1200" dirty="0"/>
               <a:t>            </a:t>
             </a:r>
             <a:r>
@@ -8142,21 +8036,21 @@
               <a:t>return false</a:t>
             </a:r>
             <a:r>
-              <a:rPr lang="en-US" altLang="zh-CN" sz="1200" dirty="0" smtClean="0"/>
+              <a:rPr lang="en-US" altLang="zh-CN" sz="1200" dirty="0"/>
               <a:t>;</a:t>
             </a:r>
             <a:br>
-              <a:rPr lang="en-US" altLang="zh-CN" sz="1200" dirty="0" smtClean="0"/>
-            </a:br>
-            <a:r>
-              <a:rPr lang="en-US" altLang="zh-CN" sz="1200" dirty="0" smtClean="0"/>
+              <a:rPr lang="en-US" altLang="zh-CN" sz="1200" dirty="0"/>
+            </a:br>
+            <a:r>
+              <a:rPr lang="en-US" altLang="zh-CN" sz="1200" dirty="0"/>
               <a:t>        }</a:t>
             </a:r>
             <a:br>
-              <a:rPr lang="en-US" altLang="zh-CN" sz="1200" dirty="0" smtClean="0"/>
-            </a:br>
-            <a:r>
-              <a:rPr lang="en-US" altLang="zh-CN" sz="1200" dirty="0" smtClean="0"/>
+              <a:rPr lang="en-US" altLang="zh-CN" sz="1200" dirty="0"/>
+            </a:br>
+            <a:r>
+              <a:rPr lang="en-US" altLang="zh-CN" sz="1200" dirty="0"/>
               <a:t>        </a:t>
             </a:r>
             <a:r>
@@ -8191,7 +8085,7 @@
               <a:t>if</a:t>
             </a:r>
             <a:r>
-              <a:rPr lang="en-US" altLang="zh-CN" sz="1200" dirty="0" smtClean="0"/>
+              <a:rPr lang="en-US" altLang="zh-CN" sz="1200" dirty="0"/>
               <a:t>(!</a:t>
             </a:r>
             <a:r>
@@ -8199,18 +8093,18 @@
               <a:t>switchController</a:t>
             </a:r>
             <a:r>
-              <a:rPr lang="en-US" altLang="zh-CN" sz="1200" dirty="0" err="1" smtClean="0"/>
+              <a:rPr lang="en-US" altLang="zh-CN" sz="1200" dirty="0" err="1"/>
               <a:t>.getUsingCacheStrategy</a:t>
             </a:r>
             <a:r>
-              <a:rPr lang="en-US" altLang="zh-CN" sz="1200" dirty="0" smtClean="0"/>
+              <a:rPr lang="en-US" altLang="zh-CN" sz="1200" dirty="0"/>
               <a:t>()){</a:t>
             </a:r>
             <a:br>
-              <a:rPr lang="en-US" altLang="zh-CN" sz="1200" dirty="0" smtClean="0"/>
-            </a:br>
-            <a:r>
-              <a:rPr lang="en-US" altLang="zh-CN" sz="1200" dirty="0" smtClean="0"/>
+              <a:rPr lang="en-US" altLang="zh-CN" sz="1200" dirty="0"/>
+            </a:br>
+            <a:r>
+              <a:rPr lang="en-US" altLang="zh-CN" sz="1200" dirty="0"/>
               <a:t>            </a:t>
             </a:r>
             <a:r>
@@ -8218,21 +8112,21 @@
               <a:t>return false</a:t>
             </a:r>
             <a:r>
-              <a:rPr lang="en-US" altLang="zh-CN" sz="1200" dirty="0" smtClean="0"/>
+              <a:rPr lang="en-US" altLang="zh-CN" sz="1200" dirty="0"/>
               <a:t>;</a:t>
             </a:r>
             <a:br>
-              <a:rPr lang="en-US" altLang="zh-CN" sz="1200" dirty="0" smtClean="0"/>
-            </a:br>
-            <a:r>
-              <a:rPr lang="en-US" altLang="zh-CN" sz="1200" dirty="0" smtClean="0"/>
+              <a:rPr lang="en-US" altLang="zh-CN" sz="1200" dirty="0"/>
+            </a:br>
+            <a:r>
+              <a:rPr lang="en-US" altLang="zh-CN" sz="1200" dirty="0"/>
               <a:t>        }</a:t>
             </a:r>
             <a:br>
-              <a:rPr lang="en-US" altLang="zh-CN" sz="1200" dirty="0" smtClean="0"/>
-            </a:br>
-            <a:r>
-              <a:rPr lang="en-US" altLang="zh-CN" sz="1200" dirty="0" smtClean="0"/>
+              <a:rPr lang="en-US" altLang="zh-CN" sz="1200" dirty="0"/>
+            </a:br>
+            <a:r>
+              <a:rPr lang="en-US" altLang="zh-CN" sz="1200" dirty="0"/>
               <a:t>        </a:t>
             </a:r>
             <a:r>
@@ -8267,21 +8161,21 @@
               <a:t>return true</a:t>
             </a:r>
             <a:r>
-              <a:rPr lang="en-US" altLang="zh-CN" sz="1200" dirty="0" smtClean="0"/>
+              <a:rPr lang="en-US" altLang="zh-CN" sz="1200" dirty="0"/>
               <a:t>;</a:t>
             </a:r>
             <a:br>
-              <a:rPr lang="en-US" altLang="zh-CN" sz="1200" dirty="0" smtClean="0"/>
-            </a:br>
-            <a:r>
-              <a:rPr lang="en-US" altLang="zh-CN" sz="1200" dirty="0" smtClean="0"/>
+              <a:rPr lang="en-US" altLang="zh-CN" sz="1200" dirty="0"/>
+            </a:br>
+            <a:r>
+              <a:rPr lang="en-US" altLang="zh-CN" sz="1200" dirty="0"/>
               <a:t>    }</a:t>
             </a:r>
             <a:br>
-              <a:rPr lang="en-US" altLang="zh-CN" sz="1200" dirty="0" smtClean="0"/>
-            </a:br>
-            <a:r>
-              <a:rPr lang="en-US" altLang="zh-CN" sz="1200" dirty="0" smtClean="0"/>
+              <a:rPr lang="en-US" altLang="zh-CN" sz="1200" dirty="0"/>
+            </a:br>
+            <a:r>
+              <a:rPr lang="en-US" altLang="zh-CN" sz="1200" dirty="0"/>
               <a:t>}</a:t>
             </a:r>
             <a:endParaRPr kumimoji="1" lang="zh-CN" altLang="en-US" sz="1200" dirty="0"/>
@@ -8345,25 +8239,21 @@
               <a:t>public class </a:t>
             </a:r>
             <a:r>
-              <a:rPr lang="en-US" altLang="zh-CN" sz="1200" dirty="0" err="1" smtClean="0"/>
+              <a:rPr lang="en-US" altLang="zh-CN" sz="1200" dirty="0" err="1"/>
               <a:t>CacheStrategyHelperTest</a:t>
             </a:r>
             <a:r>
-              <a:rPr lang="en-US" altLang="zh-CN" sz="1200" dirty="0" smtClean="0"/>
+              <a:rPr lang="en-US" altLang="zh-CN" sz="1200" dirty="0"/>
               <a:t> {</a:t>
             </a:r>
             <a:br>
-              <a:rPr lang="en-US" altLang="zh-CN" sz="1200" dirty="0" smtClean="0"/>
-            </a:br>
-            <a:r>
-              <a:rPr lang="en-US" altLang="zh-CN" sz="1200" dirty="0" smtClean="0"/>
-              <a:t/>
-            </a:r>
-            <a:br>
-              <a:rPr lang="en-US" altLang="zh-CN" sz="1200" dirty="0" smtClean="0"/>
-            </a:br>
-            <a:r>
-              <a:rPr lang="en-US" altLang="zh-CN" sz="1200" dirty="0" smtClean="0"/>
+              <a:rPr lang="en-US" altLang="zh-CN" sz="1200" dirty="0"/>
+            </a:br>
+            <a:br>
+              <a:rPr lang="en-US" altLang="zh-CN" sz="1200" dirty="0"/>
+            </a:br>
+            <a:r>
+              <a:rPr lang="en-US" altLang="zh-CN" sz="1200" dirty="0"/>
               <a:t>    </a:t>
             </a:r>
             <a:r>
@@ -8371,7 +8261,7 @@
               <a:t>public static final </a:t>
             </a:r>
             <a:r>
-              <a:rPr lang="en-US" altLang="zh-CN" sz="1200" dirty="0" smtClean="0"/>
+              <a:rPr lang="en-US" altLang="zh-CN" sz="1200" dirty="0"/>
               <a:t>String </a:t>
             </a:r>
             <a:r>
@@ -8379,7 +8269,7 @@
               <a:t>CACHE_KEY </a:t>
             </a:r>
             <a:r>
-              <a:rPr lang="en-US" altLang="zh-CN" sz="1200" dirty="0" smtClean="0"/>
+              <a:rPr lang="en-US" altLang="zh-CN" sz="1200" dirty="0"/>
               <a:t>= </a:t>
             </a:r>
             <a:r>
@@ -8395,14 +8285,14 @@
               <a:t>"</a:t>
             </a:r>
             <a:r>
-              <a:rPr lang="en-US" altLang="zh-CN" sz="1200" dirty="0" smtClean="0"/>
+              <a:rPr lang="en-US" altLang="zh-CN" sz="1200" dirty="0"/>
               <a:t>;</a:t>
             </a:r>
             <a:br>
-              <a:rPr lang="en-US" altLang="zh-CN" sz="1200" dirty="0" smtClean="0"/>
-            </a:br>
-            <a:r>
-              <a:rPr lang="en-US" altLang="zh-CN" sz="1200" dirty="0" smtClean="0"/>
+              <a:rPr lang="en-US" altLang="zh-CN" sz="1200" dirty="0"/>
+            </a:br>
+            <a:r>
+              <a:rPr lang="en-US" altLang="zh-CN" sz="1200" dirty="0"/>
               <a:t>    </a:t>
             </a:r>
             <a:r>
@@ -8410,11 +8300,11 @@
               <a:t>public static final </a:t>
             </a:r>
             <a:r>
-              <a:rPr lang="en-US" altLang="zh-CN" sz="1200" dirty="0" err="1" smtClean="0"/>
+              <a:rPr lang="en-US" altLang="zh-CN" sz="1200" dirty="0" err="1"/>
               <a:t>VendorEnum</a:t>
             </a:r>
             <a:r>
-              <a:rPr lang="en-US" altLang="zh-CN" sz="1200" dirty="0" smtClean="0"/>
+              <a:rPr lang="en-US" altLang="zh-CN" sz="1200" dirty="0"/>
               <a:t> </a:t>
             </a:r>
             <a:r>
@@ -8422,21 +8312,21 @@
               <a:t>VENDOR_ENUM </a:t>
             </a:r>
             <a:r>
-              <a:rPr lang="en-US" altLang="zh-CN" sz="1200" dirty="0" smtClean="0"/>
+              <a:rPr lang="en-US" altLang="zh-CN" sz="1200" dirty="0"/>
               <a:t>= </a:t>
             </a:r>
             <a:r>
-              <a:rPr lang="en-US" altLang="zh-CN" sz="1200" dirty="0" err="1" smtClean="0"/>
+              <a:rPr lang="en-US" altLang="zh-CN" sz="1200" dirty="0" err="1"/>
               <a:t>VendorEnum.</a:t>
             </a:r>
             <a:r>
-              <a:rPr lang="en-US" altLang="zh-CN" sz="1200" i="1" dirty="0" err="1" smtClean="0">
+              <a:rPr lang="en-US" altLang="zh-CN" sz="1200" i="1" dirty="0" err="1">
                 <a:effectLst/>
               </a:rPr>
               <a:t>getEnum</a:t>
             </a:r>
             <a:r>
-              <a:rPr lang="en-US" altLang="zh-CN" sz="1200" dirty="0" smtClean="0"/>
+              <a:rPr lang="en-US" altLang="zh-CN" sz="1200" dirty="0"/>
               <a:t>(</a:t>
             </a:r>
             <a:r>
@@ -8452,14 +8342,14 @@
               <a:t>"</a:t>
             </a:r>
             <a:r>
-              <a:rPr lang="en-US" altLang="zh-CN" sz="1200" dirty="0" smtClean="0"/>
+              <a:rPr lang="en-US" altLang="zh-CN" sz="1200" dirty="0"/>
               <a:t>);</a:t>
             </a:r>
             <a:br>
-              <a:rPr lang="en-US" altLang="zh-CN" sz="1200" dirty="0" smtClean="0"/>
-            </a:br>
-            <a:r>
-              <a:rPr lang="en-US" altLang="zh-CN" sz="1200" dirty="0" smtClean="0"/>
+              <a:rPr lang="en-US" altLang="zh-CN" sz="1200" dirty="0"/>
+            </a:br>
+            <a:r>
+              <a:rPr lang="en-US" altLang="zh-CN" sz="1200" dirty="0"/>
               <a:t>    </a:t>
             </a:r>
             <a:r>
@@ -8467,11 +8357,11 @@
               <a:t>private </a:t>
             </a:r>
             <a:r>
-              <a:rPr lang="en-US" altLang="zh-CN" sz="1200" dirty="0" err="1" smtClean="0"/>
+              <a:rPr lang="en-US" altLang="zh-CN" sz="1200" dirty="0" err="1"/>
               <a:t>CacheStrategyHelper</a:t>
             </a:r>
             <a:r>
-              <a:rPr lang="en-US" altLang="zh-CN" sz="1200" dirty="0" smtClean="0"/>
+              <a:rPr lang="en-US" altLang="zh-CN" sz="1200" dirty="0"/>
               <a:t> </a:t>
             </a:r>
             <a:r>
@@ -8483,7 +8373,7 @@
               <a:t> </a:t>
             </a:r>
             <a:r>
-              <a:rPr lang="en-US" altLang="zh-CN" sz="1200" dirty="0" smtClean="0"/>
+              <a:rPr lang="en-US" altLang="zh-CN" sz="1200" dirty="0"/>
               <a:t>= </a:t>
             </a:r>
             <a:r>
@@ -8491,18 +8381,18 @@
               <a:t>new </a:t>
             </a:r>
             <a:r>
-              <a:rPr lang="en-US" altLang="zh-CN" sz="1200" dirty="0" err="1" smtClean="0"/>
+              <a:rPr lang="en-US" altLang="zh-CN" sz="1200" dirty="0" err="1"/>
               <a:t>CacheStrategyHelper</a:t>
             </a:r>
             <a:r>
-              <a:rPr lang="en-US" altLang="zh-CN" sz="1200" dirty="0" smtClean="0"/>
+              <a:rPr lang="en-US" altLang="zh-CN" sz="1200" dirty="0"/>
               <a:t>();</a:t>
             </a:r>
             <a:br>
-              <a:rPr lang="en-US" altLang="zh-CN" sz="1200" dirty="0" smtClean="0"/>
-            </a:br>
-            <a:r>
-              <a:rPr lang="en-US" altLang="zh-CN" sz="1200" dirty="0" smtClean="0"/>
+              <a:rPr lang="en-US" altLang="zh-CN" sz="1200" dirty="0"/>
+            </a:br>
+            <a:r>
+              <a:rPr lang="en-US" altLang="zh-CN" sz="1200" dirty="0"/>
               <a:t>    </a:t>
             </a:r>
             <a:r>
@@ -8510,11 +8400,11 @@
               <a:t>private </a:t>
             </a:r>
             <a:r>
-              <a:rPr lang="en-US" altLang="zh-CN" sz="1200" dirty="0" err="1" smtClean="0"/>
+              <a:rPr lang="en-US" altLang="zh-CN" sz="1200" dirty="0" err="1"/>
               <a:t>SwitchController</a:t>
             </a:r>
             <a:r>
-              <a:rPr lang="en-US" altLang="zh-CN" sz="1200" dirty="0" smtClean="0"/>
+              <a:rPr lang="en-US" altLang="zh-CN" sz="1200" dirty="0"/>
               <a:t> </a:t>
             </a:r>
             <a:r>
@@ -8522,14 +8412,14 @@
               <a:t>switchController</a:t>
             </a:r>
             <a:r>
-              <a:rPr lang="en-US" altLang="zh-CN" sz="1200" dirty="0" smtClean="0"/>
+              <a:rPr lang="en-US" altLang="zh-CN" sz="1200" dirty="0"/>
               <a:t>;</a:t>
             </a:r>
             <a:br>
-              <a:rPr lang="en-US" altLang="zh-CN" sz="1200" dirty="0" smtClean="0"/>
-            </a:br>
-            <a:r>
-              <a:rPr lang="en-US" altLang="zh-CN" sz="1200" dirty="0" smtClean="0"/>
+              <a:rPr lang="en-US" altLang="zh-CN" sz="1200" dirty="0"/>
+            </a:br>
+            <a:r>
+              <a:rPr lang="en-US" altLang="zh-CN" sz="1200" dirty="0"/>
               <a:t>    </a:t>
             </a:r>
             <a:r>
@@ -8537,7 +8427,7 @@
               <a:t>public </a:t>
             </a:r>
             <a:r>
-              <a:rPr lang="en-US" altLang="zh-CN" sz="1200" dirty="0" smtClean="0"/>
+              <a:rPr lang="en-US" altLang="zh-CN" sz="1200" dirty="0"/>
               <a:t>Object[] </a:t>
             </a:r>
             <a:r>
@@ -8545,26 +8435,18 @@
               <a:t>mocks</a:t>
             </a:r>
             <a:r>
-              <a:rPr lang="en-US" altLang="zh-CN" sz="1200" dirty="0" smtClean="0"/>
+              <a:rPr lang="en-US" altLang="zh-CN" sz="1200" dirty="0"/>
               <a:t>;</a:t>
             </a:r>
             <a:br>
-              <a:rPr lang="en-US" altLang="zh-CN" sz="1200" dirty="0" smtClean="0"/>
-            </a:br>
-            <a:r>
-              <a:rPr lang="en-US" altLang="zh-CN" sz="1200" dirty="0" smtClean="0"/>
-              <a:t/>
-            </a:r>
-            <a:br>
-              <a:rPr lang="en-US" altLang="zh-CN" sz="1200" dirty="0" smtClean="0"/>
-            </a:br>
-            <a:r>
-              <a:rPr lang="en-US" altLang="zh-CN" sz="1200" dirty="0" smtClean="0"/>
-              <a:t>    </a:t>
-            </a:r>
-            <a:r>
-              <a:rPr lang="en-US" altLang="zh-CN" sz="1200" dirty="0"/>
-              <a:t>@Before</a:t>
+              <a:rPr lang="en-US" altLang="zh-CN" sz="1200" dirty="0"/>
+            </a:br>
+            <a:br>
+              <a:rPr lang="en-US" altLang="zh-CN" sz="1200" dirty="0"/>
+            </a:br>
+            <a:r>
+              <a:rPr lang="en-US" altLang="zh-CN" sz="1200" dirty="0"/>
+              <a:t>    @Before</a:t>
             </a:r>
             <a:br>
               <a:rPr lang="en-US" altLang="zh-CN" sz="1200" dirty="0"/>
@@ -8578,11 +8460,11 @@
               <a:t>public void </a:t>
             </a:r>
             <a:r>
-              <a:rPr lang="en-US" altLang="zh-CN" sz="1200" dirty="0" err="1" smtClean="0"/>
+              <a:rPr lang="en-US" altLang="zh-CN" sz="1200" dirty="0" err="1"/>
               <a:t>setUp</a:t>
             </a:r>
             <a:r>
-              <a:rPr lang="en-US" altLang="zh-CN" sz="1200" dirty="0" smtClean="0"/>
+              <a:rPr lang="en-US" altLang="zh-CN" sz="1200" dirty="0"/>
               <a:t>() </a:t>
             </a:r>
             <a:r>
@@ -8590,14 +8472,14 @@
               <a:t>throws </a:t>
             </a:r>
             <a:r>
-              <a:rPr lang="en-US" altLang="zh-CN" sz="1200" dirty="0" smtClean="0"/>
+              <a:rPr lang="en-US" altLang="zh-CN" sz="1200" dirty="0"/>
               <a:t>Exception {</a:t>
             </a:r>
             <a:br>
-              <a:rPr lang="en-US" altLang="zh-CN" sz="1200" dirty="0" smtClean="0"/>
-            </a:br>
-            <a:r>
-              <a:rPr lang="en-US" altLang="zh-CN" sz="1200" dirty="0" smtClean="0"/>
+              <a:rPr lang="en-US" altLang="zh-CN" sz="1200" dirty="0"/>
+            </a:br>
+            <a:r>
+              <a:rPr lang="en-US" altLang="zh-CN" sz="1200" dirty="0"/>
               <a:t>        </a:t>
             </a:r>
             <a:r>
@@ -8609,25 +8491,25 @@
               <a:t> </a:t>
             </a:r>
             <a:r>
-              <a:rPr lang="en-US" altLang="zh-CN" sz="1200" dirty="0" smtClean="0"/>
+              <a:rPr lang="en-US" altLang="zh-CN" sz="1200" dirty="0"/>
               <a:t>= </a:t>
             </a:r>
             <a:r>
-              <a:rPr lang="en-US" altLang="zh-CN" sz="1200" dirty="0" err="1" smtClean="0"/>
+              <a:rPr lang="en-US" altLang="zh-CN" sz="1200" dirty="0" err="1"/>
               <a:t>EasyMock.</a:t>
             </a:r>
             <a:r>
-              <a:rPr lang="en-US" altLang="zh-CN" sz="1200" i="1" dirty="0" err="1" smtClean="0">
+              <a:rPr lang="en-US" altLang="zh-CN" sz="1200" i="1" dirty="0" err="1">
                 <a:effectLst/>
               </a:rPr>
               <a:t>createMock</a:t>
             </a:r>
             <a:r>
-              <a:rPr lang="en-US" altLang="zh-CN" sz="1200" dirty="0" smtClean="0"/>
+              <a:rPr lang="en-US" altLang="zh-CN" sz="1200" dirty="0"/>
               <a:t>(</a:t>
             </a:r>
             <a:r>
-              <a:rPr lang="en-US" altLang="zh-CN" sz="1200" dirty="0" err="1" smtClean="0"/>
+              <a:rPr lang="en-US" altLang="zh-CN" sz="1200" dirty="0" err="1"/>
               <a:t>SwitchController.</a:t>
             </a:r>
             <a:r>
@@ -8635,14 +8517,14 @@
               <a:t>class</a:t>
             </a:r>
             <a:r>
-              <a:rPr lang="en-US" altLang="zh-CN" sz="1200" dirty="0" smtClean="0"/>
+              <a:rPr lang="en-US" altLang="zh-CN" sz="1200" dirty="0"/>
               <a:t>);</a:t>
             </a:r>
             <a:br>
-              <a:rPr lang="en-US" altLang="zh-CN" sz="1200" dirty="0" smtClean="0"/>
-            </a:br>
-            <a:r>
-              <a:rPr lang="en-US" altLang="zh-CN" sz="1200" dirty="0" smtClean="0"/>
+              <a:rPr lang="en-US" altLang="zh-CN" sz="1200" dirty="0"/>
+            </a:br>
+            <a:r>
+              <a:rPr lang="en-US" altLang="zh-CN" sz="1200" dirty="0"/>
               <a:t>        </a:t>
             </a:r>
             <a:r>
@@ -8650,11 +8532,11 @@
               <a:t>cacheStrategyHelper</a:t>
             </a:r>
             <a:r>
-              <a:rPr lang="en-US" altLang="zh-CN" sz="1200" dirty="0" err="1" smtClean="0"/>
+              <a:rPr lang="en-US" altLang="zh-CN" sz="1200" dirty="0" err="1"/>
               <a:t>.setSwitchController</a:t>
             </a:r>
             <a:r>
-              <a:rPr lang="en-US" altLang="zh-CN" sz="1200" dirty="0" smtClean="0"/>
+              <a:rPr lang="en-US" altLang="zh-CN" sz="1200" dirty="0"/>
               <a:t>(</a:t>
             </a:r>
             <a:r>
@@ -8662,14 +8544,14 @@
               <a:t>switchController</a:t>
             </a:r>
             <a:r>
-              <a:rPr lang="en-US" altLang="zh-CN" sz="1200" dirty="0" smtClean="0"/>
+              <a:rPr lang="en-US" altLang="zh-CN" sz="1200" dirty="0"/>
               <a:t>);</a:t>
             </a:r>
             <a:br>
-              <a:rPr lang="en-US" altLang="zh-CN" sz="1200" dirty="0" smtClean="0"/>
-            </a:br>
-            <a:r>
-              <a:rPr lang="en-US" altLang="zh-CN" sz="1200" dirty="0" smtClean="0"/>
+              <a:rPr lang="en-US" altLang="zh-CN" sz="1200" dirty="0"/>
+            </a:br>
+            <a:r>
+              <a:rPr lang="en-US" altLang="zh-CN" sz="1200" dirty="0"/>
               <a:t>        </a:t>
             </a:r>
             <a:r>
@@ -8677,7 +8559,7 @@
               <a:t>mocks </a:t>
             </a:r>
             <a:r>
-              <a:rPr lang="en-US" altLang="zh-CN" sz="1200" dirty="0" smtClean="0"/>
+              <a:rPr lang="en-US" altLang="zh-CN" sz="1200" dirty="0"/>
               <a:t>= </a:t>
             </a:r>
             <a:r>
@@ -8685,7 +8567,7 @@
               <a:t>new </a:t>
             </a:r>
             <a:r>
-              <a:rPr lang="en-US" altLang="zh-CN" sz="1200" dirty="0" smtClean="0"/>
+              <a:rPr lang="en-US" altLang="zh-CN" sz="1200" dirty="0"/>
               <a:t>Object[]{</a:t>
             </a:r>
             <a:r>
@@ -8693,33 +8575,25 @@
               <a:t>switchController</a:t>
             </a:r>
             <a:r>
-              <a:rPr lang="en-US" altLang="zh-CN" sz="1200" dirty="0" smtClean="0"/>
+              <a:rPr lang="en-US" altLang="zh-CN" sz="1200" dirty="0"/>
               <a:t>};</a:t>
             </a:r>
             <a:br>
-              <a:rPr lang="en-US" altLang="zh-CN" sz="1200" dirty="0" smtClean="0"/>
-            </a:br>
-            <a:r>
-              <a:rPr lang="en-US" altLang="zh-CN" sz="1200" dirty="0" smtClean="0"/>
+              <a:rPr lang="en-US" altLang="zh-CN" sz="1200" dirty="0"/>
+            </a:br>
+            <a:r>
+              <a:rPr lang="en-US" altLang="zh-CN" sz="1200" dirty="0"/>
               <a:t>    }</a:t>
             </a:r>
             <a:br>
-              <a:rPr lang="en-US" altLang="zh-CN" sz="1200" dirty="0" smtClean="0"/>
-            </a:br>
-            <a:r>
-              <a:rPr lang="en-US" altLang="zh-CN" sz="1200" dirty="0" smtClean="0"/>
-              <a:t/>
-            </a:r>
-            <a:br>
-              <a:rPr lang="en-US" altLang="zh-CN" sz="1200" dirty="0" smtClean="0"/>
-            </a:br>
-            <a:r>
-              <a:rPr lang="en-US" altLang="zh-CN" sz="1200" dirty="0" smtClean="0"/>
-              <a:t>    </a:t>
-            </a:r>
-            <a:r>
-              <a:rPr lang="en-US" altLang="zh-CN" sz="1200" dirty="0"/>
-              <a:t>@Test</a:t>
+              <a:rPr lang="en-US" altLang="zh-CN" sz="1200" dirty="0"/>
+            </a:br>
+            <a:br>
+              <a:rPr lang="en-US" altLang="zh-CN" sz="1200" dirty="0"/>
+            </a:br>
+            <a:r>
+              <a:rPr lang="en-US" altLang="zh-CN" sz="1200" dirty="0"/>
+              <a:t>    @Test</a:t>
             </a:r>
             <a:br>
               <a:rPr lang="en-US" altLang="zh-CN" sz="1200" dirty="0"/>
@@ -8733,34 +8607,34 @@
               <a:t>public void </a:t>
             </a:r>
             <a:r>
-              <a:rPr lang="en-US" altLang="zh-CN" sz="1200" dirty="0" err="1" smtClean="0"/>
+              <a:rPr lang="en-US" altLang="zh-CN" sz="1200" dirty="0" err="1"/>
               <a:t>testIsUsingCacheStrategyWhenNotLogin</a:t>
             </a:r>
             <a:r>
-              <a:rPr lang="en-US" altLang="zh-CN" sz="1200" dirty="0" smtClean="0"/>
+              <a:rPr lang="en-US" altLang="zh-CN" sz="1200" dirty="0"/>
               <a:t>(){</a:t>
             </a:r>
             <a:br>
-              <a:rPr lang="en-US" altLang="zh-CN" sz="1200" dirty="0" smtClean="0"/>
-            </a:br>
-            <a:r>
-              <a:rPr lang="en-US" altLang="zh-CN" sz="1200" dirty="0" smtClean="0"/>
+              <a:rPr lang="en-US" altLang="zh-CN" sz="1200" dirty="0"/>
+            </a:br>
+            <a:r>
+              <a:rPr lang="en-US" altLang="zh-CN" sz="1200" dirty="0"/>
               <a:t>        </a:t>
             </a:r>
             <a:r>
-              <a:rPr lang="en-US" altLang="zh-CN" sz="1200" dirty="0" err="1" smtClean="0"/>
+              <a:rPr lang="en-US" altLang="zh-CN" sz="1200" dirty="0" err="1"/>
               <a:t>QueryHotelDetailDO</a:t>
             </a:r>
             <a:r>
-              <a:rPr lang="en-US" altLang="zh-CN" sz="1200" dirty="0" smtClean="0"/>
+              <a:rPr lang="en-US" altLang="zh-CN" sz="1200" dirty="0"/>
               <a:t> </a:t>
             </a:r>
             <a:r>
-              <a:rPr lang="en-US" altLang="zh-CN" sz="1200" dirty="0" err="1" smtClean="0"/>
+              <a:rPr lang="en-US" altLang="zh-CN" sz="1200" dirty="0" err="1"/>
               <a:t>queryHotelDetailDO</a:t>
             </a:r>
             <a:r>
-              <a:rPr lang="en-US" altLang="zh-CN" sz="1200" dirty="0" smtClean="0"/>
+              <a:rPr lang="en-US" altLang="zh-CN" sz="1200" dirty="0"/>
               <a:t> = </a:t>
             </a:r>
             <a:r>
@@ -8768,55 +8642,47 @@
               <a:t>new </a:t>
             </a:r>
             <a:r>
-              <a:rPr lang="en-US" altLang="zh-CN" sz="1200" dirty="0" err="1" smtClean="0"/>
+              <a:rPr lang="en-US" altLang="zh-CN" sz="1200" dirty="0" err="1"/>
               <a:t>QueryHotelDetailDO</a:t>
             </a:r>
             <a:r>
-              <a:rPr lang="en-US" altLang="zh-CN" sz="1200" dirty="0" smtClean="0"/>
+              <a:rPr lang="en-US" altLang="zh-CN" sz="1200" dirty="0"/>
               <a:t>();</a:t>
             </a:r>
             <a:br>
-              <a:rPr lang="en-US" altLang="zh-CN" sz="1200" dirty="0" smtClean="0"/>
-            </a:br>
-            <a:r>
-              <a:rPr lang="en-US" altLang="zh-CN" sz="1200" dirty="0" smtClean="0"/>
+              <a:rPr lang="en-US" altLang="zh-CN" sz="1200" dirty="0"/>
+            </a:br>
+            <a:r>
+              <a:rPr lang="en-US" altLang="zh-CN" sz="1200" dirty="0"/>
               <a:t>        </a:t>
             </a:r>
             <a:r>
-              <a:rPr lang="en-US" altLang="zh-CN" sz="1200" dirty="0" err="1" smtClean="0"/>
+              <a:rPr lang="en-US" altLang="zh-CN" sz="1200" dirty="0" err="1"/>
               <a:t>queryHotelDetailDO.setBuyerId</a:t>
             </a:r>
             <a:r>
-              <a:rPr lang="en-US" altLang="zh-CN" sz="1200" dirty="0" smtClean="0"/>
-              <a:t>(</a:t>
-            </a:r>
-            <a:r>
-              <a:rPr lang="en-US" altLang="zh-CN" sz="1200" dirty="0"/>
-              <a:t>0L</a:t>
-            </a:r>
-            <a:r>
-              <a:rPr lang="en-US" altLang="zh-CN" sz="1200" dirty="0" smtClean="0"/>
-              <a:t>);</a:t>
-            </a:r>
-            <a:br>
-              <a:rPr lang="en-US" altLang="zh-CN" sz="1200" dirty="0" smtClean="0"/>
-            </a:br>
-            <a:r>
-              <a:rPr lang="en-US" altLang="zh-CN" sz="1200" dirty="0" smtClean="0"/>
+              <a:rPr lang="en-US" altLang="zh-CN" sz="1200" dirty="0"/>
+              <a:t>(0L);</a:t>
+            </a:r>
+            <a:br>
+              <a:rPr lang="en-US" altLang="zh-CN" sz="1200" dirty="0"/>
+            </a:br>
+            <a:r>
+              <a:rPr lang="en-US" altLang="zh-CN" sz="1200" dirty="0"/>
               <a:t>        </a:t>
             </a:r>
             <a:r>
-              <a:rPr lang="en-US" altLang="zh-CN" sz="1200" dirty="0" err="1" smtClean="0"/>
+              <a:rPr lang="en-US" altLang="zh-CN" sz="1200" dirty="0" err="1"/>
               <a:t>Assert.</a:t>
             </a:r>
             <a:r>
-              <a:rPr lang="en-US" altLang="zh-CN" sz="1200" i="1" dirty="0" err="1" smtClean="0">
+              <a:rPr lang="en-US" altLang="zh-CN" sz="1200" i="1" dirty="0" err="1">
                 <a:effectLst/>
               </a:rPr>
               <a:t>assertFalse</a:t>
             </a:r>
             <a:r>
-              <a:rPr lang="en-US" altLang="zh-CN" sz="1200" dirty="0" smtClean="0"/>
+              <a:rPr lang="en-US" altLang="zh-CN" sz="1200" dirty="0"/>
               <a:t>(</a:t>
             </a:r>
             <a:r>
@@ -8824,11 +8690,11 @@
               <a:t>cacheStrategyHelper</a:t>
             </a:r>
             <a:r>
-              <a:rPr lang="en-US" altLang="zh-CN" sz="1200" dirty="0" err="1" smtClean="0"/>
+              <a:rPr lang="en-US" altLang="zh-CN" sz="1200" dirty="0" err="1"/>
               <a:t>.isUsingCacheStrategy</a:t>
             </a:r>
             <a:r>
-              <a:rPr lang="en-US" altLang="zh-CN" sz="1200" dirty="0" smtClean="0"/>
+              <a:rPr lang="en-US" altLang="zh-CN" sz="1200" dirty="0"/>
               <a:t>(</a:t>
             </a:r>
             <a:r>
@@ -8836,15 +8702,15 @@
               <a:t>CACHE_KEY</a:t>
             </a:r>
             <a:r>
-              <a:rPr lang="en-US" altLang="zh-CN" sz="1200" dirty="0" smtClean="0"/>
+              <a:rPr lang="en-US" altLang="zh-CN" sz="1200" dirty="0"/>
               <a:t>, </a:t>
             </a:r>
             <a:r>
-              <a:rPr lang="en-US" altLang="zh-CN" sz="1200" dirty="0" err="1" smtClean="0"/>
+              <a:rPr lang="en-US" altLang="zh-CN" sz="1200" dirty="0" err="1"/>
               <a:t>queryHotelDetailDO</a:t>
             </a:r>
             <a:r>
-              <a:rPr lang="en-US" altLang="zh-CN" sz="1200" dirty="0" smtClean="0"/>
+              <a:rPr lang="en-US" altLang="zh-CN" sz="1200" dirty="0"/>
               <a:t>, </a:t>
             </a:r>
             <a:r>
@@ -8852,33 +8718,25 @@
               <a:t>VENDOR_ENUM</a:t>
             </a:r>
             <a:r>
-              <a:rPr lang="en-US" altLang="zh-CN" sz="1200" dirty="0" smtClean="0"/>
+              <a:rPr lang="en-US" altLang="zh-CN" sz="1200" dirty="0"/>
               <a:t>));</a:t>
             </a:r>
             <a:br>
-              <a:rPr lang="en-US" altLang="zh-CN" sz="1200" dirty="0" smtClean="0"/>
-            </a:br>
-            <a:r>
-              <a:rPr lang="en-US" altLang="zh-CN" sz="1200" dirty="0" smtClean="0"/>
+              <a:rPr lang="en-US" altLang="zh-CN" sz="1200" dirty="0"/>
+            </a:br>
+            <a:r>
+              <a:rPr lang="en-US" altLang="zh-CN" sz="1200" dirty="0"/>
               <a:t>    }</a:t>
             </a:r>
             <a:br>
-              <a:rPr lang="en-US" altLang="zh-CN" sz="1200" dirty="0" smtClean="0"/>
-            </a:br>
-            <a:r>
-              <a:rPr lang="en-US" altLang="zh-CN" sz="1200" dirty="0" smtClean="0"/>
-              <a:t/>
-            </a:r>
-            <a:br>
-              <a:rPr lang="en-US" altLang="zh-CN" sz="1200" dirty="0" smtClean="0"/>
-            </a:br>
-            <a:r>
-              <a:rPr lang="en-US" altLang="zh-CN" sz="1200" dirty="0" smtClean="0"/>
-              <a:t>    </a:t>
-            </a:r>
-            <a:r>
-              <a:rPr lang="en-US" altLang="zh-CN" sz="1200" dirty="0"/>
-              <a:t>@Test</a:t>
+              <a:rPr lang="en-US" altLang="zh-CN" sz="1200" dirty="0"/>
+            </a:br>
+            <a:br>
+              <a:rPr lang="en-US" altLang="zh-CN" sz="1200" dirty="0"/>
+            </a:br>
+            <a:r>
+              <a:rPr lang="en-US" altLang="zh-CN" sz="1200" dirty="0"/>
+              <a:t>    @Test</a:t>
             </a:r>
             <a:br>
               <a:rPr lang="en-US" altLang="zh-CN" sz="1200" dirty="0"/>
@@ -8892,34 +8750,34 @@
               <a:t>public void </a:t>
             </a:r>
             <a:r>
-              <a:rPr lang="en-US" altLang="zh-CN" sz="1200" dirty="0" err="1" smtClean="0"/>
+              <a:rPr lang="en-US" altLang="zh-CN" sz="1200" dirty="0" err="1"/>
               <a:t>testIsUsingCacheStrategyWhenSwitchIsClose</a:t>
             </a:r>
             <a:r>
-              <a:rPr lang="en-US" altLang="zh-CN" sz="1200" dirty="0" smtClean="0"/>
+              <a:rPr lang="en-US" altLang="zh-CN" sz="1200" dirty="0"/>
               <a:t>(){</a:t>
             </a:r>
             <a:br>
-              <a:rPr lang="en-US" altLang="zh-CN" sz="1200" dirty="0" smtClean="0"/>
-            </a:br>
-            <a:r>
-              <a:rPr lang="en-US" altLang="zh-CN" sz="1200" dirty="0" smtClean="0"/>
+              <a:rPr lang="en-US" altLang="zh-CN" sz="1200" dirty="0"/>
+            </a:br>
+            <a:r>
+              <a:rPr lang="en-US" altLang="zh-CN" sz="1200" dirty="0"/>
               <a:t>        </a:t>
             </a:r>
             <a:r>
-              <a:rPr lang="en-US" altLang="zh-CN" sz="1200" dirty="0" err="1" smtClean="0"/>
+              <a:rPr lang="en-US" altLang="zh-CN" sz="1200" dirty="0" err="1"/>
               <a:t>QueryHotelDetailDO</a:t>
             </a:r>
             <a:r>
-              <a:rPr lang="en-US" altLang="zh-CN" sz="1200" dirty="0" smtClean="0"/>
+              <a:rPr lang="en-US" altLang="zh-CN" sz="1200" dirty="0"/>
               <a:t> </a:t>
             </a:r>
             <a:r>
-              <a:rPr lang="en-US" altLang="zh-CN" sz="1200" dirty="0" err="1" smtClean="0"/>
+              <a:rPr lang="en-US" altLang="zh-CN" sz="1200" dirty="0" err="1"/>
               <a:t>queryHotelDetailDO</a:t>
             </a:r>
             <a:r>
-              <a:rPr lang="en-US" altLang="zh-CN" sz="1200" dirty="0" smtClean="0"/>
+              <a:rPr lang="en-US" altLang="zh-CN" sz="1200" dirty="0"/>
               <a:t> = </a:t>
             </a:r>
             <a:r>
@@ -8927,55 +8785,47 @@
               <a:t>new </a:t>
             </a:r>
             <a:r>
-              <a:rPr lang="en-US" altLang="zh-CN" sz="1200" dirty="0" err="1" smtClean="0"/>
+              <a:rPr lang="en-US" altLang="zh-CN" sz="1200" dirty="0" err="1"/>
               <a:t>QueryHotelDetailDO</a:t>
             </a:r>
             <a:r>
-              <a:rPr lang="en-US" altLang="zh-CN" sz="1200" dirty="0" smtClean="0"/>
+              <a:rPr lang="en-US" altLang="zh-CN" sz="1200" dirty="0"/>
               <a:t>();</a:t>
             </a:r>
             <a:br>
-              <a:rPr lang="en-US" altLang="zh-CN" sz="1200" dirty="0" smtClean="0"/>
-            </a:br>
-            <a:r>
-              <a:rPr lang="en-US" altLang="zh-CN" sz="1200" dirty="0" smtClean="0"/>
+              <a:rPr lang="en-US" altLang="zh-CN" sz="1200" dirty="0"/>
+            </a:br>
+            <a:r>
+              <a:rPr lang="en-US" altLang="zh-CN" sz="1200" dirty="0"/>
               <a:t>        </a:t>
             </a:r>
             <a:r>
-              <a:rPr lang="en-US" altLang="zh-CN" sz="1200" dirty="0" err="1" smtClean="0"/>
+              <a:rPr lang="en-US" altLang="zh-CN" sz="1200" dirty="0" err="1"/>
               <a:t>queryHotelDetailDO.setBuyerId</a:t>
             </a:r>
             <a:r>
-              <a:rPr lang="en-US" altLang="zh-CN" sz="1200" dirty="0" smtClean="0"/>
-              <a:t>(</a:t>
-            </a:r>
-            <a:r>
-              <a:rPr lang="en-US" altLang="zh-CN" sz="1200" dirty="0"/>
-              <a:t>1L</a:t>
-            </a:r>
-            <a:r>
-              <a:rPr lang="en-US" altLang="zh-CN" sz="1200" dirty="0" smtClean="0"/>
-              <a:t>);</a:t>
-            </a:r>
-            <a:br>
-              <a:rPr lang="en-US" altLang="zh-CN" sz="1200" dirty="0" smtClean="0"/>
-            </a:br>
-            <a:r>
-              <a:rPr lang="en-US" altLang="zh-CN" sz="1200" dirty="0" smtClean="0"/>
+              <a:rPr lang="en-US" altLang="zh-CN" sz="1200" dirty="0"/>
+              <a:t>(1L);</a:t>
+            </a:r>
+            <a:br>
+              <a:rPr lang="en-US" altLang="zh-CN" sz="1200" dirty="0"/>
+            </a:br>
+            <a:r>
+              <a:rPr lang="en-US" altLang="zh-CN" sz="1200" dirty="0"/>
               <a:t>        </a:t>
             </a:r>
             <a:r>
-              <a:rPr lang="en-US" altLang="zh-CN" sz="1200" dirty="0" err="1" smtClean="0"/>
+              <a:rPr lang="en-US" altLang="zh-CN" sz="1200" dirty="0" err="1"/>
               <a:t>EasyMock.</a:t>
             </a:r>
             <a:r>
-              <a:rPr lang="en-US" altLang="zh-CN" sz="1200" i="1" dirty="0" err="1" smtClean="0">
+              <a:rPr lang="en-US" altLang="zh-CN" sz="1200" i="1" dirty="0" err="1">
                 <a:effectLst/>
               </a:rPr>
               <a:t>expect</a:t>
             </a:r>
             <a:r>
-              <a:rPr lang="en-US" altLang="zh-CN" sz="1200" dirty="0" smtClean="0"/>
+              <a:rPr lang="en-US" altLang="zh-CN" sz="1200" dirty="0"/>
               <a:t>(</a:t>
             </a:r>
             <a:r>
@@ -8983,19 +8833,19 @@
               <a:t>switchController</a:t>
             </a:r>
             <a:r>
-              <a:rPr lang="en-US" altLang="zh-CN" sz="1200" dirty="0" err="1" smtClean="0"/>
+              <a:rPr lang="en-US" altLang="zh-CN" sz="1200" dirty="0" err="1"/>
               <a:t>.getUsingCacheStrategy</a:t>
             </a:r>
             <a:r>
-              <a:rPr lang="en-US" altLang="zh-CN" sz="1200" dirty="0" smtClean="0"/>
+              <a:rPr lang="en-US" altLang="zh-CN" sz="1200" dirty="0"/>
               <a:t>()).</a:t>
             </a:r>
             <a:r>
-              <a:rPr lang="en-US" altLang="zh-CN" sz="1200" dirty="0" err="1" smtClean="0"/>
+              <a:rPr lang="en-US" altLang="zh-CN" sz="1200" dirty="0" err="1"/>
               <a:t>andReturn</a:t>
             </a:r>
             <a:r>
-              <a:rPr lang="en-US" altLang="zh-CN" sz="1200" dirty="0" smtClean="0"/>
+              <a:rPr lang="en-US" altLang="zh-CN" sz="1200" dirty="0"/>
               <a:t>(</a:t>
             </a:r>
             <a:r>
@@ -9003,28 +8853,28 @@
               <a:t>false</a:t>
             </a:r>
             <a:r>
-              <a:rPr lang="en-US" altLang="zh-CN" sz="1200" dirty="0" smtClean="0"/>
+              <a:rPr lang="en-US" altLang="zh-CN" sz="1200" dirty="0"/>
               <a:t>);</a:t>
             </a:r>
             <a:br>
-              <a:rPr lang="en-US" altLang="zh-CN" sz="1200" dirty="0" smtClean="0"/>
-            </a:br>
-            <a:r>
-              <a:rPr lang="en-US" altLang="zh-CN" sz="1200" dirty="0" smtClean="0"/>
+              <a:rPr lang="en-US" altLang="zh-CN" sz="1200" dirty="0"/>
+            </a:br>
+            <a:r>
+              <a:rPr lang="en-US" altLang="zh-CN" sz="1200" dirty="0"/>
               <a:t>        </a:t>
             </a:r>
             <a:r>
-              <a:rPr lang="en-US" altLang="zh-CN" sz="1200" dirty="0" err="1" smtClean="0"/>
+              <a:rPr lang="en-US" altLang="zh-CN" sz="1200" dirty="0" err="1"/>
               <a:t>EasyMock.</a:t>
             </a:r>
             <a:r>
-              <a:rPr lang="en-US" altLang="zh-CN" sz="1200" i="1" dirty="0" err="1" smtClean="0">
+              <a:rPr lang="en-US" altLang="zh-CN" sz="1200" i="1" dirty="0" err="1">
                 <a:effectLst/>
               </a:rPr>
               <a:t>replay</a:t>
             </a:r>
             <a:r>
-              <a:rPr lang="en-US" altLang="zh-CN" sz="1200" dirty="0" smtClean="0"/>
+              <a:rPr lang="en-US" altLang="zh-CN" sz="1200" dirty="0"/>
               <a:t>(</a:t>
             </a:r>
             <a:r>
@@ -9032,28 +8882,28 @@
               <a:t>mocks</a:t>
             </a:r>
             <a:r>
-              <a:rPr lang="en-US" altLang="zh-CN" sz="1200" dirty="0" smtClean="0"/>
+              <a:rPr lang="en-US" altLang="zh-CN" sz="1200" dirty="0"/>
               <a:t>);</a:t>
             </a:r>
             <a:br>
-              <a:rPr lang="en-US" altLang="zh-CN" sz="1200" dirty="0" smtClean="0"/>
-            </a:br>
-            <a:r>
-              <a:rPr lang="en-US" altLang="zh-CN" sz="1200" dirty="0" smtClean="0"/>
+              <a:rPr lang="en-US" altLang="zh-CN" sz="1200" dirty="0"/>
+            </a:br>
+            <a:r>
+              <a:rPr lang="en-US" altLang="zh-CN" sz="1200" dirty="0"/>
               <a:t>        </a:t>
             </a:r>
             <a:r>
-              <a:rPr lang="en-US" altLang="zh-CN" sz="1200" dirty="0" err="1" smtClean="0"/>
+              <a:rPr lang="en-US" altLang="zh-CN" sz="1200" dirty="0" err="1"/>
               <a:t>Assert.</a:t>
             </a:r>
             <a:r>
-              <a:rPr lang="en-US" altLang="zh-CN" sz="1200" i="1" dirty="0" err="1" smtClean="0">
+              <a:rPr lang="en-US" altLang="zh-CN" sz="1200" i="1" dirty="0" err="1">
                 <a:effectLst/>
               </a:rPr>
               <a:t>assertFalse</a:t>
             </a:r>
             <a:r>
-              <a:rPr lang="en-US" altLang="zh-CN" sz="1200" dirty="0" smtClean="0"/>
+              <a:rPr lang="en-US" altLang="zh-CN" sz="1200" dirty="0"/>
               <a:t>(</a:t>
             </a:r>
             <a:r>
@@ -9061,11 +8911,11 @@
               <a:t>cacheStrategyHelper</a:t>
             </a:r>
             <a:r>
-              <a:rPr lang="en-US" altLang="zh-CN" sz="1200" dirty="0" err="1" smtClean="0"/>
+              <a:rPr lang="en-US" altLang="zh-CN" sz="1200" dirty="0" err="1"/>
               <a:t>.isUsingCacheStrategy</a:t>
             </a:r>
             <a:r>
-              <a:rPr lang="en-US" altLang="zh-CN" sz="1200" dirty="0" smtClean="0"/>
+              <a:rPr lang="en-US" altLang="zh-CN" sz="1200" dirty="0"/>
               <a:t>(</a:t>
             </a:r>
             <a:r>
@@ -9073,15 +8923,15 @@
               <a:t>CACHE_KEY</a:t>
             </a:r>
             <a:r>
-              <a:rPr lang="en-US" altLang="zh-CN" sz="1200" dirty="0" smtClean="0"/>
+              <a:rPr lang="en-US" altLang="zh-CN" sz="1200" dirty="0"/>
               <a:t>, </a:t>
             </a:r>
             <a:r>
-              <a:rPr lang="en-US" altLang="zh-CN" sz="1200" dirty="0" err="1" smtClean="0"/>
+              <a:rPr lang="en-US" altLang="zh-CN" sz="1200" dirty="0" err="1"/>
               <a:t>queryHotelDetailDO</a:t>
             </a:r>
             <a:r>
-              <a:rPr lang="en-US" altLang="zh-CN" sz="1200" dirty="0" smtClean="0"/>
+              <a:rPr lang="en-US" altLang="zh-CN" sz="1200" dirty="0"/>
               <a:t>, </a:t>
             </a:r>
             <a:r>
@@ -9089,28 +8939,28 @@
               <a:t>VENDOR_ENUM</a:t>
             </a:r>
             <a:r>
-              <a:rPr lang="en-US" altLang="zh-CN" sz="1200" dirty="0" smtClean="0"/>
+              <a:rPr lang="en-US" altLang="zh-CN" sz="1200" dirty="0"/>
               <a:t>));</a:t>
             </a:r>
             <a:br>
-              <a:rPr lang="en-US" altLang="zh-CN" sz="1200" dirty="0" smtClean="0"/>
-            </a:br>
-            <a:r>
-              <a:rPr lang="en-US" altLang="zh-CN" sz="1200" dirty="0" smtClean="0"/>
+              <a:rPr lang="en-US" altLang="zh-CN" sz="1200" dirty="0"/>
+            </a:br>
+            <a:r>
+              <a:rPr lang="en-US" altLang="zh-CN" sz="1200" dirty="0"/>
               <a:t>        </a:t>
             </a:r>
             <a:r>
-              <a:rPr lang="en-US" altLang="zh-CN" sz="1200" dirty="0" err="1" smtClean="0"/>
+              <a:rPr lang="en-US" altLang="zh-CN" sz="1200" dirty="0" err="1"/>
               <a:t>EasyMock.</a:t>
             </a:r>
             <a:r>
-              <a:rPr lang="en-US" altLang="zh-CN" sz="1200" i="1" dirty="0" err="1" smtClean="0">
+              <a:rPr lang="en-US" altLang="zh-CN" sz="1200" i="1" dirty="0" err="1">
                 <a:effectLst/>
               </a:rPr>
               <a:t>verify</a:t>
             </a:r>
             <a:r>
-              <a:rPr lang="en-US" altLang="zh-CN" sz="1200" dirty="0" smtClean="0"/>
+              <a:rPr lang="en-US" altLang="zh-CN" sz="1200" dirty="0"/>
               <a:t>(</a:t>
             </a:r>
             <a:r>
@@ -9118,21 +8968,21 @@
               <a:t>mocks</a:t>
             </a:r>
             <a:r>
-              <a:rPr lang="en-US" altLang="zh-CN" sz="1200" dirty="0" smtClean="0"/>
+              <a:rPr lang="en-US" altLang="zh-CN" sz="1200" dirty="0"/>
               <a:t>);</a:t>
             </a:r>
             <a:br>
-              <a:rPr lang="en-US" altLang="zh-CN" sz="1200" dirty="0" smtClean="0"/>
-            </a:br>
-            <a:r>
-              <a:rPr lang="en-US" altLang="zh-CN" sz="1200" dirty="0" smtClean="0"/>
+              <a:rPr lang="en-US" altLang="zh-CN" sz="1200" dirty="0"/>
+            </a:br>
+            <a:r>
+              <a:rPr lang="en-US" altLang="zh-CN" sz="1200" dirty="0"/>
               <a:t>    }</a:t>
             </a:r>
             <a:br>
-              <a:rPr lang="en-US" altLang="zh-CN" sz="1200" dirty="0" smtClean="0"/>
-            </a:br>
-            <a:r>
-              <a:rPr lang="en-US" altLang="zh-CN" sz="1200" dirty="0" smtClean="0"/>
+              <a:rPr lang="en-US" altLang="zh-CN" sz="1200" dirty="0"/>
+            </a:br>
+            <a:r>
+              <a:rPr lang="en-US" altLang="zh-CN" sz="1200" dirty="0"/>
               <a:t>}</a:t>
             </a:r>
             <a:endParaRPr kumimoji="1" lang="zh-CN" altLang="en-US" sz="1200" dirty="0"/>
